--- a/lectures3/Pythonlearn-13-WebServices.pptx
+++ b/lectures3/Pythonlearn-13-WebServices.pptx
@@ -8511,7 +8511,7 @@
               <a:buNone/>
             </a:pPr>
             <a:r>
-              <a:rPr lang="pl" sz="3200" b="0" i="0" u="none" strike="noStrike" cap="none" baseline="0">
+              <a:rPr lang="pl" sz="3200" b="0" i="0" u="none" strike="noStrike" cap="none" baseline="0" dirty="0">
                 <a:solidFill>
                   <a:srgbClr val="FFFF00"/>
                 </a:solidFill>
@@ -8542,25 +8542,40 @@
               <a:buNone/>
             </a:pPr>
             <a:r>
-              <a:rPr lang="pl" sz="3200" b="0" i="0" u="none" baseline="0">
+              <a:rPr lang="pl" sz="3200" b="0" i="0" u="sng" strike="noStrike" cap="none" baseline="0" dirty="0">
                 <a:solidFill>
                   <a:srgbClr val="FFFF00"/>
                 </a:solidFill>
-                <a:latin typeface="Arial Regular" charset="0"/>
-                <a:ea typeface="Arial Regular" charset="0"/>
-                <a:cs typeface="Arial Regular" charset="0"/>
-                <a:sym typeface="Cabin"/>
-              </a:rPr>
-              <a:t>www.py4e.com</a:t>
-            </a:r>
-            <a:endParaRPr lang="pl" sz="3200" u="none" strike="noStrike" cap="none" dirty="0">
+                <a:latin typeface="Arial" charset="0"/>
+                <a:ea typeface="Arial" charset="0"/>
+                <a:cs typeface="Arial" charset="0"/>
+                <a:sym typeface="Cabin"/>
+                <a:hlinkClick r:id="rId3"/>
+              </a:rPr>
+              <a:t>www.py4e.</a:t>
+            </a:r>
+            <a:r>
+              <a:rPr lang="en-US" sz="3200" b="0" i="0" u="sng" strike="noStrike" cap="none" baseline="0">
+                <a:solidFill>
+                  <a:srgbClr val="FFFF00"/>
+                </a:solidFill>
+                <a:latin typeface="Arial" charset="0"/>
+                <a:ea typeface="Arial" charset="0"/>
+                <a:cs typeface="Arial" charset="0"/>
+                <a:sym typeface="Cabin"/>
+                <a:hlinkClick r:id="rId3"/>
+              </a:rPr>
+              <a:t>pl</a:t>
+            </a:r>
+            <a:endParaRPr lang="pl" sz="3200" u="sng" strike="noStrike" cap="none" dirty="0">
               <a:solidFill>
                 <a:srgbClr val="FFFF00"/>
               </a:solidFill>
-              <a:latin typeface="Arial Regular" charset="0"/>
-              <a:ea typeface="Arial Regular" charset="0"/>
-              <a:cs typeface="Arial Regular" charset="0"/>
+              <a:latin typeface="Arial" charset="0"/>
+              <a:ea typeface="Arial" charset="0"/>
+              <a:cs typeface="Arial" charset="0"/>
               <a:sym typeface="Cabin"/>
+              <a:hlinkClick r:id="rId4"/>
             </a:endParaRPr>
           </a:p>
         </p:txBody>
@@ -8572,7 +8587,7 @@
           <p:nvPr/>
         </p:nvPicPr>
         <p:blipFill rotWithShape="1">
-          <a:blip r:embed="rId3">
+          <a:blip r:embed="rId5">
             <a:alphaModFix/>
           </a:blip>
           <a:srcRect/>
@@ -8599,7 +8614,7 @@
           <p:nvPr/>
         </p:nvPicPr>
         <p:blipFill rotWithShape="1">
-          <a:blip r:embed="rId4">
+          <a:blip r:embed="rId6">
             <a:alphaModFix/>
           </a:blip>
           <a:srcRect/>
@@ -9663,7 +9678,7 @@
               <a:buNone/>
             </a:pPr>
             <a:r>
-              <a:rPr lang="pl" sz="3000" b="0" i="0" u="sng" strike="noStrike" cap="none" baseline="0">
+              <a:rPr lang="pl-PL" sz="3000" b="0" i="0" u="sng" strike="noStrike" cap="none" baseline="0" dirty="0">
                 <a:solidFill>
                   <a:srgbClr val="FFFF00"/>
                 </a:solidFill>
@@ -9673,8 +9688,18 @@
                 <a:sym typeface="Cabin"/>
                 <a:hlinkClick r:id="rId3"/>
               </a:rPr>
-              <a:t>http://en.wikipedia.org/wiki/Serialization</a:t>
-            </a:r>
+              <a:t>https://pl.wikipedia.org/wiki/Serializacja</a:t>
+            </a:r>
+            <a:endParaRPr lang="pl" sz="3000" b="0" i="0" u="sng" strike="noStrike" cap="none" baseline="0" dirty="0">
+              <a:solidFill>
+                <a:srgbClr val="FFFF00"/>
+              </a:solidFill>
+              <a:latin typeface="Arial" charset="0"/>
+              <a:ea typeface="Arial" charset="0"/>
+              <a:cs typeface="Arial" charset="0"/>
+              <a:sym typeface="Cabin"/>
+              <a:hlinkClick r:id="rId4"/>
+            </a:endParaRPr>
           </a:p>
         </p:txBody>
       </p:sp>
@@ -13994,7 +14019,7 @@
               <a:buNone/>
             </a:pPr>
             <a:r>
-              <a:rPr lang="pl" sz="3000" b="0" i="0" u="sng" strike="noStrike" cap="none" baseline="0">
+              <a:rPr lang="pl-PL" sz="3000" b="0" i="0" u="sng" strike="noStrike" cap="none" baseline="0" dirty="0">
                 <a:solidFill>
                   <a:srgbClr val="FFFF00"/>
                 </a:solidFill>
@@ -14004,8 +14029,18 @@
                 <a:sym typeface="Cabin"/>
                 <a:hlinkClick r:id="rId3"/>
               </a:rPr>
-              <a:t>http://en.wikipedia.org/wiki/Xml_schema</a:t>
-            </a:r>
+              <a:t>https://en.wikipedia.org/wiki/XML_schema</a:t>
+            </a:r>
+            <a:endParaRPr lang="pl" sz="3000" b="0" i="0" u="sng" strike="noStrike" cap="none" baseline="0" dirty="0">
+              <a:solidFill>
+                <a:srgbClr val="FFFF00"/>
+              </a:solidFill>
+              <a:latin typeface="Arial" charset="0"/>
+              <a:ea typeface="Arial" charset="0"/>
+              <a:cs typeface="Arial" charset="0"/>
+              <a:sym typeface="Cabin"/>
+              <a:hlinkClick r:id="rId4"/>
+            </a:endParaRPr>
           </a:p>
         </p:txBody>
       </p:sp>
@@ -14052,7 +14087,7 @@
               <a:buNone/>
             </a:pPr>
             <a:r>
-              <a:rPr lang="pl" sz="3000" b="0" i="0" u="sng" strike="noStrike" cap="none" baseline="0">
+              <a:rPr lang="pl-PL" sz="3000" b="0" i="0" u="sng" strike="noStrike" cap="none" baseline="0" dirty="0">
                 <a:solidFill>
                   <a:srgbClr val="FFFF00"/>
                 </a:solidFill>
@@ -14060,10 +14095,20 @@
                 <a:ea typeface="Arial" charset="0"/>
                 <a:cs typeface="Arial" charset="0"/>
                 <a:sym typeface="Cabin"/>
-                <a:hlinkClick r:id="rId4"/>
-              </a:rPr>
-              <a:t>http://en.wikibooks.org/wiki/XML_Schema</a:t>
-            </a:r>
+                <a:hlinkClick r:id="rId5"/>
+              </a:rPr>
+              <a:t>https://en.wikibooks.org/wiki/XML_Schema</a:t>
+            </a:r>
+            <a:endParaRPr lang="pl" sz="3000" b="0" i="0" u="sng" strike="noStrike" cap="none" baseline="0" dirty="0">
+              <a:solidFill>
+                <a:srgbClr val="FFFF00"/>
+              </a:solidFill>
+              <a:latin typeface="Arial" charset="0"/>
+              <a:ea typeface="Arial" charset="0"/>
+              <a:cs typeface="Arial" charset="0"/>
+              <a:sym typeface="Cabin"/>
+              <a:hlinkClick r:id="rId6"/>
+            </a:endParaRPr>
           </a:p>
         </p:txBody>
       </p:sp>
@@ -14517,7 +14562,7 @@
               <a:buNone/>
             </a:pPr>
             <a:r>
-              <a:rPr lang="pl" sz="3000" b="0" i="0" u="sng" strike="noStrike" cap="none" baseline="0">
+              <a:rPr lang="pl-PL" sz="3000" b="0" i="0" u="sng" strike="noStrike" cap="none" baseline="0" dirty="0">
                 <a:solidFill>
                   <a:srgbClr val="FFFF00"/>
                 </a:solidFill>
@@ -14527,8 +14572,18 @@
                 <a:sym typeface="Cabin"/>
                 <a:hlinkClick r:id="rId4"/>
               </a:rPr>
-              <a:t>http://en.wikipedia.org/wiki/Xml_schema</a:t>
-            </a:r>
+              <a:t>https://en.wikipedia.org/wiki/XML_schema</a:t>
+            </a:r>
+            <a:endParaRPr lang="pl" sz="3000" b="0" i="0" u="sng" strike="noStrike" cap="none" baseline="0" dirty="0">
+              <a:solidFill>
+                <a:srgbClr val="FFFF00"/>
+              </a:solidFill>
+              <a:latin typeface="Arial" charset="0"/>
+              <a:ea typeface="Arial" charset="0"/>
+              <a:cs typeface="Arial" charset="0"/>
+              <a:sym typeface="Cabin"/>
+              <a:hlinkClick r:id="rId5"/>
+            </a:endParaRPr>
           </a:p>
         </p:txBody>
       </p:sp>
@@ -16095,7 +16150,7 @@
               <a:buNone/>
             </a:pPr>
             <a:r>
-              <a:rPr lang="pl" sz="3000" b="0" i="0" u="sng" strike="noStrike" cap="none" baseline="0">
+              <a:rPr lang="pl-PL" sz="3000" b="0" i="0" u="sng" strike="noStrike" cap="none" baseline="0" dirty="0">
                 <a:solidFill>
                   <a:srgbClr val="FFFF00"/>
                 </a:solidFill>
@@ -16105,8 +16160,18 @@
                 <a:sym typeface="Cabin"/>
                 <a:hlinkClick r:id="rId4"/>
               </a:rPr>
-              <a:t>http://en.wikipedia.org/wiki/Xml_schema</a:t>
-            </a:r>
+              <a:t>https://en.wikipedia.org/wiki/XML_schema</a:t>
+            </a:r>
+            <a:endParaRPr lang="pl" sz="3000" b="0" i="0" u="sng" strike="noStrike" cap="none" baseline="0" dirty="0">
+              <a:solidFill>
+                <a:srgbClr val="FFFF00"/>
+              </a:solidFill>
+              <a:latin typeface="Arial" charset="0"/>
+              <a:ea typeface="Arial" charset="0"/>
+              <a:cs typeface="Arial" charset="0"/>
+              <a:sym typeface="Cabin"/>
+              <a:hlinkClick r:id="rId5"/>
+            </a:endParaRPr>
           </a:p>
         </p:txBody>
       </p:sp>
@@ -16643,7 +16708,7 @@
               <a:buNone/>
             </a:pPr>
             <a:r>
-              <a:rPr lang="pl" sz="3000" b="0" i="0" u="sng" strike="noStrike" cap="none" baseline="0">
+              <a:rPr lang="pl-PL" sz="3000" b="0" i="0" u="sng" strike="noStrike" cap="none" baseline="0" dirty="0">
                 <a:solidFill>
                   <a:srgbClr val="FFFF00"/>
                 </a:solidFill>
@@ -16653,8 +16718,18 @@
                 <a:sym typeface="Cabin"/>
                 <a:hlinkClick r:id="rId3"/>
               </a:rPr>
-              <a:t>http://www.w3.org/XML/Schema</a:t>
-            </a:r>
+              <a:t>https://www.w3.org/XML/Schema</a:t>
+            </a:r>
+            <a:endParaRPr lang="pl" sz="3000" b="0" i="0" u="sng" strike="noStrike" cap="none" baseline="0" dirty="0">
+              <a:solidFill>
+                <a:srgbClr val="FFFF00"/>
+              </a:solidFill>
+              <a:latin typeface="Arial" charset="0"/>
+              <a:ea typeface="Arial" charset="0"/>
+              <a:cs typeface="Arial" charset="0"/>
+              <a:sym typeface="Cabin"/>
+              <a:hlinkClick r:id="rId4"/>
+            </a:endParaRPr>
           </a:p>
         </p:txBody>
       </p:sp>
@@ -16701,7 +16776,7 @@
               <a:buNone/>
             </a:pPr>
             <a:r>
-              <a:rPr lang="pl" sz="3000" b="0" i="0" u="sng" strike="noStrike" cap="none" baseline="0">
+              <a:rPr lang="pl-PL" sz="3000" b="0" i="0" u="sng" strike="noStrike" cap="none" baseline="0" dirty="0">
                 <a:solidFill>
                   <a:srgbClr val="FFFF00"/>
                 </a:solidFill>
@@ -16709,10 +16784,20 @@
                 <a:ea typeface="Arial" charset="0"/>
                 <a:cs typeface="Arial" charset="0"/>
                 <a:sym typeface="Cabin"/>
-                <a:hlinkClick r:id="rId4"/>
-              </a:rPr>
-              <a:t>http://en.wikipedia.org/wiki/XML_Schema_(W3C)</a:t>
-            </a:r>
+                <a:hlinkClick r:id="rId5"/>
+              </a:rPr>
+              <a:t>https://en.wikipedia.org/wiki/XML_Schema_(W3C)</a:t>
+            </a:r>
+            <a:endParaRPr lang="pl" sz="3000" b="0" i="0" u="sng" strike="noStrike" cap="none" baseline="0" dirty="0">
+              <a:solidFill>
+                <a:srgbClr val="FFFF00"/>
+              </a:solidFill>
+              <a:latin typeface="Arial" charset="0"/>
+              <a:ea typeface="Arial" charset="0"/>
+              <a:cs typeface="Arial" charset="0"/>
+              <a:sym typeface="Cabin"/>
+              <a:hlinkClick r:id="rId6"/>
+            </a:endParaRPr>
           </a:p>
         </p:txBody>
       </p:sp>
@@ -16844,7 +16929,7 @@
               <a:buFont typeface="Cabin"/>
             </a:pPr>
             <a:r>
-              <a:rPr lang="pl" sz="3600" b="0" i="0" u="none" strike="noStrike" cap="none" baseline="0">
+              <a:rPr lang="pl" sz="3600" b="0" i="0" u="none" strike="noStrike" cap="none" baseline="0" dirty="0">
                 <a:solidFill>
                   <a:srgbClr val="FF7F00"/>
                 </a:solidFill>
@@ -16874,7 +16959,7 @@
               <a:buFont typeface="Cabin"/>
             </a:pPr>
             <a:r>
-              <a:rPr lang="pl" sz="3600" b="0" i="0" u="none" strike="noStrike" cap="none" baseline="0">
+              <a:rPr lang="pl" sz="3600" b="0" i="0" u="none" strike="noStrike" cap="none" baseline="0" dirty="0">
                 <a:solidFill>
                   <a:srgbClr val="00FF00"/>
                 </a:solidFill>
@@ -16904,7 +16989,7 @@
               <a:buFont typeface="Cabin"/>
             </a:pPr>
             <a:r>
-              <a:rPr lang="pl" sz="3600" b="0" i="0" u="none" strike="noStrike" cap="none" baseline="0">
+              <a:rPr lang="pl" sz="3600" b="0" i="0" u="none" strike="noStrike" cap="none" baseline="0" dirty="0">
                 <a:solidFill>
                   <a:srgbClr val="FFFF00"/>
                 </a:solidFill>
@@ -17218,7 +17303,7 @@
         <p:spPr>
           <a:xfrm>
             <a:off x="6530261" y="1371325"/>
-            <a:ext cx="7196099" cy="2705100"/>
+            <a:ext cx="8141082" cy="2705100"/>
           </a:xfrm>
           <a:prstGeom prst="rect">
             <a:avLst/>
@@ -17252,7 +17337,7 @@
               <a:buNone/>
             </a:pPr>
             <a:r>
-              <a:rPr lang="pl" sz="3600" b="0" i="0" u="none" strike="noStrike" cap="none" baseline="0">
+              <a:rPr lang="pl" sz="3600" b="0" i="0" u="none" strike="noStrike" cap="none" baseline="0" dirty="0">
                 <a:solidFill>
                   <a:srgbClr val="FFFF00"/>
                 </a:solidFill>
@@ -17264,7 +17349,7 @@
               <a:t>&lt;</a:t>
             </a:r>
             <a:r>
-              <a:rPr lang="pl" sz="3000" b="0" i="0" u="none" strike="noStrike" cap="none" baseline="0">
+              <a:rPr lang="pl" sz="3000" b="0" i="0" u="none" strike="noStrike" cap="none" baseline="0" dirty="0">
                 <a:solidFill>
                   <a:srgbClr val="FFFF00"/>
                 </a:solidFill>
@@ -17275,6 +17360,27 @@
               </a:rPr>
               <a:t>osoba</a:t>
             </a:r>
+            <a:r>
+              <a:rPr lang="en-US" sz="3000" b="0" i="0" u="none" strike="noStrike" cap="none" baseline="0" dirty="0">
+                <a:solidFill>
+                  <a:srgbClr val="FFFF00"/>
+                </a:solidFill>
+                <a:latin typeface="Arial" charset="0"/>
+                <a:ea typeface="Arial" charset="0"/>
+                <a:cs typeface="Arial" charset="0"/>
+                <a:sym typeface="Cabin"/>
+              </a:rPr>
+              <a:t>&gt;</a:t>
+            </a:r>
+            <a:endParaRPr lang="pl" sz="3000" b="0" i="0" u="none" strike="noStrike" cap="none" baseline="0" dirty="0">
+              <a:solidFill>
+                <a:srgbClr val="FFFF00"/>
+              </a:solidFill>
+              <a:latin typeface="Arial" charset="0"/>
+              <a:ea typeface="Arial" charset="0"/>
+              <a:cs typeface="Arial" charset="0"/>
+              <a:sym typeface="Cabin"/>
+            </a:endParaRPr>
           </a:p>
           <a:p>
             <a:pPr marL="0" marR="0" lvl="0" indent="0" algn="l" rtl="0">
@@ -17295,7 +17401,7 @@
               <a:buNone/>
             </a:pPr>
             <a:r>
-              <a:rPr lang="pl" sz="3000" b="0" i="0" u="none" strike="noStrike" cap="none" baseline="0">
+              <a:rPr lang="pl" sz="3000" b="0" i="0" u="none" strike="noStrike" cap="none" baseline="0" dirty="0">
                 <a:solidFill>
                   <a:srgbClr val="FF7F00"/>
                 </a:solidFill>
@@ -17326,7 +17432,7 @@
               <a:buNone/>
             </a:pPr>
             <a:r>
-              <a:rPr lang="pl" sz="3000" b="0" i="0" u="none" strike="noStrike" cap="none" baseline="0">
+              <a:rPr lang="pl" sz="3000" b="0" i="0" u="none" strike="noStrike" cap="none" baseline="0" dirty="0">
                 <a:solidFill>
                   <a:srgbClr val="FF7F00"/>
                 </a:solidFill>
@@ -17357,7 +17463,7 @@
               <a:buNone/>
             </a:pPr>
             <a:r>
-              <a:rPr lang="pl" sz="3000" b="0" i="0" u="none" strike="noStrike" cap="none" baseline="0">
+              <a:rPr lang="pl" sz="3000" b="0" i="0" u="none" strike="noStrike" cap="none" baseline="0" dirty="0">
                 <a:solidFill>
                   <a:srgbClr val="FF7F00"/>
                 </a:solidFill>
@@ -17388,7 +17494,7 @@
               <a:buNone/>
             </a:pPr>
             <a:r>
-              <a:rPr lang="pl" sz="3000" b="0" i="0" u="none" strike="noStrike" cap="none" baseline="0">
+              <a:rPr lang="pl" sz="3000" b="0" i="0" u="none" strike="noStrike" cap="none" baseline="0" dirty="0">
                 <a:solidFill>
                   <a:srgbClr val="FFFF00"/>
                 </a:solidFill>
@@ -17554,7 +17660,7 @@
               <a:buNone/>
             </a:pPr>
             <a:r>
-              <a:rPr lang="pl" sz="3000" b="0" i="0" u="sng" strike="noStrike" cap="none" baseline="0">
+              <a:rPr lang="pl-PL" sz="3000" b="0" i="0" u="sng" strike="noStrike" cap="none" baseline="0" dirty="0">
                 <a:solidFill>
                   <a:srgbClr val="FFFF00"/>
                 </a:solidFill>
@@ -17564,8 +17670,18 @@
                 <a:sym typeface="Cabin"/>
                 <a:hlinkClick r:id="rId3"/>
               </a:rPr>
-              <a:t>http://www.w3schools.com/Schema/schema_complex_indicators.asp</a:t>
-            </a:r>
+              <a:t>https://www.w3schools.com/xml/schema_complex_indicators.asp</a:t>
+            </a:r>
+            <a:endParaRPr lang="pl" sz="3000" b="0" i="0" u="sng" strike="noStrike" cap="none" baseline="0" dirty="0">
+              <a:solidFill>
+                <a:srgbClr val="FFFF00"/>
+              </a:solidFill>
+              <a:latin typeface="Arial" charset="0"/>
+              <a:ea typeface="Arial" charset="0"/>
+              <a:cs typeface="Arial" charset="0"/>
+              <a:sym typeface="Cabin"/>
+              <a:hlinkClick r:id="rId4"/>
+            </a:endParaRPr>
           </a:p>
         </p:txBody>
       </p:sp>
@@ -18289,7 +18405,7 @@
               <a:buNone/>
             </a:pPr>
             <a:r>
-              <a:rPr lang="pl" sz="3000" b="0" i="0" u="sng" strike="noStrike" cap="none" baseline="0">
+              <a:rPr lang="pl-PL" sz="3000" b="0" i="0" u="sng" strike="noStrike" cap="none" baseline="0" dirty="0">
                 <a:solidFill>
                   <a:srgbClr val="FFFF00"/>
                 </a:solidFill>
@@ -18299,8 +18415,18 @@
                 <a:sym typeface="Cabin"/>
                 <a:hlinkClick r:id="rId3"/>
               </a:rPr>
-              <a:t>http://www.w3schools.com/Schema/schema_dtypes_numeric.asp</a:t>
-            </a:r>
+              <a:t>https://www.w3schools.com/xml/schema_dtypes_numeric.asp</a:t>
+            </a:r>
+            <a:endParaRPr lang="pl" sz="3000" b="0" i="0" u="sng" strike="noStrike" cap="none" baseline="0" dirty="0">
+              <a:solidFill>
+                <a:srgbClr val="FFFF00"/>
+              </a:solidFill>
+              <a:latin typeface="Arial" charset="0"/>
+              <a:ea typeface="Arial" charset="0"/>
+              <a:cs typeface="Arial" charset="0"/>
+              <a:sym typeface="Cabin"/>
+              <a:hlinkClick r:id="rId4"/>
+            </a:endParaRPr>
           </a:p>
         </p:txBody>
       </p:sp>
@@ -18528,7 +18654,7 @@
               <a:buNone/>
             </a:pPr>
             <a:r>
-              <a:rPr lang="pl" sz="3200" b="0" i="0" u="none" strike="noStrike" cap="none" baseline="0">
+              <a:rPr lang="pl" sz="3200" b="0" i="0" u="none" strike="noStrike" cap="none" baseline="0" dirty="0">
                 <a:solidFill>
                   <a:srgbClr val="FF00FF"/>
                 </a:solidFill>
@@ -18559,7 +18685,7 @@
               <a:buNone/>
             </a:pPr>
             <a:r>
-              <a:rPr lang="pl" sz="3200" b="0" i="0" u="none" strike="noStrike" cap="none" baseline="0">
+              <a:rPr lang="pl" sz="3200" b="0" i="0" u="none" strike="noStrike" cap="none" baseline="0" dirty="0">
                 <a:solidFill>
                   <a:srgbClr val="00FF00"/>
                 </a:solidFill>
@@ -18590,7 +18716,7 @@
               <a:buNone/>
             </a:pPr>
             <a:r>
-              <a:rPr lang="pl" sz="3200" b="0" i="0" u="none" strike="noStrike" cap="none" baseline="0">
+              <a:rPr lang="pl" sz="3200" b="0" i="0" u="none" strike="noStrike" cap="none" baseline="0" dirty="0">
                 <a:solidFill>
                   <a:srgbClr val="FF7F00"/>
                 </a:solidFill>
@@ -18602,7 +18728,7 @@
               <a:t>&lt;startdata&gt;2002-05-30T09:30:10</a:t>
             </a:r>
             <a:r>
-              <a:rPr lang="pl" sz="3200" b="0" i="0" u="none" strike="noStrike" cap="none" baseline="0">
+              <a:rPr lang="pl" sz="3200" b="0" i="0" u="none" strike="noStrike" cap="none" baseline="0" dirty="0">
                 <a:solidFill>
                   <a:schemeClr val="lt1"/>
                 </a:solidFill>
@@ -18614,7 +18740,7 @@
               <a:t>Z</a:t>
             </a:r>
             <a:r>
-              <a:rPr lang="pl" sz="3200" b="0" i="0" u="none" strike="noStrike" cap="none" baseline="0">
+              <a:rPr lang="pl" sz="3200" b="0" i="0" u="none" strike="noStrike" cap="none" baseline="0" dirty="0">
                 <a:solidFill>
                   <a:srgbClr val="FF7F00"/>
                 </a:solidFill>
@@ -18645,7 +18771,7 @@
               <a:buNone/>
             </a:pPr>
             <a:r>
-              <a:rPr lang="pl" sz="3200" b="0" i="0" u="none" strike="noStrike" cap="none" baseline="0">
+              <a:rPr lang="pl" sz="3200" b="0" i="0" u="none" strike="noStrike" cap="none" baseline="0" dirty="0">
                 <a:solidFill>
                   <a:srgbClr val="FFFF00"/>
                 </a:solidFill>
@@ -18676,7 +18802,7 @@
               <a:buNone/>
             </a:pPr>
             <a:r>
-              <a:rPr lang="pl" sz="3200" b="0" i="0" u="none" strike="noStrike" cap="none" baseline="0">
+              <a:rPr lang="pl" sz="3200" b="0" i="0" u="none" strike="noStrike" cap="none" baseline="0" dirty="0">
                 <a:solidFill>
                   <a:srgbClr val="00FFFF"/>
                 </a:solidFill>
@@ -18701,7 +18827,7 @@
               </a:spcAft>
               <a:buNone/>
             </a:pPr>
-            <a:endParaRPr/>
+            <a:endParaRPr dirty="0"/>
           </a:p>
         </p:txBody>
       </p:sp>
@@ -19127,7 +19253,31 @@
                 <a:cs typeface="Arial" charset="0"/>
                 <a:sym typeface="Cabin"/>
               </a:rPr>
-              <a:t> zazwyczaj określona jako UTC / GMT a nie strefa lokalna</a:t>
+              <a:t> zazwyczaj określona jako UTC / GMT</a:t>
+            </a:r>
+            <a:r>
+              <a:rPr lang="en-US" sz="3600" b="0" i="0" u="none" strike="noStrike" cap="none" baseline="0" dirty="0">
+                <a:solidFill>
+                  <a:srgbClr val="FF7F00"/>
+                </a:solidFill>
+                <a:latin typeface="Arial" charset="0"/>
+                <a:ea typeface="Arial" charset="0"/>
+                <a:cs typeface="Arial" charset="0"/>
+                <a:sym typeface="Cabin"/>
+              </a:rPr>
+              <a:t>,</a:t>
+            </a:r>
+            <a:r>
+              <a:rPr lang="pl" sz="3600" b="0" i="0" u="none" strike="noStrike" cap="none" baseline="0" dirty="0">
+                <a:solidFill>
+                  <a:srgbClr val="FF7F00"/>
+                </a:solidFill>
+                <a:latin typeface="Arial" charset="0"/>
+                <a:ea typeface="Arial" charset="0"/>
+                <a:cs typeface="Arial" charset="0"/>
+                <a:sym typeface="Cabin"/>
+              </a:rPr>
+              <a:t> a nie strefa lokalna</a:t>
             </a:r>
           </a:p>
         </p:txBody>
@@ -19175,7 +19325,7 @@
               <a:buNone/>
             </a:pPr>
             <a:r>
-              <a:rPr lang="pl" sz="3000" b="0" i="0" u="sng" strike="noStrike" cap="none" baseline="0">
+              <a:rPr lang="pl-PL" sz="3000" b="0" i="0" u="sng" strike="noStrike" cap="none" baseline="0" dirty="0">
                 <a:solidFill>
                   <a:srgbClr val="FFFF00"/>
                 </a:solidFill>
@@ -19185,8 +19335,18 @@
                 <a:sym typeface="Cabin"/>
                 <a:hlinkClick r:id="rId3"/>
               </a:rPr>
-              <a:t>http://en.wikipedia.org/wiki/ISO_8601</a:t>
-            </a:r>
+              <a:t>https://pl.wikipedia.org/wiki/ISO_8601</a:t>
+            </a:r>
+            <a:endParaRPr lang="pl" sz="3000" b="0" i="0" u="sng" strike="noStrike" cap="none" baseline="0" dirty="0">
+              <a:solidFill>
+                <a:srgbClr val="FFFF00"/>
+              </a:solidFill>
+              <a:latin typeface="Arial" charset="0"/>
+              <a:ea typeface="Arial" charset="0"/>
+              <a:cs typeface="Arial" charset="0"/>
+              <a:sym typeface="Cabin"/>
+              <a:hlinkClick r:id="rId4"/>
+            </a:endParaRPr>
           </a:p>
         </p:txBody>
       </p:sp>
@@ -19233,7 +19393,7 @@
               <a:buNone/>
             </a:pPr>
             <a:r>
-              <a:rPr lang="pl" sz="3000" b="0" i="0" u="sng" strike="noStrike" cap="none" baseline="0">
+              <a:rPr lang="pl-PL" sz="3000" b="0" i="0" u="sng" strike="noStrike" cap="none" baseline="0" dirty="0">
                 <a:solidFill>
                   <a:srgbClr val="FFFF00"/>
                 </a:solidFill>
@@ -19241,10 +19401,20 @@
                 <a:ea typeface="Arial" charset="0"/>
                 <a:cs typeface="Arial" charset="0"/>
                 <a:sym typeface="Cabin"/>
-                <a:hlinkClick r:id="rId4"/>
-              </a:rPr>
-              <a:t>http://en.wikipedia.org/wiki/Coordinated_Universal_Time</a:t>
-            </a:r>
+                <a:hlinkClick r:id="rId5"/>
+              </a:rPr>
+              <a:t>https://pl.wikipedia.org/wiki/Uniwersalny_czas_koordynowany</a:t>
+            </a:r>
+            <a:endParaRPr lang="pl" sz="3000" b="0" i="0" u="sng" strike="noStrike" cap="none" baseline="0" dirty="0">
+              <a:solidFill>
+                <a:srgbClr val="FFFF00"/>
+              </a:solidFill>
+              <a:latin typeface="Arial" charset="0"/>
+              <a:ea typeface="Arial" charset="0"/>
+              <a:cs typeface="Arial" charset="0"/>
+              <a:sym typeface="Cabin"/>
+              <a:hlinkClick r:id="rId6"/>
+            </a:endParaRPr>
           </a:p>
         </p:txBody>
       </p:sp>
@@ -19524,7 +19694,7 @@
               <a:buNone/>
             </a:pPr>
             <a:r>
-              <a:rPr lang="pl" sz="3000" b="0" i="0" u="sng" strike="noStrike" cap="none" baseline="0">
+              <a:rPr lang="pl-PL" sz="3000" b="0" i="0" u="sng" strike="noStrike" cap="none" baseline="0" dirty="0">
                 <a:solidFill>
                   <a:srgbClr val="FFFF00"/>
                 </a:solidFill>
@@ -19534,8 +19704,18 @@
                 <a:sym typeface="Cabin"/>
                 <a:hlinkClick r:id="rId3"/>
               </a:rPr>
-              <a:t>http://www.w3schools.com/Schema/schema_example.asp</a:t>
-            </a:r>
+              <a:t>https://www.w3schools.com/xml/schema_example.asp</a:t>
+            </a:r>
+            <a:endParaRPr lang="pl" sz="3000" b="0" i="0" u="sng" strike="noStrike" cap="none" baseline="0" dirty="0">
+              <a:solidFill>
+                <a:srgbClr val="FFFF00"/>
+              </a:solidFill>
+              <a:latin typeface="Arial" charset="0"/>
+              <a:ea typeface="Arial" charset="0"/>
+              <a:cs typeface="Arial" charset="0"/>
+              <a:sym typeface="Cabin"/>
+              <a:hlinkClick r:id="rId4"/>
+            </a:endParaRPr>
           </a:p>
         </p:txBody>
       </p:sp>
@@ -19546,7 +19726,7 @@
           <p:nvPr/>
         </p:nvPicPr>
         <p:blipFill rotWithShape="1">
-          <a:blip r:embed="rId4">
+          <a:blip r:embed="rId5">
             <a:alphaModFix/>
           </a:blip>
           <a:srcRect/>
@@ -19600,7 +19780,7 @@
         <p:spPr>
           <a:xfrm>
             <a:off x="1549400" y="831850"/>
-            <a:ext cx="10589591" cy="6502399"/>
+            <a:ext cx="10883710" cy="6502399"/>
           </a:xfrm>
           <a:prstGeom prst="rect">
             <a:avLst/>
@@ -19634,7 +19814,7 @@
               <a:buNone/>
             </a:pPr>
             <a:r>
-              <a:rPr lang="pl" sz="3000" b="0" i="0" u="none" strike="noStrike" cap="none" baseline="0">
+              <a:rPr lang="pl" sz="3000" b="0" i="0" u="none" strike="noStrike" cap="none" baseline="0" dirty="0">
                 <a:solidFill>
                   <a:schemeClr val="lt1"/>
                 </a:solidFill>
@@ -19645,6 +19825,15 @@
               </a:rPr>
               <a:t>import xml.etree.ElementTree as ET</a:t>
             </a:r>
+            <a:endParaRPr lang="en-US" sz="3000" b="0" i="0" u="none" strike="noStrike" cap="none" baseline="0" dirty="0">
+              <a:solidFill>
+                <a:schemeClr val="lt1"/>
+              </a:solidFill>
+              <a:latin typeface="Courier"/>
+              <a:ea typeface="Courier New"/>
+              <a:cs typeface="Courier"/>
+              <a:sym typeface="Courier New"/>
+            </a:endParaRPr>
           </a:p>
           <a:p>
             <a:pPr marL="0" marR="0" lvl="0" indent="0" algn="l" rtl="0">
@@ -19664,8 +19853,36 @@
               <a:buFont typeface="Courier New"/>
               <a:buNone/>
             </a:pPr>
-            <a:r>
-              <a:rPr lang="pl" sz="3000" b="0" i="0" u="none" strike="noStrike" cap="none" baseline="0">
+            <a:endParaRPr lang="pl" sz="3000" b="0" i="0" u="none" strike="noStrike" cap="none" baseline="0" dirty="0">
+              <a:solidFill>
+                <a:schemeClr val="lt1"/>
+              </a:solidFill>
+              <a:latin typeface="Courier"/>
+              <a:ea typeface="Courier New"/>
+              <a:cs typeface="Courier"/>
+              <a:sym typeface="Courier New"/>
+            </a:endParaRPr>
+          </a:p>
+          <a:p>
+            <a:pPr marL="0" marR="0" lvl="0" indent="0" algn="l" rtl="0">
+              <a:lnSpc>
+                <a:spcPct val="100000"/>
+              </a:lnSpc>
+              <a:spcBef>
+                <a:spcPts val="0"/>
+              </a:spcBef>
+              <a:spcAft>
+                <a:spcPts val="0"/>
+              </a:spcAft>
+              <a:buClr>
+                <a:schemeClr val="lt1"/>
+              </a:buClr>
+              <a:buSzPct val="25000"/>
+              <a:buFont typeface="Courier New"/>
+              <a:buNone/>
+            </a:pPr>
+            <a:r>
+              <a:rPr lang="pl" sz="3000" b="0" i="0" u="none" strike="noStrike" cap="none" baseline="0" dirty="0">
                 <a:solidFill>
                   <a:schemeClr val="lt1"/>
                 </a:solidFill>
@@ -19696,7 +19913,7 @@
               <a:buNone/>
             </a:pPr>
             <a:r>
-              <a:rPr lang="pl" sz="3000" b="0" i="0" u="none" strike="noStrike" cap="none" baseline="0">
+              <a:rPr lang="pl" sz="3000" b="0" i="0" u="none" strike="noStrike" cap="none" baseline="0" dirty="0">
                 <a:solidFill>
                   <a:schemeClr val="lt1"/>
                 </a:solidFill>
@@ -19705,29 +19922,10 @@
                 <a:cs typeface="Courier"/>
                 <a:sym typeface="Courier New"/>
               </a:rPr>
-              <a:t>  &lt;imię&gt;Chuck&lt;/imię&gt;</a:t>
-            </a:r>
-          </a:p>
-          <a:p>
-            <a:pPr marL="0" marR="0" lvl="0" indent="0" algn="l" rtl="0">
-              <a:lnSpc>
-                <a:spcPct val="100000"/>
-              </a:lnSpc>
-              <a:spcBef>
-                <a:spcPts val="0"/>
-              </a:spcBef>
-              <a:spcAft>
-                <a:spcPts val="0"/>
-              </a:spcAft>
-              <a:buClr>
-                <a:schemeClr val="lt1"/>
-              </a:buClr>
-              <a:buSzPct val="25000"/>
-              <a:buFont typeface="Courier New"/>
-              <a:buNone/>
-            </a:pPr>
-            <a:r>
-              <a:rPr lang="pl" sz="3000" b="0" i="0" u="none" strike="noStrike" cap="none" baseline="0">
+              <a:t>  &lt;imi</a:t>
+            </a:r>
+            <a:r>
+              <a:rPr lang="en-US" sz="3000" b="0" i="0" u="none" strike="noStrike" cap="none" baseline="0" dirty="0">
                 <a:solidFill>
                   <a:schemeClr val="lt1"/>
                 </a:solidFill>
@@ -19736,29 +19934,10 @@
                 <a:cs typeface="Courier"/>
                 <a:sym typeface="Courier New"/>
               </a:rPr>
-              <a:t>  &lt;telefon typ="miedzynar"&gt;</a:t>
-            </a:r>
-          </a:p>
-          <a:p>
-            <a:pPr marL="0" marR="0" lvl="0" indent="0" algn="l" rtl="0">
-              <a:lnSpc>
-                <a:spcPct val="100000"/>
-              </a:lnSpc>
-              <a:spcBef>
-                <a:spcPts val="0"/>
-              </a:spcBef>
-              <a:spcAft>
-                <a:spcPts val="0"/>
-              </a:spcAft>
-              <a:buClr>
-                <a:schemeClr val="lt1"/>
-              </a:buClr>
-              <a:buSzPct val="25000"/>
-              <a:buFont typeface="Courier New"/>
-              <a:buNone/>
-            </a:pPr>
-            <a:r>
-              <a:rPr lang="pl" sz="3000" b="0" i="0" u="none" strike="noStrike" cap="none" baseline="0">
+              <a:t>e</a:t>
+            </a:r>
+            <a:r>
+              <a:rPr lang="pl" sz="3000" b="0" i="0" u="none" strike="noStrike" cap="none" baseline="0" dirty="0">
                 <a:solidFill>
                   <a:schemeClr val="lt1"/>
                 </a:solidFill>
@@ -19767,29 +19946,10 @@
                 <a:cs typeface="Courier"/>
                 <a:sym typeface="Courier New"/>
               </a:rPr>
-              <a:t>     +1 734 303 4456</a:t>
-            </a:r>
-          </a:p>
-          <a:p>
-            <a:pPr marL="0" marR="0" lvl="0" indent="0" algn="l" rtl="0">
-              <a:lnSpc>
-                <a:spcPct val="100000"/>
-              </a:lnSpc>
-              <a:spcBef>
-                <a:spcPts val="0"/>
-              </a:spcBef>
-              <a:spcAft>
-                <a:spcPts val="0"/>
-              </a:spcAft>
-              <a:buClr>
-                <a:schemeClr val="lt1"/>
-              </a:buClr>
-              <a:buSzPct val="25000"/>
-              <a:buFont typeface="Courier New"/>
-              <a:buNone/>
-            </a:pPr>
-            <a:r>
-              <a:rPr lang="pl" sz="3000" b="0" i="0" u="none" strike="noStrike" cap="none" baseline="0">
+              <a:t>&gt;Chuck&lt;/imi</a:t>
+            </a:r>
+            <a:r>
+              <a:rPr lang="en-US" sz="3000" b="0" i="0" u="none" strike="noStrike" cap="none" baseline="0" dirty="0">
                 <a:solidFill>
                   <a:schemeClr val="lt1"/>
                 </a:solidFill>
@@ -19798,29 +19958,10 @@
                 <a:cs typeface="Courier"/>
                 <a:sym typeface="Courier New"/>
               </a:rPr>
-              <a:t>   &lt;/telefon&gt;</a:t>
-            </a:r>
-          </a:p>
-          <a:p>
-            <a:pPr marL="0" marR="0" lvl="0" indent="0" algn="l" rtl="0">
-              <a:lnSpc>
-                <a:spcPct val="100000"/>
-              </a:lnSpc>
-              <a:spcBef>
-                <a:spcPts val="0"/>
-              </a:spcBef>
-              <a:spcAft>
-                <a:spcPts val="0"/>
-              </a:spcAft>
-              <a:buClr>
-                <a:schemeClr val="lt1"/>
-              </a:buClr>
-              <a:buSzPct val="25000"/>
-              <a:buFont typeface="Courier New"/>
-              <a:buNone/>
-            </a:pPr>
-            <a:r>
-              <a:rPr lang="pl" sz="3000" b="0" i="0" u="none" strike="noStrike" cap="none" baseline="0">
+              <a:t>e</a:t>
+            </a:r>
+            <a:r>
+              <a:rPr lang="pl" sz="3000" b="0" i="0" u="none" strike="noStrike" cap="none" baseline="0" dirty="0">
                 <a:solidFill>
                   <a:schemeClr val="lt1"/>
                 </a:solidFill>
@@ -19829,6 +19970,130 @@
                 <a:cs typeface="Courier"/>
                 <a:sym typeface="Courier New"/>
               </a:rPr>
+              <a:t>&gt;</a:t>
+            </a:r>
+          </a:p>
+          <a:p>
+            <a:pPr marL="0" marR="0" lvl="0" indent="0" algn="l" rtl="0">
+              <a:lnSpc>
+                <a:spcPct val="100000"/>
+              </a:lnSpc>
+              <a:spcBef>
+                <a:spcPts val="0"/>
+              </a:spcBef>
+              <a:spcAft>
+                <a:spcPts val="0"/>
+              </a:spcAft>
+              <a:buClr>
+                <a:schemeClr val="lt1"/>
+              </a:buClr>
+              <a:buSzPct val="25000"/>
+              <a:buFont typeface="Courier New"/>
+              <a:buNone/>
+            </a:pPr>
+            <a:r>
+              <a:rPr lang="pl" sz="3000" b="0" i="0" u="none" strike="noStrike" cap="none" baseline="0" dirty="0">
+                <a:solidFill>
+                  <a:schemeClr val="lt1"/>
+                </a:solidFill>
+                <a:latin typeface="Courier"/>
+                <a:ea typeface="Courier New"/>
+                <a:cs typeface="Courier"/>
+                <a:sym typeface="Courier New"/>
+              </a:rPr>
+              <a:t>  &lt;telefon typ="miedzynar"&gt;</a:t>
+            </a:r>
+          </a:p>
+          <a:p>
+            <a:pPr marL="0" marR="0" lvl="0" indent="0" algn="l" rtl="0">
+              <a:lnSpc>
+                <a:spcPct val="100000"/>
+              </a:lnSpc>
+              <a:spcBef>
+                <a:spcPts val="0"/>
+              </a:spcBef>
+              <a:spcAft>
+                <a:spcPts val="0"/>
+              </a:spcAft>
+              <a:buClr>
+                <a:schemeClr val="lt1"/>
+              </a:buClr>
+              <a:buSzPct val="25000"/>
+              <a:buFont typeface="Courier New"/>
+              <a:buNone/>
+            </a:pPr>
+            <a:r>
+              <a:rPr lang="pl" sz="3000" b="0" i="0" u="none" strike="noStrike" cap="none" baseline="0" dirty="0">
+                <a:solidFill>
+                  <a:schemeClr val="lt1"/>
+                </a:solidFill>
+                <a:latin typeface="Courier"/>
+                <a:ea typeface="Courier New"/>
+                <a:cs typeface="Courier"/>
+                <a:sym typeface="Courier New"/>
+              </a:rPr>
+              <a:t>     +1 734 303 4456</a:t>
+            </a:r>
+          </a:p>
+          <a:p>
+            <a:pPr marL="0" marR="0" lvl="0" indent="0" algn="l" rtl="0">
+              <a:lnSpc>
+                <a:spcPct val="100000"/>
+              </a:lnSpc>
+              <a:spcBef>
+                <a:spcPts val="0"/>
+              </a:spcBef>
+              <a:spcAft>
+                <a:spcPts val="0"/>
+              </a:spcAft>
+              <a:buClr>
+                <a:schemeClr val="lt1"/>
+              </a:buClr>
+              <a:buSzPct val="25000"/>
+              <a:buFont typeface="Courier New"/>
+              <a:buNone/>
+            </a:pPr>
+            <a:r>
+              <a:rPr lang="pl" sz="3000" b="0" i="0" u="none" strike="noStrike" cap="none" baseline="0" dirty="0">
+                <a:solidFill>
+                  <a:schemeClr val="lt1"/>
+                </a:solidFill>
+                <a:latin typeface="Courier"/>
+                <a:ea typeface="Courier New"/>
+                <a:cs typeface="Courier"/>
+                <a:sym typeface="Courier New"/>
+              </a:rPr>
+              <a:t>   &lt;/telefon&gt;</a:t>
+            </a:r>
+          </a:p>
+          <a:p>
+            <a:pPr marL="0" marR="0" lvl="0" indent="0" algn="l" rtl="0">
+              <a:lnSpc>
+                <a:spcPct val="100000"/>
+              </a:lnSpc>
+              <a:spcBef>
+                <a:spcPts val="0"/>
+              </a:spcBef>
+              <a:spcAft>
+                <a:spcPts val="0"/>
+              </a:spcAft>
+              <a:buClr>
+                <a:schemeClr val="lt1"/>
+              </a:buClr>
+              <a:buSzPct val="25000"/>
+              <a:buFont typeface="Courier New"/>
+              <a:buNone/>
+            </a:pPr>
+            <a:r>
+              <a:rPr lang="pl" sz="3000" b="0" i="0" u="none" strike="noStrike" cap="none" baseline="0" dirty="0">
+                <a:solidFill>
+                  <a:schemeClr val="lt1"/>
+                </a:solidFill>
+                <a:latin typeface="Courier"/>
+                <a:ea typeface="Courier New"/>
+                <a:cs typeface="Courier"/>
+                <a:sym typeface="Courier New"/>
+              </a:rPr>
               <a:t>   &lt;email ukryty="tak"/&gt;</a:t>
             </a:r>
           </a:p>
@@ -19851,7 +20116,7 @@
               <a:buNone/>
             </a:pPr>
             <a:r>
-              <a:rPr lang="pl" sz="3000" b="0" i="0" u="none" strike="noStrike" cap="none" baseline="0">
+              <a:rPr lang="pl" sz="3000" b="0" i="0" u="none" strike="noStrike" cap="none" baseline="0" dirty="0">
                 <a:solidFill>
                   <a:schemeClr val="lt1"/>
                 </a:solidFill>
@@ -19905,7 +20170,7 @@
               <a:buNone/>
             </a:pPr>
             <a:r>
-              <a:rPr lang="pl" sz="3000" b="0" i="0" u="none" strike="noStrike" cap="none" baseline="0">
+              <a:rPr lang="pl" sz="3000" b="0" i="0" u="none" strike="noStrike" cap="none" baseline="0" dirty="0">
                 <a:solidFill>
                   <a:schemeClr val="lt1"/>
                 </a:solidFill>
@@ -19936,7 +20201,7 @@
               <a:buNone/>
             </a:pPr>
             <a:r>
-              <a:rPr lang="pl" sz="3000" b="0" i="0" u="none" strike="noStrike" cap="none" baseline="0">
+              <a:rPr lang="pl" sz="3000" b="0" i="0" u="none" strike="noStrike" cap="none" baseline="0" dirty="0">
                 <a:solidFill>
                   <a:schemeClr val="lt1"/>
                 </a:solidFill>
@@ -19945,7 +20210,55 @@
                 <a:cs typeface="Courier"/>
                 <a:sym typeface="Courier New"/>
               </a:rPr>
-              <a:t>print('Name:',tree.find('imię').text)</a:t>
+              <a:t>print('</a:t>
+            </a:r>
+            <a:r>
+              <a:rPr lang="en-US" sz="3000" b="0" i="0" u="none" strike="noStrike" cap="none" baseline="0" dirty="0" err="1">
+                <a:solidFill>
+                  <a:schemeClr val="lt1"/>
+                </a:solidFill>
+                <a:latin typeface="Courier"/>
+                <a:ea typeface="Courier New"/>
+                <a:cs typeface="Courier"/>
+                <a:sym typeface="Courier New"/>
+              </a:rPr>
+              <a:t>Imię</a:t>
+            </a:r>
+            <a:r>
+              <a:rPr lang="pl" sz="3000" b="0" i="0" u="none" strike="noStrike" cap="none" baseline="0" dirty="0">
+                <a:solidFill>
+                  <a:schemeClr val="lt1"/>
+                </a:solidFill>
+                <a:latin typeface="Courier"/>
+                <a:ea typeface="Courier New"/>
+                <a:cs typeface="Courier"/>
+                <a:sym typeface="Courier New"/>
+              </a:rPr>
+              <a:t>:',tree.find(‘imi</a:t>
+            </a:r>
+            <a:r>
+              <a:rPr lang="en-US" sz="3000" b="0" i="0" u="none" strike="noStrike" cap="none" baseline="0" dirty="0">
+                <a:solidFill>
+                  <a:schemeClr val="lt1"/>
+                </a:solidFill>
+                <a:latin typeface="Courier"/>
+                <a:ea typeface="Courier New"/>
+                <a:cs typeface="Courier"/>
+                <a:sym typeface="Courier New"/>
+              </a:rPr>
+              <a:t>e</a:t>
+            </a:r>
+            <a:r>
+              <a:rPr lang="pl" sz="3000" b="0" i="0" u="none" strike="noStrike" cap="none" baseline="0" dirty="0">
+                <a:solidFill>
+                  <a:schemeClr val="lt1"/>
+                </a:solidFill>
+                <a:latin typeface="Courier"/>
+                <a:ea typeface="Courier New"/>
+                <a:cs typeface="Courier"/>
+                <a:sym typeface="Courier New"/>
+              </a:rPr>
+              <a:t>').text)</a:t>
             </a:r>
             <a:endParaRPr lang="pl" sz="3000" i="0" u="none" strike="noStrike" cap="none" dirty="0">
               <a:solidFill>
@@ -19976,7 +20289,7 @@
               <a:buNone/>
             </a:pPr>
             <a:r>
-              <a:rPr lang="pl" sz="3000" b="0" i="0" u="none" strike="noStrike" cap="none" baseline="0">
+              <a:rPr lang="pl" sz="3000" b="0" i="0" u="none" strike="noStrike" cap="none" baseline="0" dirty="0">
                 <a:solidFill>
                   <a:schemeClr val="lt1"/>
                 </a:solidFill>
@@ -20124,7 +20437,7 @@
               <a:buNone/>
             </a:pPr>
             <a:r>
-              <a:rPr lang="pl" sz="2400" b="0" i="0" u="none" strike="noStrike" cap="none" baseline="0">
+              <a:rPr lang="pl-PL" sz="2200" b="0" i="0" u="none" strike="noStrike" cap="none" baseline="0" dirty="0">
                 <a:solidFill>
                   <a:schemeClr val="lt1"/>
                 </a:solidFill>
@@ -20154,374 +20467,7 @@
               <a:buFont typeface="Courier New"/>
               <a:buNone/>
             </a:pPr>
-            <a:r>
-              <a:rPr lang="pl" sz="2400" b="0" i="0" u="none" strike="noStrike" cap="none" baseline="0">
-                <a:solidFill>
-                  <a:schemeClr val="lt1"/>
-                </a:solidFill>
-                <a:latin typeface="Courier"/>
-                <a:ea typeface="Courier New"/>
-                <a:cs typeface="Courier"/>
-                <a:sym typeface="Courier New"/>
-              </a:rPr>
-              <a:t>input = '''&lt;coś&gt;</a:t>
-            </a:r>
-          </a:p>
-          <a:p>
-            <a:pPr marL="0" marR="0" lvl="0" indent="0" algn="l" rtl="0">
-              <a:lnSpc>
-                <a:spcPct val="100000"/>
-              </a:lnSpc>
-              <a:spcBef>
-                <a:spcPts val="0"/>
-              </a:spcBef>
-              <a:spcAft>
-                <a:spcPts val="0"/>
-              </a:spcAft>
-              <a:buClr>
-                <a:schemeClr val="lt1"/>
-              </a:buClr>
-              <a:buSzPct val="25000"/>
-              <a:buFont typeface="Courier New"/>
-              <a:buNone/>
-            </a:pPr>
-            <a:r>
-              <a:rPr lang="pl" sz="2400" b="0" i="0" u="none" strike="noStrike" cap="none" baseline="0">
-                <a:solidFill>
-                  <a:schemeClr val="lt1"/>
-                </a:solidFill>
-                <a:latin typeface="Courier"/>
-                <a:ea typeface="Courier New"/>
-                <a:cs typeface="Courier"/>
-                <a:sym typeface="Courier New"/>
-              </a:rPr>
-              <a:t>    &lt;użytkownicy&gt;</a:t>
-            </a:r>
-          </a:p>
-          <a:p>
-            <a:pPr marL="0" marR="0" lvl="0" indent="0" algn="l" rtl="0">
-              <a:lnSpc>
-                <a:spcPct val="100000"/>
-              </a:lnSpc>
-              <a:spcBef>
-                <a:spcPts val="0"/>
-              </a:spcBef>
-              <a:spcAft>
-                <a:spcPts val="0"/>
-              </a:spcAft>
-              <a:buClr>
-                <a:schemeClr val="lt1"/>
-              </a:buClr>
-              <a:buSzPct val="25000"/>
-              <a:buFont typeface="Courier New"/>
-              <a:buNone/>
-            </a:pPr>
-            <a:r>
-              <a:rPr lang="pl" sz="2400" b="0" i="0" u="none" strike="noStrike" cap="none" baseline="0">
-                <a:solidFill>
-                  <a:schemeClr val="lt1"/>
-                </a:solidFill>
-                <a:latin typeface="Courier"/>
-                <a:ea typeface="Courier New"/>
-                <a:cs typeface="Courier"/>
-                <a:sym typeface="Courier New"/>
-              </a:rPr>
-              <a:t>        &lt;użytkownik x="2"&gt;</a:t>
-            </a:r>
-          </a:p>
-          <a:p>
-            <a:pPr marL="0" marR="0" lvl="0" indent="0" algn="l" rtl="0">
-              <a:lnSpc>
-                <a:spcPct val="100000"/>
-              </a:lnSpc>
-              <a:spcBef>
-                <a:spcPts val="0"/>
-              </a:spcBef>
-              <a:spcAft>
-                <a:spcPts val="0"/>
-              </a:spcAft>
-              <a:buClr>
-                <a:schemeClr val="lt1"/>
-              </a:buClr>
-              <a:buSzPct val="25000"/>
-              <a:buFont typeface="Courier New"/>
-              <a:buNone/>
-            </a:pPr>
-            <a:r>
-              <a:rPr lang="pl" sz="2400" b="0" i="0" u="none" strike="noStrike" cap="none" baseline="0">
-                <a:solidFill>
-                  <a:schemeClr val="lt1"/>
-                </a:solidFill>
-                <a:latin typeface="Courier"/>
-                <a:ea typeface="Courier New"/>
-                <a:cs typeface="Courier"/>
-                <a:sym typeface="Courier New"/>
-              </a:rPr>
-              <a:t>            &lt;id&gt;001&lt;/id&gt;</a:t>
-            </a:r>
-          </a:p>
-          <a:p>
-            <a:pPr marL="0" marR="0" lvl="0" indent="0" algn="l" rtl="0">
-              <a:lnSpc>
-                <a:spcPct val="100000"/>
-              </a:lnSpc>
-              <a:spcBef>
-                <a:spcPts val="0"/>
-              </a:spcBef>
-              <a:spcAft>
-                <a:spcPts val="0"/>
-              </a:spcAft>
-              <a:buClr>
-                <a:schemeClr val="lt1"/>
-              </a:buClr>
-              <a:buSzPct val="25000"/>
-              <a:buFont typeface="Courier New"/>
-              <a:buNone/>
-            </a:pPr>
-            <a:r>
-              <a:rPr lang="pl" sz="2400" b="0" i="0" u="none" strike="noStrike" cap="none" baseline="0">
-                <a:solidFill>
-                  <a:schemeClr val="lt1"/>
-                </a:solidFill>
-                <a:latin typeface="Courier"/>
-                <a:ea typeface="Courier New"/>
-                <a:cs typeface="Courier"/>
-                <a:sym typeface="Courier New"/>
-              </a:rPr>
-              <a:t>            &lt;imię&gt;Chuck&lt;/imię&gt;</a:t>
-            </a:r>
-          </a:p>
-          <a:p>
-            <a:pPr marL="0" marR="0" lvl="0" indent="0" algn="l" rtl="0">
-              <a:lnSpc>
-                <a:spcPct val="100000"/>
-              </a:lnSpc>
-              <a:spcBef>
-                <a:spcPts val="0"/>
-              </a:spcBef>
-              <a:spcAft>
-                <a:spcPts val="0"/>
-              </a:spcAft>
-              <a:buClr>
-                <a:schemeClr val="lt1"/>
-              </a:buClr>
-              <a:buSzPct val="25000"/>
-              <a:buFont typeface="Courier New"/>
-              <a:buNone/>
-            </a:pPr>
-            <a:r>
-              <a:rPr lang="pl" sz="2400" b="0" i="0" u="none" strike="noStrike" cap="none" baseline="0">
-                <a:solidFill>
-                  <a:schemeClr val="lt1"/>
-                </a:solidFill>
-                <a:latin typeface="Courier"/>
-                <a:ea typeface="Courier New"/>
-                <a:cs typeface="Courier"/>
-                <a:sym typeface="Courier New"/>
-              </a:rPr>
-              <a:t>        &lt;/użytkownik&gt;</a:t>
-            </a:r>
-          </a:p>
-          <a:p>
-            <a:pPr marL="0" marR="0" lvl="0" indent="0" algn="l" rtl="0">
-              <a:lnSpc>
-                <a:spcPct val="100000"/>
-              </a:lnSpc>
-              <a:spcBef>
-                <a:spcPts val="0"/>
-              </a:spcBef>
-              <a:spcAft>
-                <a:spcPts val="0"/>
-              </a:spcAft>
-              <a:buClr>
-                <a:schemeClr val="lt1"/>
-              </a:buClr>
-              <a:buSzPct val="25000"/>
-              <a:buFont typeface="Courier New"/>
-              <a:buNone/>
-            </a:pPr>
-            <a:r>
-              <a:rPr lang="pl" sz="2400" b="0" i="0" u="none" strike="noStrike" cap="none" baseline="0">
-                <a:solidFill>
-                  <a:schemeClr val="lt1"/>
-                </a:solidFill>
-                <a:latin typeface="Courier"/>
-                <a:ea typeface="Courier New"/>
-                <a:cs typeface="Courier"/>
-                <a:sym typeface="Courier New"/>
-              </a:rPr>
-              <a:t>        &lt;użytkownik x="7"&gt;</a:t>
-            </a:r>
-          </a:p>
-          <a:p>
-            <a:pPr marL="0" marR="0" lvl="0" indent="0" algn="l" rtl="0">
-              <a:lnSpc>
-                <a:spcPct val="100000"/>
-              </a:lnSpc>
-              <a:spcBef>
-                <a:spcPts val="0"/>
-              </a:spcBef>
-              <a:spcAft>
-                <a:spcPts val="0"/>
-              </a:spcAft>
-              <a:buClr>
-                <a:schemeClr val="lt1"/>
-              </a:buClr>
-              <a:buSzPct val="25000"/>
-              <a:buFont typeface="Courier New"/>
-              <a:buNone/>
-            </a:pPr>
-            <a:r>
-              <a:rPr lang="pl" sz="2400" b="0" i="0" u="none" strike="noStrike" cap="none" baseline="0">
-                <a:solidFill>
-                  <a:schemeClr val="lt1"/>
-                </a:solidFill>
-                <a:latin typeface="Courier"/>
-                <a:ea typeface="Courier New"/>
-                <a:cs typeface="Courier"/>
-                <a:sym typeface="Courier New"/>
-              </a:rPr>
-              <a:t>            &lt;id&gt;009&lt;/id&gt;</a:t>
-            </a:r>
-          </a:p>
-          <a:p>
-            <a:pPr marL="0" marR="0" lvl="0" indent="0" algn="l" rtl="0">
-              <a:lnSpc>
-                <a:spcPct val="100000"/>
-              </a:lnSpc>
-              <a:spcBef>
-                <a:spcPts val="0"/>
-              </a:spcBef>
-              <a:spcAft>
-                <a:spcPts val="0"/>
-              </a:spcAft>
-              <a:buClr>
-                <a:schemeClr val="lt1"/>
-              </a:buClr>
-              <a:buSzPct val="25000"/>
-              <a:buFont typeface="Courier New"/>
-              <a:buNone/>
-            </a:pPr>
-            <a:r>
-              <a:rPr lang="pl" sz="2400" b="0" i="0" u="none" strike="noStrike" cap="none" baseline="0">
-                <a:solidFill>
-                  <a:schemeClr val="lt1"/>
-                </a:solidFill>
-                <a:latin typeface="Courier"/>
-                <a:ea typeface="Courier New"/>
-                <a:cs typeface="Courier"/>
-                <a:sym typeface="Courier New"/>
-              </a:rPr>
-              <a:t>            &lt;imię&gt;Brent&lt;/imię&gt;</a:t>
-            </a:r>
-          </a:p>
-          <a:p>
-            <a:pPr marL="0" marR="0" lvl="0" indent="0" algn="l" rtl="0">
-              <a:lnSpc>
-                <a:spcPct val="100000"/>
-              </a:lnSpc>
-              <a:spcBef>
-                <a:spcPts val="0"/>
-              </a:spcBef>
-              <a:spcAft>
-                <a:spcPts val="0"/>
-              </a:spcAft>
-              <a:buClr>
-                <a:schemeClr val="lt1"/>
-              </a:buClr>
-              <a:buSzPct val="25000"/>
-              <a:buFont typeface="Courier New"/>
-              <a:buNone/>
-            </a:pPr>
-            <a:r>
-              <a:rPr lang="pl" sz="2400" b="0" i="0" u="none" strike="noStrike" cap="none" baseline="0">
-                <a:solidFill>
-                  <a:schemeClr val="lt1"/>
-                </a:solidFill>
-                <a:latin typeface="Courier"/>
-                <a:ea typeface="Courier New"/>
-                <a:cs typeface="Courier"/>
-                <a:sym typeface="Courier New"/>
-              </a:rPr>
-              <a:t>        &lt;/użytkownik&gt;</a:t>
-            </a:r>
-          </a:p>
-          <a:p>
-            <a:pPr marL="0" marR="0" lvl="0" indent="0" algn="l" rtl="0">
-              <a:lnSpc>
-                <a:spcPct val="100000"/>
-              </a:lnSpc>
-              <a:spcBef>
-                <a:spcPts val="0"/>
-              </a:spcBef>
-              <a:spcAft>
-                <a:spcPts val="0"/>
-              </a:spcAft>
-              <a:buClr>
-                <a:schemeClr val="lt1"/>
-              </a:buClr>
-              <a:buSzPct val="25000"/>
-              <a:buFont typeface="Courier New"/>
-              <a:buNone/>
-            </a:pPr>
-            <a:r>
-              <a:rPr lang="pl" sz="2400" b="0" i="0" u="none" strike="noStrike" cap="none" baseline="0">
-                <a:solidFill>
-                  <a:schemeClr val="lt1"/>
-                </a:solidFill>
-                <a:latin typeface="Courier"/>
-                <a:ea typeface="Courier New"/>
-                <a:cs typeface="Courier"/>
-                <a:sym typeface="Courier New"/>
-              </a:rPr>
-              <a:t>    &lt;/użytkownicy&gt;</a:t>
-            </a:r>
-          </a:p>
-          <a:p>
-            <a:pPr marL="0" marR="0" lvl="0" indent="0" algn="l" rtl="0">
-              <a:lnSpc>
-                <a:spcPct val="100000"/>
-              </a:lnSpc>
-              <a:spcBef>
-                <a:spcPts val="0"/>
-              </a:spcBef>
-              <a:spcAft>
-                <a:spcPts val="0"/>
-              </a:spcAft>
-              <a:buClr>
-                <a:schemeClr val="lt1"/>
-              </a:buClr>
-              <a:buSzPct val="25000"/>
-              <a:buFont typeface="Courier New"/>
-              <a:buNone/>
-            </a:pPr>
-            <a:r>
-              <a:rPr lang="pl" sz="2400" b="0" i="0" u="none" strike="noStrike" cap="none" baseline="0">
-                <a:solidFill>
-                  <a:schemeClr val="lt1"/>
-                </a:solidFill>
-                <a:latin typeface="Courier"/>
-                <a:ea typeface="Courier New"/>
-                <a:cs typeface="Courier"/>
-                <a:sym typeface="Courier New"/>
-              </a:rPr>
-              <a:t>&lt;/coś&gt;'''</a:t>
-            </a:r>
-          </a:p>
-          <a:p>
-            <a:pPr marL="0" marR="0" lvl="0" indent="0" algn="ctr" rtl="0">
-              <a:lnSpc>
-                <a:spcPct val="100000"/>
-              </a:lnSpc>
-              <a:spcBef>
-                <a:spcPts val="0"/>
-              </a:spcBef>
-              <a:spcAft>
-                <a:spcPts val="0"/>
-              </a:spcAft>
-              <a:buNone/>
-            </a:pPr>
-            <a:endParaRPr sz="2400" i="0" u="none" strike="noStrike" cap="none" dirty="0">
+            <a:endParaRPr lang="pl-PL" sz="2200" b="0" i="0" u="none" strike="noStrike" cap="none" baseline="0" dirty="0">
               <a:solidFill>
                 <a:schemeClr val="lt1"/>
               </a:solidFill>
@@ -20550,7 +20496,7 @@
               <a:buNone/>
             </a:pPr>
             <a:r>
-              <a:rPr lang="pl" sz="2400" b="0" i="0" u="none" strike="noStrike" cap="none" baseline="0">
+              <a:rPr lang="pl-PL" sz="2200" b="0" i="0" u="none" strike="noStrike" cap="none" baseline="0" dirty="0">
                 <a:solidFill>
                   <a:schemeClr val="lt1"/>
                 </a:solidFill>
@@ -20559,7 +20505,7 @@
                 <a:cs typeface="Courier"/>
                 <a:sym typeface="Courier New"/>
               </a:rPr>
-              <a:t>coś = ET.fromstring(input)</a:t>
+              <a:t>input = '''</a:t>
             </a:r>
           </a:p>
           <a:p>
@@ -20581,7 +20527,7 @@
               <a:buNone/>
             </a:pPr>
             <a:r>
-              <a:rPr lang="pl" sz="2400" b="0" i="0" u="none" strike="noStrike" cap="none" baseline="0">
+              <a:rPr lang="pl-PL" sz="2200" b="0" i="0" u="none" strike="noStrike" cap="none" baseline="0" dirty="0">
                 <a:solidFill>
                   <a:schemeClr val="lt1"/>
                 </a:solidFill>
@@ -20590,7 +20536,7 @@
                 <a:cs typeface="Courier"/>
                 <a:sym typeface="Courier New"/>
               </a:rPr>
-              <a:t>lst = coś.findall('użytkownicy/użytkownik')</a:t>
+              <a:t>&lt;stuff&gt;</a:t>
             </a:r>
           </a:p>
           <a:p>
@@ -20612,7 +20558,7 @@
               <a:buNone/>
             </a:pPr>
             <a:r>
-              <a:rPr lang="pl" sz="2400" b="0" i="0" u="none" strike="noStrike" cap="none" baseline="0">
+              <a:rPr lang="pl-PL" sz="2200" b="0" i="0" u="none" strike="noStrike" cap="none" baseline="0" dirty="0">
                 <a:solidFill>
                   <a:schemeClr val="lt1"/>
                 </a:solidFill>
@@ -20621,9 +20567,338 @@
                 <a:cs typeface="Courier"/>
                 <a:sym typeface="Courier New"/>
               </a:rPr>
-              <a:t>print('liczba użytkowników:', len(lst))</a:t>
-            </a:r>
-            <a:endParaRPr lang="pl" sz="2400" i="0" u="none" strike="noStrike" cap="none" dirty="0">
+              <a:t>  &lt;users&gt;</a:t>
+            </a:r>
+          </a:p>
+          <a:p>
+            <a:pPr marL="0" marR="0" lvl="0" indent="0" algn="l" rtl="0">
+              <a:lnSpc>
+                <a:spcPct val="100000"/>
+              </a:lnSpc>
+              <a:spcBef>
+                <a:spcPts val="0"/>
+              </a:spcBef>
+              <a:spcAft>
+                <a:spcPts val="0"/>
+              </a:spcAft>
+              <a:buClr>
+                <a:schemeClr val="lt1"/>
+              </a:buClr>
+              <a:buSzPct val="25000"/>
+              <a:buFont typeface="Courier New"/>
+              <a:buNone/>
+            </a:pPr>
+            <a:r>
+              <a:rPr lang="pl-PL" sz="2200" b="0" i="0" u="none" strike="noStrike" cap="none" baseline="0" dirty="0">
+                <a:solidFill>
+                  <a:schemeClr val="lt1"/>
+                </a:solidFill>
+                <a:latin typeface="Courier"/>
+                <a:ea typeface="Courier New"/>
+                <a:cs typeface="Courier"/>
+                <a:sym typeface="Courier New"/>
+              </a:rPr>
+              <a:t>    &lt;user x="2"&gt;</a:t>
+            </a:r>
+          </a:p>
+          <a:p>
+            <a:pPr marL="0" marR="0" lvl="0" indent="0" algn="l" rtl="0">
+              <a:lnSpc>
+                <a:spcPct val="100000"/>
+              </a:lnSpc>
+              <a:spcBef>
+                <a:spcPts val="0"/>
+              </a:spcBef>
+              <a:spcAft>
+                <a:spcPts val="0"/>
+              </a:spcAft>
+              <a:buClr>
+                <a:schemeClr val="lt1"/>
+              </a:buClr>
+              <a:buSzPct val="25000"/>
+              <a:buFont typeface="Courier New"/>
+              <a:buNone/>
+            </a:pPr>
+            <a:r>
+              <a:rPr lang="pl-PL" sz="2200" b="0" i="0" u="none" strike="noStrike" cap="none" baseline="0" dirty="0">
+                <a:solidFill>
+                  <a:schemeClr val="lt1"/>
+                </a:solidFill>
+                <a:latin typeface="Courier"/>
+                <a:ea typeface="Courier New"/>
+                <a:cs typeface="Courier"/>
+                <a:sym typeface="Courier New"/>
+              </a:rPr>
+              <a:t>      &lt;id&gt;001&lt;/id&gt;</a:t>
+            </a:r>
+          </a:p>
+          <a:p>
+            <a:pPr marL="0" marR="0" lvl="0" indent="0" algn="l" rtl="0">
+              <a:lnSpc>
+                <a:spcPct val="100000"/>
+              </a:lnSpc>
+              <a:spcBef>
+                <a:spcPts val="0"/>
+              </a:spcBef>
+              <a:spcAft>
+                <a:spcPts val="0"/>
+              </a:spcAft>
+              <a:buClr>
+                <a:schemeClr val="lt1"/>
+              </a:buClr>
+              <a:buSzPct val="25000"/>
+              <a:buFont typeface="Courier New"/>
+              <a:buNone/>
+            </a:pPr>
+            <a:r>
+              <a:rPr lang="pl-PL" sz="2200" b="0" i="0" u="none" strike="noStrike" cap="none" baseline="0" dirty="0">
+                <a:solidFill>
+                  <a:schemeClr val="lt1"/>
+                </a:solidFill>
+                <a:latin typeface="Courier"/>
+                <a:ea typeface="Courier New"/>
+                <a:cs typeface="Courier"/>
+                <a:sym typeface="Courier New"/>
+              </a:rPr>
+              <a:t>      &lt;name&gt;Chuck&lt;/name&gt;</a:t>
+            </a:r>
+          </a:p>
+          <a:p>
+            <a:pPr marL="0" marR="0" lvl="0" indent="0" algn="l" rtl="0">
+              <a:lnSpc>
+                <a:spcPct val="100000"/>
+              </a:lnSpc>
+              <a:spcBef>
+                <a:spcPts val="0"/>
+              </a:spcBef>
+              <a:spcAft>
+                <a:spcPts val="0"/>
+              </a:spcAft>
+              <a:buClr>
+                <a:schemeClr val="lt1"/>
+              </a:buClr>
+              <a:buSzPct val="25000"/>
+              <a:buFont typeface="Courier New"/>
+              <a:buNone/>
+            </a:pPr>
+            <a:r>
+              <a:rPr lang="pl-PL" sz="2200" b="0" i="0" u="none" strike="noStrike" cap="none" baseline="0" dirty="0">
+                <a:solidFill>
+                  <a:schemeClr val="lt1"/>
+                </a:solidFill>
+                <a:latin typeface="Courier"/>
+                <a:ea typeface="Courier New"/>
+                <a:cs typeface="Courier"/>
+                <a:sym typeface="Courier New"/>
+              </a:rPr>
+              <a:t>    &lt;/user&gt;</a:t>
+            </a:r>
+          </a:p>
+          <a:p>
+            <a:pPr marL="0" marR="0" lvl="0" indent="0" algn="l" rtl="0">
+              <a:lnSpc>
+                <a:spcPct val="100000"/>
+              </a:lnSpc>
+              <a:spcBef>
+                <a:spcPts val="0"/>
+              </a:spcBef>
+              <a:spcAft>
+                <a:spcPts val="0"/>
+              </a:spcAft>
+              <a:buClr>
+                <a:schemeClr val="lt1"/>
+              </a:buClr>
+              <a:buSzPct val="25000"/>
+              <a:buFont typeface="Courier New"/>
+              <a:buNone/>
+            </a:pPr>
+            <a:r>
+              <a:rPr lang="pl-PL" sz="2200" b="0" i="0" u="none" strike="noStrike" cap="none" baseline="0" dirty="0">
+                <a:solidFill>
+                  <a:schemeClr val="lt1"/>
+                </a:solidFill>
+                <a:latin typeface="Courier"/>
+                <a:ea typeface="Courier New"/>
+                <a:cs typeface="Courier"/>
+                <a:sym typeface="Courier New"/>
+              </a:rPr>
+              <a:t>    &lt;user x="7"&gt;</a:t>
+            </a:r>
+          </a:p>
+          <a:p>
+            <a:pPr marL="0" marR="0" lvl="0" indent="0" algn="l" rtl="0">
+              <a:lnSpc>
+                <a:spcPct val="100000"/>
+              </a:lnSpc>
+              <a:spcBef>
+                <a:spcPts val="0"/>
+              </a:spcBef>
+              <a:spcAft>
+                <a:spcPts val="0"/>
+              </a:spcAft>
+              <a:buClr>
+                <a:schemeClr val="lt1"/>
+              </a:buClr>
+              <a:buSzPct val="25000"/>
+              <a:buFont typeface="Courier New"/>
+              <a:buNone/>
+            </a:pPr>
+            <a:r>
+              <a:rPr lang="pl-PL" sz="2200" b="0" i="0" u="none" strike="noStrike" cap="none" baseline="0" dirty="0">
+                <a:solidFill>
+                  <a:schemeClr val="lt1"/>
+                </a:solidFill>
+                <a:latin typeface="Courier"/>
+                <a:ea typeface="Courier New"/>
+                <a:cs typeface="Courier"/>
+                <a:sym typeface="Courier New"/>
+              </a:rPr>
+              <a:t>      &lt;id&gt;009&lt;/id&gt;</a:t>
+            </a:r>
+          </a:p>
+          <a:p>
+            <a:pPr marL="0" marR="0" lvl="0" indent="0" algn="l" rtl="0">
+              <a:lnSpc>
+                <a:spcPct val="100000"/>
+              </a:lnSpc>
+              <a:spcBef>
+                <a:spcPts val="0"/>
+              </a:spcBef>
+              <a:spcAft>
+                <a:spcPts val="0"/>
+              </a:spcAft>
+              <a:buClr>
+                <a:schemeClr val="lt1"/>
+              </a:buClr>
+              <a:buSzPct val="25000"/>
+              <a:buFont typeface="Courier New"/>
+              <a:buNone/>
+            </a:pPr>
+            <a:r>
+              <a:rPr lang="pl-PL" sz="2200" b="0" i="0" u="none" strike="noStrike" cap="none" baseline="0" dirty="0">
+                <a:solidFill>
+                  <a:schemeClr val="lt1"/>
+                </a:solidFill>
+                <a:latin typeface="Courier"/>
+                <a:ea typeface="Courier New"/>
+                <a:cs typeface="Courier"/>
+                <a:sym typeface="Courier New"/>
+              </a:rPr>
+              <a:t>      &lt;name&gt;Brent&lt;/name&gt;</a:t>
+            </a:r>
+          </a:p>
+          <a:p>
+            <a:pPr marL="0" marR="0" lvl="0" indent="0" algn="l" rtl="0">
+              <a:lnSpc>
+                <a:spcPct val="100000"/>
+              </a:lnSpc>
+              <a:spcBef>
+                <a:spcPts val="0"/>
+              </a:spcBef>
+              <a:spcAft>
+                <a:spcPts val="0"/>
+              </a:spcAft>
+              <a:buClr>
+                <a:schemeClr val="lt1"/>
+              </a:buClr>
+              <a:buSzPct val="25000"/>
+              <a:buFont typeface="Courier New"/>
+              <a:buNone/>
+            </a:pPr>
+            <a:r>
+              <a:rPr lang="pl-PL" sz="2200" b="0" i="0" u="none" strike="noStrike" cap="none" baseline="0" dirty="0">
+                <a:solidFill>
+                  <a:schemeClr val="lt1"/>
+                </a:solidFill>
+                <a:latin typeface="Courier"/>
+                <a:ea typeface="Courier New"/>
+                <a:cs typeface="Courier"/>
+                <a:sym typeface="Courier New"/>
+              </a:rPr>
+              <a:t>    &lt;/user&gt;</a:t>
+            </a:r>
+          </a:p>
+          <a:p>
+            <a:pPr marL="0" marR="0" lvl="0" indent="0" algn="l" rtl="0">
+              <a:lnSpc>
+                <a:spcPct val="100000"/>
+              </a:lnSpc>
+              <a:spcBef>
+                <a:spcPts val="0"/>
+              </a:spcBef>
+              <a:spcAft>
+                <a:spcPts val="0"/>
+              </a:spcAft>
+              <a:buClr>
+                <a:schemeClr val="lt1"/>
+              </a:buClr>
+              <a:buSzPct val="25000"/>
+              <a:buFont typeface="Courier New"/>
+              <a:buNone/>
+            </a:pPr>
+            <a:r>
+              <a:rPr lang="pl-PL" sz="2200" b="0" i="0" u="none" strike="noStrike" cap="none" baseline="0" dirty="0">
+                <a:solidFill>
+                  <a:schemeClr val="lt1"/>
+                </a:solidFill>
+                <a:latin typeface="Courier"/>
+                <a:ea typeface="Courier New"/>
+                <a:cs typeface="Courier"/>
+                <a:sym typeface="Courier New"/>
+              </a:rPr>
+              <a:t>  &lt;/users&gt;</a:t>
+            </a:r>
+          </a:p>
+          <a:p>
+            <a:pPr marL="0" marR="0" lvl="0" indent="0" algn="l" rtl="0">
+              <a:lnSpc>
+                <a:spcPct val="100000"/>
+              </a:lnSpc>
+              <a:spcBef>
+                <a:spcPts val="0"/>
+              </a:spcBef>
+              <a:spcAft>
+                <a:spcPts val="0"/>
+              </a:spcAft>
+              <a:buClr>
+                <a:schemeClr val="lt1"/>
+              </a:buClr>
+              <a:buSzPct val="25000"/>
+              <a:buFont typeface="Courier New"/>
+              <a:buNone/>
+            </a:pPr>
+            <a:r>
+              <a:rPr lang="pl-PL" sz="2200" b="0" i="0" u="none" strike="noStrike" cap="none" baseline="0" dirty="0">
+                <a:solidFill>
+                  <a:schemeClr val="lt1"/>
+                </a:solidFill>
+                <a:latin typeface="Courier"/>
+                <a:ea typeface="Courier New"/>
+                <a:cs typeface="Courier"/>
+                <a:sym typeface="Courier New"/>
+              </a:rPr>
+              <a:t>&lt;/stuff&gt;'''</a:t>
+            </a:r>
+          </a:p>
+          <a:p>
+            <a:pPr marL="0" marR="0" lvl="0" indent="0" algn="l" rtl="0">
+              <a:lnSpc>
+                <a:spcPct val="100000"/>
+              </a:lnSpc>
+              <a:spcBef>
+                <a:spcPts val="0"/>
+              </a:spcBef>
+              <a:spcAft>
+                <a:spcPts val="0"/>
+              </a:spcAft>
+              <a:buClr>
+                <a:schemeClr val="lt1"/>
+              </a:buClr>
+              <a:buSzPct val="25000"/>
+              <a:buFont typeface="Courier New"/>
+              <a:buNone/>
+            </a:pPr>
+            <a:endParaRPr lang="pl-PL" sz="2200" b="0" i="0" u="none" strike="noStrike" cap="none" baseline="0" dirty="0">
               <a:solidFill>
                 <a:schemeClr val="lt1"/>
               </a:solidFill>
@@ -20652,7 +20927,7 @@
               <a:buNone/>
             </a:pPr>
             <a:r>
-              <a:rPr lang="pl" sz="2400" b="0" i="0" u="none" strike="noStrike" cap="none" baseline="0">
+              <a:rPr lang="pl-PL" sz="2200" b="0" i="0" u="none" strike="noStrike" cap="none" baseline="0" dirty="0">
                 <a:solidFill>
                   <a:schemeClr val="lt1"/>
                 </a:solidFill>
@@ -20661,7 +20936,7 @@
                 <a:cs typeface="Courier"/>
                 <a:sym typeface="Courier New"/>
               </a:rPr>
-              <a:t>for item in lst:</a:t>
+              <a:t>stuff = ET.fromstring(input)</a:t>
             </a:r>
           </a:p>
           <a:p>
@@ -20683,7 +20958,7 @@
               <a:buNone/>
             </a:pPr>
             <a:r>
-              <a:rPr lang="pl" sz="2400" b="0" i="0" u="none" strike="noStrike" cap="none" baseline="0">
+              <a:rPr lang="pl-PL" sz="2200" b="0" i="0" u="none" strike="noStrike" cap="none" baseline="0" dirty="0">
                 <a:solidFill>
                   <a:schemeClr val="lt1"/>
                 </a:solidFill>
@@ -20692,9 +20967,59 @@
                 <a:cs typeface="Courier"/>
                 <a:sym typeface="Courier New"/>
               </a:rPr>
-              <a:t>    print('Imię', item.find('imię').text)</a:t>
-            </a:r>
-            <a:endParaRPr lang="pl" sz="2400" i="0" u="none" strike="noStrike" cap="none" dirty="0">
+              <a:t>lst = stuff.findall('users/user')</a:t>
+            </a:r>
+          </a:p>
+          <a:p>
+            <a:pPr marL="0" marR="0" lvl="0" indent="0" algn="l" rtl="0">
+              <a:lnSpc>
+                <a:spcPct val="100000"/>
+              </a:lnSpc>
+              <a:spcBef>
+                <a:spcPts val="0"/>
+              </a:spcBef>
+              <a:spcAft>
+                <a:spcPts val="0"/>
+              </a:spcAft>
+              <a:buClr>
+                <a:schemeClr val="lt1"/>
+              </a:buClr>
+              <a:buSzPct val="25000"/>
+              <a:buFont typeface="Courier New"/>
+              <a:buNone/>
+            </a:pPr>
+            <a:r>
+              <a:rPr lang="pl-PL" sz="2200" b="0" i="0" u="none" strike="noStrike" cap="none" baseline="0" dirty="0">
+                <a:solidFill>
+                  <a:schemeClr val="lt1"/>
+                </a:solidFill>
+                <a:latin typeface="Courier"/>
+                <a:ea typeface="Courier New"/>
+                <a:cs typeface="Courier"/>
+                <a:sym typeface="Courier New"/>
+              </a:rPr>
+              <a:t>print('Liczba użytkowników:', len(lst))</a:t>
+            </a:r>
+          </a:p>
+          <a:p>
+            <a:pPr marL="0" marR="0" lvl="0" indent="0" algn="l" rtl="0">
+              <a:lnSpc>
+                <a:spcPct val="100000"/>
+              </a:lnSpc>
+              <a:spcBef>
+                <a:spcPts val="0"/>
+              </a:spcBef>
+              <a:spcAft>
+                <a:spcPts val="0"/>
+              </a:spcAft>
+              <a:buClr>
+                <a:schemeClr val="lt1"/>
+              </a:buClr>
+              <a:buSzPct val="25000"/>
+              <a:buFont typeface="Courier New"/>
+              <a:buNone/>
+            </a:pPr>
+            <a:endParaRPr lang="pl-PL" sz="2200" b="0" i="0" u="none" strike="noStrike" cap="none" baseline="0" dirty="0">
               <a:solidFill>
                 <a:schemeClr val="lt1"/>
               </a:solidFill>
@@ -20723,7 +21048,7 @@
               <a:buNone/>
             </a:pPr>
             <a:r>
-              <a:rPr lang="pl" sz="2400" b="0" i="0" u="none" strike="noStrike" cap="none" baseline="0">
+              <a:rPr lang="pl-PL" sz="2200" b="0" i="0" u="none" strike="noStrike" cap="none" baseline="0" dirty="0">
                 <a:solidFill>
                   <a:schemeClr val="lt1"/>
                 </a:solidFill>
@@ -20732,38 +21057,29 @@
                 <a:cs typeface="Courier"/>
                 <a:sym typeface="Courier New"/>
               </a:rPr>
-              <a:t>    print('Id', item.find('id').text)</a:t>
-            </a:r>
-            <a:endParaRPr lang="pl" sz="2400" i="0" u="none" strike="noStrike" cap="none" dirty="0">
-              <a:solidFill>
+              <a:t>for item in lst:</a:t>
+            </a:r>
+          </a:p>
+          <a:p>
+            <a:pPr marL="0" marR="0" lvl="0" indent="0" algn="l" rtl="0">
+              <a:lnSpc>
+                <a:spcPct val="100000"/>
+              </a:lnSpc>
+              <a:spcBef>
+                <a:spcPts val="0"/>
+              </a:spcBef>
+              <a:spcAft>
+                <a:spcPts val="0"/>
+              </a:spcAft>
+              <a:buClr>
                 <a:schemeClr val="lt1"/>
-              </a:solidFill>
-              <a:latin typeface="Courier"/>
-              <a:ea typeface="Courier New"/>
-              <a:cs typeface="Courier"/>
-              <a:sym typeface="Courier New"/>
-            </a:endParaRPr>
-          </a:p>
-          <a:p>
-            <a:pPr marL="0" marR="0" lvl="0" indent="0" algn="l" rtl="0">
-              <a:lnSpc>
-                <a:spcPct val="100000"/>
-              </a:lnSpc>
-              <a:spcBef>
-                <a:spcPts val="0"/>
-              </a:spcBef>
-              <a:spcAft>
-                <a:spcPts val="0"/>
-              </a:spcAft>
-              <a:buClr>
-                <a:schemeClr val="lt1"/>
               </a:buClr>
               <a:buSzPct val="25000"/>
               <a:buFont typeface="Courier New"/>
               <a:buNone/>
             </a:pPr>
             <a:r>
-              <a:rPr lang="pl" sz="2400" b="0" i="0" u="none" strike="noStrike" cap="none" baseline="0">
+              <a:rPr lang="pl-PL" sz="2200" b="0" i="0" u="none" strike="noStrike" cap="none" baseline="0" dirty="0">
                 <a:solidFill>
                   <a:schemeClr val="lt1"/>
                 </a:solidFill>
@@ -20772,9 +21088,71 @@
                 <a:cs typeface="Courier"/>
                 <a:sym typeface="Courier New"/>
               </a:rPr>
-              <a:t>    print('Atrybut', item.get("x"))</a:t>
-            </a:r>
-            <a:endParaRPr lang="pl" sz="2400" i="0" u="none" strike="noStrike" cap="none" dirty="0">
+              <a:t>    print('Name', item.find('name').text)</a:t>
+            </a:r>
+          </a:p>
+          <a:p>
+            <a:pPr marL="0" marR="0" lvl="0" indent="0" algn="l" rtl="0">
+              <a:lnSpc>
+                <a:spcPct val="100000"/>
+              </a:lnSpc>
+              <a:spcBef>
+                <a:spcPts val="0"/>
+              </a:spcBef>
+              <a:spcAft>
+                <a:spcPts val="0"/>
+              </a:spcAft>
+              <a:buClr>
+                <a:schemeClr val="lt1"/>
+              </a:buClr>
+              <a:buSzPct val="25000"/>
+              <a:buFont typeface="Courier New"/>
+              <a:buNone/>
+            </a:pPr>
+            <a:r>
+              <a:rPr lang="pl-PL" sz="2200" b="0" i="0" u="none" strike="noStrike" cap="none" baseline="0" dirty="0">
+                <a:solidFill>
+                  <a:schemeClr val="lt1"/>
+                </a:solidFill>
+                <a:latin typeface="Courier"/>
+                <a:ea typeface="Courier New"/>
+                <a:cs typeface="Courier"/>
+                <a:sym typeface="Courier New"/>
+              </a:rPr>
+              <a:t>    print('Id', item.find('id').text)</a:t>
+            </a:r>
+          </a:p>
+          <a:p>
+            <a:pPr marL="0" marR="0" lvl="0" indent="0" algn="l" rtl="0">
+              <a:lnSpc>
+                <a:spcPct val="100000"/>
+              </a:lnSpc>
+              <a:spcBef>
+                <a:spcPts val="0"/>
+              </a:spcBef>
+              <a:spcAft>
+                <a:spcPts val="0"/>
+              </a:spcAft>
+              <a:buClr>
+                <a:schemeClr val="lt1"/>
+              </a:buClr>
+              <a:buSzPct val="25000"/>
+              <a:buFont typeface="Courier New"/>
+              <a:buNone/>
+            </a:pPr>
+            <a:r>
+              <a:rPr lang="pl-PL" sz="2200" b="0" i="0" u="none" strike="noStrike" cap="none" baseline="0" dirty="0">
+                <a:solidFill>
+                  <a:schemeClr val="lt1"/>
+                </a:solidFill>
+                <a:latin typeface="Courier"/>
+                <a:ea typeface="Courier New"/>
+                <a:cs typeface="Courier"/>
+                <a:sym typeface="Courier New"/>
+              </a:rPr>
+              <a:t>    print('Attribute', item.get('x'))</a:t>
+            </a:r>
+            <a:endParaRPr lang="pl" sz="2200" i="0" u="none" strike="noStrike" cap="none" dirty="0">
               <a:solidFill>
                 <a:schemeClr val="lt1"/>
               </a:solidFill>
@@ -21070,7 +21448,7 @@
           </a:ln>
           <a:extLst>
             <a:ext uri="{909E8E84-426E-40dd-AFC4-6F175D3DCCD1}">
-              <a14:hiddenFill xmlns="" xmlns:a14="http://schemas.microsoft.com/office/drawing/2010/main">
+              <a14:hiddenFill xmlns:a14="http://schemas.microsoft.com/office/drawing/2010/main" xmlns="">
                 <a:solidFill>
                   <a:srgbClr val="FFFFFF"/>
                 </a:solidFill>
@@ -21154,14 +21532,14 @@
           </a:ln>
           <a:extLst>
             <a:ext uri="{909E8E84-426E-40dd-AFC4-6F175D3DCCD1}">
-              <a14:hiddenFill xmlns="" xmlns:a14="http://schemas.microsoft.com/office/drawing/2010/main">
+              <a14:hiddenFill xmlns:a14="http://schemas.microsoft.com/office/drawing/2010/main" xmlns="">
                 <a:solidFill>
                   <a:srgbClr val="FFFFFF"/>
                 </a:solidFill>
               </a14:hiddenFill>
             </a:ext>
             <a:ext uri="{91240B29-F687-4f45-9708-019B960494DF}">
-              <a14:hiddenLine xmlns="" xmlns:a14="http://schemas.microsoft.com/office/drawing/2010/main" w="9525">
+              <a14:hiddenLine xmlns:a14="http://schemas.microsoft.com/office/drawing/2010/main" xmlns="" w="9525">
                 <a:solidFill>
                   <a:srgbClr val="000000"/>
                 </a:solidFill>
@@ -21195,14 +21573,14 @@
           </a:ln>
           <a:extLst>
             <a:ext uri="{909E8E84-426E-40dd-AFC4-6F175D3DCCD1}">
-              <a14:hiddenFill xmlns="" xmlns:a14="http://schemas.microsoft.com/office/drawing/2010/main">
+              <a14:hiddenFill xmlns:a14="http://schemas.microsoft.com/office/drawing/2010/main" xmlns="">
                 <a:solidFill>
                   <a:srgbClr val="FFFFFF"/>
                 </a:solidFill>
               </a14:hiddenFill>
             </a:ext>
             <a:ext uri="{91240B29-F687-4f45-9708-019B960494DF}">
-              <a14:hiddenLine xmlns="" xmlns:a14="http://schemas.microsoft.com/office/drawing/2010/main" w="9525">
+              <a14:hiddenLine xmlns:a14="http://schemas.microsoft.com/office/drawing/2010/main" xmlns="" w="9525">
                 <a:solidFill>
                   <a:srgbClr val="000000"/>
                 </a:solidFill>
@@ -21317,7 +21695,7 @@
           </a:ln>
           <a:extLst>
             <a:ext uri="{909E8E84-426E-40dd-AFC4-6F175D3DCCD1}">
-              <a14:hiddenFill xmlns="" xmlns:a14="http://schemas.microsoft.com/office/drawing/2010/main">
+              <a14:hiddenFill xmlns:a14="http://schemas.microsoft.com/office/drawing/2010/main" xmlns="">
                 <a:solidFill>
                   <a:srgbClr val="FFFFFF"/>
                 </a:solidFill>
@@ -21393,7 +21771,7 @@
           </a:ln>
           <a:extLst>
             <a:ext uri="{909E8E84-426E-40dd-AFC4-6F175D3DCCD1}">
-              <a14:hiddenFill xmlns="" xmlns:a14="http://schemas.microsoft.com/office/drawing/2010/main">
+              <a14:hiddenFill xmlns:a14="http://schemas.microsoft.com/office/drawing/2010/main" xmlns="">
                 <a:solidFill>
                   <a:srgbClr val="FFFFFF"/>
                 </a:solidFill>
@@ -21469,7 +21847,7 @@
           </a:ln>
           <a:extLst>
             <a:ext uri="{909E8E84-426E-40dd-AFC4-6F175D3DCCD1}">
-              <a14:hiddenFill xmlns="" xmlns:a14="http://schemas.microsoft.com/office/drawing/2010/main">
+              <a14:hiddenFill xmlns:a14="http://schemas.microsoft.com/office/drawing/2010/main" xmlns="">
                 <a:solidFill>
                   <a:srgbClr val="FFFFFF"/>
                 </a:solidFill>
@@ -22180,14 +22558,14 @@
           </a:ln>
           <a:extLst>
             <a:ext uri="{909E8E84-426E-40dd-AFC4-6F175D3DCCD1}">
-              <a14:hiddenFill xmlns="" xmlns:a14="http://schemas.microsoft.com/office/drawing/2010/main">
+              <a14:hiddenFill xmlns:a14="http://schemas.microsoft.com/office/drawing/2010/main" xmlns="">
                 <a:solidFill>
                   <a:srgbClr val="FFFFFF"/>
                 </a:solidFill>
               </a14:hiddenFill>
             </a:ext>
             <a:ext uri="{91240B29-F687-4f45-9708-019B960494DF}">
-              <a14:hiddenLine xmlns="" xmlns:a14="http://schemas.microsoft.com/office/drawing/2010/main" w="9525">
+              <a14:hiddenLine xmlns:a14="http://schemas.microsoft.com/office/drawing/2010/main" xmlns="" w="9525">
                 <a:solidFill>
                   <a:srgbClr val="000000"/>
                 </a:solidFill>
@@ -22624,7 +23002,7 @@
               <a:buNone/>
             </a:pPr>
             <a:r>
-              <a:rPr lang="pl" sz="3000" b="0" i="0" u="sng" strike="noStrike" cap="none" baseline="0">
+              <a:rPr lang="pl-PL" sz="3000" b="0" i="0" u="sng" strike="noStrike" cap="none" baseline="0" dirty="0">
                 <a:solidFill>
                   <a:srgbClr val="FFFF00"/>
                 </a:solidFill>
@@ -22634,8 +23012,18 @@
                 <a:sym typeface="Cabin"/>
                 <a:hlinkClick r:id="rId3"/>
               </a:rPr>
-              <a:t>http://www.youtube.com/watch?v=kc8BAR7SHJI</a:t>
-            </a:r>
+              <a:t>https://www.youtube.com/watch?v=kc8BAR7SHJI</a:t>
+            </a:r>
+            <a:endParaRPr lang="pl" sz="3000" b="0" i="0" u="sng" strike="noStrike" cap="none" baseline="0" dirty="0">
+              <a:solidFill>
+                <a:srgbClr val="FFFF00"/>
+              </a:solidFill>
+              <a:latin typeface="Arial" charset="0"/>
+              <a:ea typeface="Arial" charset="0"/>
+              <a:cs typeface="Arial" charset="0"/>
+              <a:sym typeface="Cabin"/>
+              <a:hlinkClick r:id="rId4"/>
+            </a:endParaRPr>
           </a:p>
         </p:txBody>
       </p:sp>
@@ -22646,7 +23034,7 @@
           <p:nvPr/>
         </p:nvPicPr>
         <p:blipFill rotWithShape="1">
-          <a:blip r:embed="rId4">
+          <a:blip r:embed="rId5">
             <a:alphaModFix/>
           </a:blip>
           <a:srcRect/>
@@ -22838,7 +23226,7 @@
               <a:buNone/>
             </a:pPr>
             <a:r>
-              <a:rPr lang="pl" sz="3000" b="0" i="0" u="none" strike="noStrike" cap="none" baseline="0">
+              <a:rPr lang="pl" sz="3000" b="0" i="0" u="none" strike="noStrike" cap="none" baseline="0" dirty="0">
                 <a:solidFill>
                   <a:schemeClr val="lt1"/>
                 </a:solidFill>
@@ -22878,7 +23266,7 @@
               <a:buNone/>
             </a:pPr>
             <a:r>
-              <a:rPr lang="pl" sz="3000" b="0" i="0" u="none" strike="noStrike" cap="none" baseline="0">
+              <a:rPr lang="pl" sz="3000" b="0" i="0" u="none" strike="noStrike" cap="none" baseline="0" dirty="0">
                 <a:solidFill>
                   <a:schemeClr val="lt1"/>
                 </a:solidFill>
@@ -22909,7 +23297,7 @@
               <a:buNone/>
             </a:pPr>
             <a:r>
-              <a:rPr lang="pl" sz="3000" b="0" i="0" u="none" strike="noStrike" cap="none" baseline="0">
+              <a:rPr lang="pl" sz="3000" b="0" i="0" u="none" strike="noStrike" cap="none" baseline="0" dirty="0">
                 <a:solidFill>
                   <a:schemeClr val="lt1"/>
                 </a:solidFill>
@@ -22940,7 +23328,7 @@
               <a:buNone/>
             </a:pPr>
             <a:r>
-              <a:rPr lang="pl" sz="3000" b="0" i="0" u="none" strike="noStrike" cap="none" baseline="0">
+              <a:rPr lang="pl" sz="3000" b="0" i="0" u="none" strike="noStrike" cap="none" baseline="0" dirty="0">
                 <a:solidFill>
                   <a:schemeClr val="lt1"/>
                 </a:solidFill>
@@ -22971,7 +23359,7 @@
               <a:buNone/>
             </a:pPr>
             <a:r>
-              <a:rPr lang="pl" sz="3000" b="0" i="0" u="none" strike="noStrike" cap="none" baseline="0">
+              <a:rPr lang="pl" sz="3000" b="0" i="0" u="none" strike="noStrike" cap="none" baseline="0" dirty="0">
                 <a:solidFill>
                   <a:schemeClr val="lt1"/>
                 </a:solidFill>
@@ -23002,7 +23390,7 @@
               <a:buNone/>
             </a:pPr>
             <a:r>
-              <a:rPr lang="pl" sz="3000" b="0" i="0" u="none" strike="noStrike" cap="none" baseline="0">
+              <a:rPr lang="pl" sz="3000" b="0" i="0" u="none" strike="noStrike" cap="none" baseline="0" dirty="0">
                 <a:solidFill>
                   <a:schemeClr val="lt1"/>
                 </a:solidFill>
@@ -23033,7 +23421,7 @@
               <a:buNone/>
             </a:pPr>
             <a:r>
-              <a:rPr lang="pl" sz="3000" b="0" i="0" u="none" strike="noStrike" cap="none" baseline="0">
+              <a:rPr lang="pl" sz="3000" b="0" i="0" u="none" strike="noStrike" cap="none" baseline="0" dirty="0">
                 <a:solidFill>
                   <a:schemeClr val="lt1"/>
                 </a:solidFill>
@@ -23064,7 +23452,7 @@
               <a:buNone/>
             </a:pPr>
             <a:r>
-              <a:rPr lang="pl" sz="3000" b="0" i="0" u="none" strike="noStrike" cap="none" baseline="0">
+              <a:rPr lang="pl" sz="3000" b="0" i="0" u="none" strike="noStrike" cap="none" baseline="0" dirty="0">
                 <a:solidFill>
                   <a:schemeClr val="lt1"/>
                 </a:solidFill>
@@ -23095,7 +23483,7 @@
               <a:buNone/>
             </a:pPr>
             <a:r>
-              <a:rPr lang="pl" sz="3000" b="0" i="0" u="none" strike="noStrike" cap="none" baseline="0">
+              <a:rPr lang="pl" sz="3000" b="0" i="0" u="none" strike="noStrike" cap="none" baseline="0" dirty="0">
                 <a:solidFill>
                   <a:schemeClr val="lt1"/>
                 </a:solidFill>
@@ -23126,7 +23514,7 @@
               <a:buNone/>
             </a:pPr>
             <a:r>
-              <a:rPr lang="pl" sz="3000" b="0" i="0" u="none" strike="noStrike" cap="none" baseline="0">
+              <a:rPr lang="pl" sz="3000" b="0" i="0" u="none" strike="noStrike" cap="none" baseline="0" dirty="0">
                 <a:solidFill>
                   <a:schemeClr val="lt1"/>
                 </a:solidFill>
@@ -23157,7 +23545,7 @@
               <a:buNone/>
             </a:pPr>
             <a:r>
-              <a:rPr lang="pl" sz="3000" b="0" i="0" u="none" strike="noStrike" cap="none" baseline="0">
+              <a:rPr lang="pl" sz="3000" b="0" i="0" u="none" strike="noStrike" cap="none" baseline="0" dirty="0">
                 <a:solidFill>
                   <a:schemeClr val="lt1"/>
                 </a:solidFill>
@@ -23211,7 +23599,7 @@
               <a:buNone/>
             </a:pPr>
             <a:r>
-              <a:rPr lang="pl" sz="3000" b="0" i="0" u="none" strike="noStrike" cap="none" baseline="0">
+              <a:rPr lang="pl" sz="3000" b="0" i="0" u="none" strike="noStrike" cap="none" baseline="0" dirty="0">
                 <a:solidFill>
                   <a:schemeClr val="lt1"/>
                 </a:solidFill>
@@ -23242,7 +23630,7 @@
               <a:buNone/>
             </a:pPr>
             <a:r>
-              <a:rPr lang="pl" sz="3000" b="0" i="0" u="none" strike="noStrike" cap="none" baseline="0">
+              <a:rPr lang="pl" sz="3000" b="0" i="0" u="none" strike="noStrike" cap="none" baseline="0" dirty="0">
                 <a:solidFill>
                   <a:schemeClr val="lt1"/>
                 </a:solidFill>
@@ -23282,7 +23670,7 @@
               <a:buNone/>
             </a:pPr>
             <a:r>
-              <a:rPr lang="pl" sz="3000" b="0" i="0" u="none" strike="noStrike" cap="none" baseline="0">
+              <a:rPr lang="pl" sz="3000" b="0" i="0" u="none" strike="noStrike" cap="none" baseline="0" dirty="0">
                 <a:solidFill>
                   <a:schemeClr val="lt1"/>
                 </a:solidFill>
@@ -23571,7 +23959,7 @@
               <a:buNone/>
             </a:pPr>
             <a:r>
-              <a:rPr lang="pl" sz="2600" b="0" i="0" u="none" strike="noStrike" cap="none" baseline="0">
+              <a:rPr lang="pl-PL" sz="2600" b="0" i="0" u="none" strike="noStrike" cap="none" baseline="0" dirty="0">
                 <a:solidFill>
                   <a:schemeClr val="lt1"/>
                 </a:solidFill>
@@ -23582,7 +23970,26 @@
               </a:rPr>
               <a:t>import json</a:t>
             </a:r>
-            <a:endParaRPr lang="pl" sz="2600" i="0" u="none" strike="noStrike" cap="none" dirty="0">
+          </a:p>
+          <a:p>
+            <a:pPr marL="0" marR="0" lvl="0" indent="0" algn="l" rtl="0">
+              <a:lnSpc>
+                <a:spcPct val="100000"/>
+              </a:lnSpc>
+              <a:spcBef>
+                <a:spcPts val="0"/>
+              </a:spcBef>
+              <a:spcAft>
+                <a:spcPts val="0"/>
+              </a:spcAft>
+              <a:buClr>
+                <a:schemeClr val="lt1"/>
+              </a:buClr>
+              <a:buSzPct val="25000"/>
+              <a:buFont typeface="Courier New"/>
+              <a:buNone/>
+            </a:pPr>
+            <a:endParaRPr lang="pl-PL" sz="2600" b="0" i="0" u="none" strike="noStrike" cap="none" baseline="0" dirty="0">
               <a:solidFill>
                 <a:schemeClr val="lt1"/>
               </a:solidFill>
@@ -23611,7 +24018,7 @@
               <a:buNone/>
             </a:pPr>
             <a:r>
-              <a:rPr lang="pl" sz="2600" b="0" i="0" u="none" strike="noStrike" cap="none" baseline="0">
+              <a:rPr lang="pl-PL" sz="2600" b="0" i="0" u="none" strike="noStrike" cap="none" baseline="0" dirty="0">
                 <a:solidFill>
                   <a:schemeClr val="lt1"/>
                 </a:solidFill>
@@ -23620,7 +24027,7 @@
                 <a:cs typeface="Courier"/>
                 <a:sym typeface="Courier New"/>
               </a:rPr>
-              <a:t>input = '''[</a:t>
+              <a:t>data = '''</a:t>
             </a:r>
           </a:p>
           <a:p>
@@ -23642,7 +24049,7 @@
               <a:buNone/>
             </a:pPr>
             <a:r>
-              <a:rPr lang="pl" sz="2600" b="0" i="0" u="none" strike="noStrike" cap="none" baseline="0">
+              <a:rPr lang="pl-PL" sz="2600" b="0" i="0" u="none" strike="noStrike" cap="none" baseline="0" dirty="0">
                 <a:solidFill>
                   <a:schemeClr val="lt1"/>
                 </a:solidFill>
@@ -23651,7 +24058,7 @@
                 <a:cs typeface="Courier"/>
                 <a:sym typeface="Courier New"/>
               </a:rPr>
-              <a:t>  { "id" : "001",</a:t>
+              <a:t>[</a:t>
             </a:r>
           </a:p>
           <a:p>
@@ -23673,7 +24080,7 @@
               <a:buNone/>
             </a:pPr>
             <a:r>
-              <a:rPr lang="pl" sz="2600" b="0" i="0" u="none" strike="noStrike" cap="none" baseline="0">
+              <a:rPr lang="pl-PL" sz="2600" b="0" i="0" u="none" strike="noStrike" cap="none" baseline="0" dirty="0">
                 <a:solidFill>
                   <a:schemeClr val="lt1"/>
                 </a:solidFill>
@@ -23682,7 +24089,7 @@
                 <a:cs typeface="Courier"/>
                 <a:sym typeface="Courier New"/>
               </a:rPr>
-              <a:t>    "x" : "2",</a:t>
+              <a:t>  { "id" : "001",</a:t>
             </a:r>
           </a:p>
           <a:p>
@@ -23704,7 +24111,7 @@
               <a:buNone/>
             </a:pPr>
             <a:r>
-              <a:rPr lang="pl" sz="2600" b="0" i="0" u="none" strike="noStrike" cap="none" baseline="0">
+              <a:rPr lang="pl-PL" sz="2600" b="0" i="0" u="none" strike="noStrike" cap="none" baseline="0" dirty="0">
                 <a:solidFill>
                   <a:schemeClr val="lt1"/>
                 </a:solidFill>
@@ -23713,7 +24120,7 @@
                 <a:cs typeface="Courier"/>
                 <a:sym typeface="Courier New"/>
               </a:rPr>
-              <a:t>    "imię" : "Chuck"</a:t>
+              <a:t>    "x" : "2",</a:t>
             </a:r>
           </a:p>
           <a:p>
@@ -23735,7 +24142,7 @@
               <a:buNone/>
             </a:pPr>
             <a:r>
-              <a:rPr lang="pl" sz="2600" b="0" i="0" u="none" strike="noStrike" cap="none" baseline="0">
+              <a:rPr lang="pl-PL" sz="2600" b="0" i="0" u="none" strike="noStrike" cap="none" baseline="0" dirty="0">
                 <a:solidFill>
                   <a:schemeClr val="lt1"/>
                 </a:solidFill>
@@ -23744,7 +24151,7 @@
                 <a:cs typeface="Courier"/>
                 <a:sym typeface="Courier New"/>
               </a:rPr>
-              <a:t>  } ,</a:t>
+              <a:t>    "name" : "Chuck"</a:t>
             </a:r>
           </a:p>
           <a:p>
@@ -23766,7 +24173,7 @@
               <a:buNone/>
             </a:pPr>
             <a:r>
-              <a:rPr lang="pl" sz="2600" b="0" i="0" u="none" strike="noStrike" cap="none" baseline="0">
+              <a:rPr lang="pl-PL" sz="2600" b="0" i="0" u="none" strike="noStrike" cap="none" baseline="0" dirty="0">
                 <a:solidFill>
                   <a:schemeClr val="lt1"/>
                 </a:solidFill>
@@ -23775,7 +24182,7 @@
                 <a:cs typeface="Courier"/>
                 <a:sym typeface="Courier New"/>
               </a:rPr>
-              <a:t>  { "id" : "009",</a:t>
+              <a:t>  } ,</a:t>
             </a:r>
           </a:p>
           <a:p>
@@ -23797,7 +24204,7 @@
               <a:buNone/>
             </a:pPr>
             <a:r>
-              <a:rPr lang="pl" sz="2600" b="0" i="0" u="none" strike="noStrike" cap="none" baseline="0">
+              <a:rPr lang="pl-PL" sz="2600" b="0" i="0" u="none" strike="noStrike" cap="none" baseline="0" dirty="0">
                 <a:solidFill>
                   <a:schemeClr val="lt1"/>
                 </a:solidFill>
@@ -23806,7 +24213,7 @@
                 <a:cs typeface="Courier"/>
                 <a:sym typeface="Courier New"/>
               </a:rPr>
-              <a:t>    "x" : "7",</a:t>
+              <a:t>  { "id" : "009",</a:t>
             </a:r>
           </a:p>
           <a:p>
@@ -23828,7 +24235,7 @@
               <a:buNone/>
             </a:pPr>
             <a:r>
-              <a:rPr lang="pl" sz="2600" b="0" i="0" u="none" strike="noStrike" cap="none" baseline="0">
+              <a:rPr lang="pl-PL" sz="2600" b="0" i="0" u="none" strike="noStrike" cap="none" baseline="0" dirty="0">
                 <a:solidFill>
                   <a:schemeClr val="lt1"/>
                 </a:solidFill>
@@ -23837,7 +24244,7 @@
                 <a:cs typeface="Courier"/>
                 <a:sym typeface="Courier New"/>
               </a:rPr>
-              <a:t>    "imię" : "Chuck"</a:t>
+              <a:t>    "x" : "7",</a:t>
             </a:r>
           </a:p>
           <a:p>
@@ -23859,7 +24266,7 @@
               <a:buNone/>
             </a:pPr>
             <a:r>
-              <a:rPr lang="pl" sz="2600" b="0" i="0" u="none" strike="noStrike" cap="none" baseline="0">
+              <a:rPr lang="pl-PL" sz="2600" b="0" i="0" u="none" strike="noStrike" cap="none" baseline="0" dirty="0">
                 <a:solidFill>
                   <a:schemeClr val="lt1"/>
                 </a:solidFill>
@@ -23868,7 +24275,7 @@
                 <a:cs typeface="Courier"/>
                 <a:sym typeface="Courier New"/>
               </a:rPr>
-              <a:t>  }</a:t>
+              <a:t>    "name" : "Brent"</a:t>
             </a:r>
           </a:p>
           <a:p>
@@ -23890,7 +24297,7 @@
               <a:buNone/>
             </a:pPr>
             <a:r>
-              <a:rPr lang="pl" sz="2600" b="0" i="0" u="none" strike="noStrike" cap="none" baseline="0">
+              <a:rPr lang="pl-PL" sz="2600" b="0" i="0" u="none" strike="noStrike" cap="none" baseline="0" dirty="0">
                 <a:solidFill>
                   <a:schemeClr val="lt1"/>
                 </a:solidFill>
@@ -23899,23 +24306,59 @@
                 <a:cs typeface="Courier"/>
                 <a:sym typeface="Courier New"/>
               </a:rPr>
+              <a:t>  }</a:t>
+            </a:r>
+          </a:p>
+          <a:p>
+            <a:pPr marL="0" marR="0" lvl="0" indent="0" algn="l" rtl="0">
+              <a:lnSpc>
+                <a:spcPct val="100000"/>
+              </a:lnSpc>
+              <a:spcBef>
+                <a:spcPts val="0"/>
+              </a:spcBef>
+              <a:spcAft>
+                <a:spcPts val="0"/>
+              </a:spcAft>
+              <a:buClr>
+                <a:schemeClr val="lt1"/>
+              </a:buClr>
+              <a:buSzPct val="25000"/>
+              <a:buFont typeface="Courier New"/>
+              <a:buNone/>
+            </a:pPr>
+            <a:r>
+              <a:rPr lang="pl-PL" sz="2600" b="0" i="0" u="none" strike="noStrike" cap="none" baseline="0" dirty="0">
+                <a:solidFill>
+                  <a:schemeClr val="lt1"/>
+                </a:solidFill>
+                <a:latin typeface="Courier"/>
+                <a:ea typeface="Courier New"/>
+                <a:cs typeface="Courier"/>
+                <a:sym typeface="Courier New"/>
+              </a:rPr>
               <a:t>]'''</a:t>
             </a:r>
           </a:p>
           <a:p>
-            <a:pPr marL="0" marR="0" lvl="0" indent="0" algn="ctr" rtl="0">
-              <a:lnSpc>
-                <a:spcPct val="100000"/>
-              </a:lnSpc>
-              <a:spcBef>
-                <a:spcPts val="0"/>
-              </a:spcBef>
-              <a:spcAft>
-                <a:spcPts val="0"/>
-              </a:spcAft>
-              <a:buNone/>
-            </a:pPr>
-            <a:endParaRPr sz="2600" i="0" u="none" strike="noStrike" cap="none" dirty="0">
+            <a:pPr marL="0" marR="0" lvl="0" indent="0" algn="l" rtl="0">
+              <a:lnSpc>
+                <a:spcPct val="100000"/>
+              </a:lnSpc>
+              <a:spcBef>
+                <a:spcPts val="0"/>
+              </a:spcBef>
+              <a:spcAft>
+                <a:spcPts val="0"/>
+              </a:spcAft>
+              <a:buClr>
+                <a:schemeClr val="lt1"/>
+              </a:buClr>
+              <a:buSzPct val="25000"/>
+              <a:buFont typeface="Courier New"/>
+              <a:buNone/>
+            </a:pPr>
+            <a:endParaRPr lang="pl-PL" sz="2600" b="0" i="0" u="none" strike="noStrike" cap="none" baseline="0" dirty="0">
               <a:solidFill>
                 <a:schemeClr val="lt1"/>
               </a:solidFill>
@@ -23944,7 +24387,7 @@
               <a:buNone/>
             </a:pPr>
             <a:r>
-              <a:rPr lang="pl" sz="2600" b="0" i="0" u="none" strike="noStrike" cap="none" baseline="0">
+              <a:rPr lang="pl-PL" sz="2600" b="0" i="0" u="none" strike="noStrike" cap="none" baseline="0" dirty="0">
                 <a:solidFill>
                   <a:schemeClr val="lt1"/>
                 </a:solidFill>
@@ -23953,7 +24396,7 @@
                 <a:cs typeface="Courier"/>
                 <a:sym typeface="Courier New"/>
               </a:rPr>
-              <a:t>info = json.loads(input)</a:t>
+              <a:t>info = json.loads(data)</a:t>
             </a:r>
           </a:p>
           <a:p>
@@ -23975,7 +24418,7 @@
               <a:buNone/>
             </a:pPr>
             <a:r>
-              <a:rPr lang="pl" sz="2600" b="0" i="0" u="none" strike="noStrike" cap="none" baseline="0">
+              <a:rPr lang="pl-PL" sz="2600" b="0" i="0" u="none" strike="noStrike" cap="none" baseline="0" dirty="0">
                 <a:solidFill>
                   <a:schemeClr val="lt1"/>
                 </a:solidFill>
@@ -23984,9 +24427,28 @@
                 <a:cs typeface="Courier"/>
                 <a:sym typeface="Courier New"/>
               </a:rPr>
-              <a:t>print('Liczba użytkowników:', len(ino))</a:t>
-            </a:r>
-            <a:endParaRPr lang="pl" sz="2600" i="0" u="none" strike="noStrike" cap="none" dirty="0">
+              <a:t>print('Liczba użytkowników:', len(info))</a:t>
+            </a:r>
+          </a:p>
+          <a:p>
+            <a:pPr marL="0" marR="0" lvl="0" indent="0" algn="l" rtl="0">
+              <a:lnSpc>
+                <a:spcPct val="100000"/>
+              </a:lnSpc>
+              <a:spcBef>
+                <a:spcPts val="0"/>
+              </a:spcBef>
+              <a:spcAft>
+                <a:spcPts val="0"/>
+              </a:spcAft>
+              <a:buClr>
+                <a:schemeClr val="lt1"/>
+              </a:buClr>
+              <a:buSzPct val="25000"/>
+              <a:buFont typeface="Courier New"/>
+              <a:buNone/>
+            </a:pPr>
+            <a:endParaRPr lang="pl-PL" sz="2600" b="0" i="0" u="none" strike="noStrike" cap="none" baseline="0" dirty="0">
               <a:solidFill>
                 <a:schemeClr val="lt1"/>
               </a:solidFill>
@@ -24015,7 +24477,7 @@
               <a:buNone/>
             </a:pPr>
             <a:r>
-              <a:rPr lang="pl" sz="2600" b="0" i="0" u="none" strike="noStrike" cap="none" baseline="0">
+              <a:rPr lang="pl-PL" sz="2600" b="0" i="0" u="none" strike="noStrike" cap="none" baseline="0" dirty="0">
                 <a:solidFill>
                   <a:schemeClr val="lt1"/>
                 </a:solidFill>
@@ -24046,7 +24508,7 @@
               <a:buNone/>
             </a:pPr>
             <a:r>
-              <a:rPr lang="pl" sz="2600" b="0" i="0" u="none" strike="noStrike" cap="none" baseline="0">
+              <a:rPr lang="pl-PL" sz="2600" b="0" i="0" u="none" strike="noStrike" cap="none" baseline="0" dirty="0">
                 <a:solidFill>
                   <a:schemeClr val="lt1"/>
                 </a:solidFill>
@@ -24055,38 +24517,29 @@
                 <a:cs typeface="Courier"/>
                 <a:sym typeface="Courier New"/>
               </a:rPr>
-              <a:t>    print('Imię', item['imię'])</a:t>
-            </a:r>
-            <a:endParaRPr lang="pl" sz="2600" i="0" u="none" strike="noStrike" cap="none" dirty="0">
-              <a:solidFill>
+              <a:t>    print('Name', item['name'])</a:t>
+            </a:r>
+          </a:p>
+          <a:p>
+            <a:pPr marL="0" marR="0" lvl="0" indent="0" algn="l" rtl="0">
+              <a:lnSpc>
+                <a:spcPct val="100000"/>
+              </a:lnSpc>
+              <a:spcBef>
+                <a:spcPts val="0"/>
+              </a:spcBef>
+              <a:spcAft>
+                <a:spcPts val="0"/>
+              </a:spcAft>
+              <a:buClr>
                 <a:schemeClr val="lt1"/>
-              </a:solidFill>
-              <a:latin typeface="Courier"/>
-              <a:ea typeface="Courier New"/>
-              <a:cs typeface="Courier"/>
-              <a:sym typeface="Courier New"/>
-            </a:endParaRPr>
-          </a:p>
-          <a:p>
-            <a:pPr marL="0" marR="0" lvl="0" indent="0" algn="l" rtl="0">
-              <a:lnSpc>
-                <a:spcPct val="100000"/>
-              </a:lnSpc>
-              <a:spcBef>
-                <a:spcPts val="0"/>
-              </a:spcBef>
-              <a:spcAft>
-                <a:spcPts val="0"/>
-              </a:spcAft>
-              <a:buClr>
-                <a:schemeClr val="lt1"/>
               </a:buClr>
               <a:buSzPct val="25000"/>
               <a:buFont typeface="Courier New"/>
               <a:buNone/>
             </a:pPr>
             <a:r>
-              <a:rPr lang="pl" sz="2600" b="0" i="0" u="none" strike="noStrike" cap="none" baseline="0">
+              <a:rPr lang="pl-PL" sz="2600" b="0" i="0" u="none" strike="noStrike" cap="none" baseline="0" dirty="0">
                 <a:solidFill>
                   <a:schemeClr val="lt1"/>
                 </a:solidFill>
@@ -24097,36 +24550,27 @@
               </a:rPr>
               <a:t>    print('Id', item['id'])</a:t>
             </a:r>
-            <a:endParaRPr lang="pl" sz="2600" i="0" u="none" strike="noStrike" cap="none" dirty="0">
-              <a:solidFill>
+          </a:p>
+          <a:p>
+            <a:pPr marL="0" marR="0" lvl="0" indent="0" algn="l" rtl="0">
+              <a:lnSpc>
+                <a:spcPct val="100000"/>
+              </a:lnSpc>
+              <a:spcBef>
+                <a:spcPts val="0"/>
+              </a:spcBef>
+              <a:spcAft>
+                <a:spcPts val="0"/>
+              </a:spcAft>
+              <a:buClr>
                 <a:schemeClr val="lt1"/>
-              </a:solidFill>
-              <a:latin typeface="Courier"/>
-              <a:ea typeface="Courier New"/>
-              <a:cs typeface="Courier"/>
-              <a:sym typeface="Courier New"/>
-            </a:endParaRPr>
-          </a:p>
-          <a:p>
-            <a:pPr marL="0" marR="0" lvl="0" indent="0" algn="l" rtl="0">
-              <a:lnSpc>
-                <a:spcPct val="100000"/>
-              </a:lnSpc>
-              <a:spcBef>
-                <a:spcPts val="0"/>
-              </a:spcBef>
-              <a:spcAft>
-                <a:spcPts val="0"/>
-              </a:spcAft>
-              <a:buClr>
-                <a:schemeClr val="lt1"/>
               </a:buClr>
               <a:buSzPct val="25000"/>
               <a:buFont typeface="Courier New"/>
               <a:buNone/>
             </a:pPr>
             <a:r>
-              <a:rPr lang="pl" sz="2600" b="0" i="0" u="none" strike="noStrike" cap="none" baseline="0">
+              <a:rPr lang="pl-PL" sz="2600" b="0" i="0" u="none" strike="noStrike" cap="none" baseline="0" dirty="0">
                 <a:solidFill>
                   <a:schemeClr val="lt1"/>
                 </a:solidFill>
@@ -24135,17 +24579,8 @@
                 <a:cs typeface="Courier"/>
                 <a:sym typeface="Courier New"/>
               </a:rPr>
-              <a:t>    print('Atrybut', item['x'])</a:t>
-            </a:r>
-            <a:endParaRPr lang="pl" sz="2600" i="0" u="none" strike="noStrike" cap="none" dirty="0">
-              <a:solidFill>
-                <a:schemeClr val="lt1"/>
-              </a:solidFill>
-              <a:latin typeface="Courier"/>
-              <a:ea typeface="Courier New"/>
-              <a:cs typeface="Courier"/>
-              <a:sym typeface="Courier New"/>
-            </a:endParaRPr>
+              <a:t>    print('Attribute', item['x'])</a:t>
+            </a:r>
           </a:p>
         </p:txBody>
       </p:sp>
@@ -24489,7 +24924,7 @@
               <a:buNone/>
             </a:pPr>
             <a:r>
-              <a:rPr lang="pl" sz="3000" b="0" i="0" u="sng" strike="noStrike" cap="none" baseline="0">
+              <a:rPr lang="pl-PL" sz="3000" b="0" i="0" u="sng" strike="noStrike" cap="none" baseline="0" dirty="0">
                 <a:solidFill>
                   <a:srgbClr val="FFFF00"/>
                 </a:solidFill>
@@ -24499,8 +24934,18 @@
                 <a:sym typeface="Cabin"/>
                 <a:hlinkClick r:id="rId3"/>
               </a:rPr>
-              <a:t>http://en.wikipedia.org/wiki/Service-oriented_architecture</a:t>
-            </a:r>
+              <a:t>https://en.wikipedia.org/wiki/Service-oriented_architecture</a:t>
+            </a:r>
+            <a:endParaRPr lang="pl" sz="3000" b="0" i="0" u="sng" strike="noStrike" cap="none" baseline="0" dirty="0">
+              <a:solidFill>
+                <a:srgbClr val="FFFF00"/>
+              </a:solidFill>
+              <a:latin typeface="Arial" charset="0"/>
+              <a:ea typeface="Arial" charset="0"/>
+              <a:cs typeface="Arial" charset="0"/>
+              <a:sym typeface="Cabin"/>
+              <a:hlinkClick r:id="rId4"/>
+            </a:endParaRPr>
           </a:p>
         </p:txBody>
       </p:sp>
@@ -25499,7 +25944,7 @@
               <a:buNone/>
             </a:pPr>
             <a:r>
-              <a:rPr lang="pl" sz="3000" b="0" i="0" u="sng" strike="noStrike" cap="none" baseline="0">
+              <a:rPr lang="pl-PL" sz="3000" b="0" i="0" u="sng" strike="noStrike" cap="none" baseline="0" dirty="0">
                 <a:solidFill>
                   <a:srgbClr val="FFFF00"/>
                 </a:solidFill>
@@ -25509,8 +25954,18 @@
                 <a:sym typeface="Cabin"/>
                 <a:hlinkClick r:id="rId4"/>
               </a:rPr>
-              <a:t>http://www.youtube.com/watch?v=mj-kCFzF0ME</a:t>
-            </a:r>
+              <a:t>https://www.youtube.com/watch?v=mj-kCFzF0ME</a:t>
+            </a:r>
+            <a:endParaRPr lang="pl" sz="3000" b="0" i="0" u="sng" strike="noStrike" cap="none" baseline="0" dirty="0">
+              <a:solidFill>
+                <a:srgbClr val="FFFF00"/>
+              </a:solidFill>
+              <a:latin typeface="Arial" charset="0"/>
+              <a:ea typeface="Arial" charset="0"/>
+              <a:cs typeface="Arial" charset="0"/>
+              <a:sym typeface="Cabin"/>
+              <a:hlinkClick r:id="rId5"/>
+            </a:endParaRPr>
           </a:p>
         </p:txBody>
       </p:sp>
@@ -25639,7 +26094,7 @@
               <a:buNone/>
             </a:pPr>
             <a:br>
-              <a:rPr lang="pl" sz="7600" u="none" strike="noStrike" cap="none">
+              <a:rPr lang="pl" sz="7600" u="none" strike="noStrike" cap="none" dirty="0">
                 <a:solidFill>
                   <a:srgbClr val="00FF00"/>
                 </a:solidFill>
@@ -25650,7 +26105,7 @@
               </a:rPr>
             </a:br>
             <a:r>
-              <a:rPr lang="pl" sz="7600" b="0" i="0" u="none" strike="noStrike" cap="none" baseline="0">
+              <a:rPr lang="pl" sz="7600" b="0" i="0" u="none" strike="noStrike" cap="none" baseline="0" dirty="0">
                 <a:solidFill>
                   <a:srgbClr val="FFD966"/>
                 </a:solidFill>
@@ -25707,7 +26162,7 @@
               <a:buNone/>
             </a:pPr>
             <a:r>
-              <a:rPr lang="pl" sz="3000" b="0" i="0" u="sng" strike="noStrike" cap="none" baseline="0">
+              <a:rPr lang="pl-PL" sz="3000" b="0" i="0" u="sng" strike="noStrike" cap="none" baseline="0" dirty="0">
                 <a:solidFill>
                   <a:srgbClr val="FFFF00"/>
                 </a:solidFill>
@@ -25717,8 +26172,18 @@
                 <a:sym typeface="Cabin"/>
                 <a:hlinkClick r:id="rId3"/>
               </a:rPr>
-              <a:t>http://en.wikipedia.org/wiki/Web_services</a:t>
-            </a:r>
+              <a:t>https://pl.wikipedia.org/wiki/Usługa_sieciowa</a:t>
+            </a:r>
+            <a:endParaRPr lang="pl" sz="3000" b="0" i="0" u="sng" strike="noStrike" cap="none" baseline="0" dirty="0">
+              <a:solidFill>
+                <a:srgbClr val="FFFF00"/>
+              </a:solidFill>
+              <a:latin typeface="Arial" charset="0"/>
+              <a:ea typeface="Arial" charset="0"/>
+              <a:cs typeface="Arial" charset="0"/>
+              <a:sym typeface="Cabin"/>
+              <a:hlinkClick r:id="rId4"/>
+            </a:endParaRPr>
           </a:p>
         </p:txBody>
       </p:sp>
@@ -25851,7 +26316,7 @@
               <a:buNone/>
             </a:pPr>
             <a:r>
-              <a:rPr lang="pl" sz="3000" b="0" i="0" u="sng" strike="noStrike" cap="none" baseline="0">
+              <a:rPr lang="pl-PL" sz="3000" b="0" i="0" u="sng" strike="noStrike" cap="none" baseline="0" dirty="0">
                 <a:solidFill>
                   <a:srgbClr val="FFFF00"/>
                 </a:solidFill>
@@ -25861,8 +26326,18 @@
                 <a:sym typeface="Cabin"/>
                 <a:hlinkClick r:id="rId3"/>
               </a:rPr>
-              <a:t>http://en.wikipedia.org/wiki/API</a:t>
-            </a:r>
+              <a:t>https://en.wikipedia.org/wiki/API</a:t>
+            </a:r>
+            <a:endParaRPr lang="pl" sz="3000" b="0" i="0" u="sng" strike="noStrike" cap="none" baseline="0" dirty="0">
+              <a:solidFill>
+                <a:srgbClr val="FFFF00"/>
+              </a:solidFill>
+              <a:latin typeface="Arial" charset="0"/>
+              <a:ea typeface="Arial" charset="0"/>
+              <a:cs typeface="Arial" charset="0"/>
+              <a:sym typeface="Cabin"/>
+              <a:hlinkClick r:id="rId4"/>
+            </a:endParaRPr>
           </a:p>
         </p:txBody>
       </p:sp>
@@ -26965,7 +27440,7 @@
               <a:buNone/>
             </a:pPr>
             <a:r>
-              <a:rPr lang="pl" sz="3000" b="0" i="0" u="sng" strike="noStrike" cap="none" baseline="0">
+              <a:rPr lang="pl-PL" sz="3000" b="0" i="0" u="sng" strike="noStrike" cap="none" baseline="0" dirty="0">
                 <a:solidFill>
                   <a:srgbClr val="FFFF00"/>
                 </a:solidFill>
@@ -26975,35 +27450,45 @@
                 <a:sym typeface="Cabin"/>
                 <a:hlinkClick r:id="rId3"/>
               </a:rPr>
-              <a:t>https://developers.google.com/maps/documentation/geocoding/</a:t>
-            </a:r>
+              <a:t>https://nominatim.org/release-docs/latest/api/Search/</a:t>
+            </a:r>
+            <a:endParaRPr lang="pl" sz="3000" b="0" i="0" u="sng" strike="noStrike" cap="none" baseline="0" dirty="0">
+              <a:solidFill>
+                <a:srgbClr val="FFFF00"/>
+              </a:solidFill>
+              <a:latin typeface="Arial" charset="0"/>
+              <a:ea typeface="Arial" charset="0"/>
+              <a:cs typeface="Arial" charset="0"/>
+              <a:sym typeface="Cabin"/>
+              <a:hlinkClick r:id="rId4"/>
+            </a:endParaRPr>
           </a:p>
         </p:txBody>
       </p:sp>
       <p:pic>
         <p:nvPicPr>
-          <p:cNvPr id="2" name="Picture 1"/>
+          <p:cNvPr id="4" name="Picture 3">
+            <a:extLst>
+              <a:ext uri="{FF2B5EF4-FFF2-40B4-BE49-F238E27FC236}">
+                <a16:creationId xmlns:a16="http://schemas.microsoft.com/office/drawing/2014/main" id="{3C956588-9B31-45E9-8F84-7B96D459A0F7}"/>
+              </a:ext>
+            </a:extLst>
+          </p:cNvPr>
           <p:cNvPicPr>
             <a:picLocks noChangeAspect="1"/>
           </p:cNvPicPr>
           <p:nvPr/>
         </p:nvPicPr>
         <p:blipFill>
-          <a:blip r:embed="rId4">
-            <a:extLst>
-              <a:ext uri="{28A0092B-C50C-407E-A947-70E740481C1C}">
-                <a14:useLocalDpi xmlns:a14="http://schemas.microsoft.com/office/drawing/2010/main" val="0"/>
-              </a:ext>
-            </a:extLst>
-          </a:blip>
+          <a:blip r:embed="rId5"/>
           <a:stretch>
             <a:fillRect/>
           </a:stretch>
         </p:blipFill>
         <p:spPr>
           <a:xfrm>
-            <a:off x="1962274" y="522156"/>
-            <a:ext cx="12278659" cy="8076067"/>
+            <a:off x="2499057" y="379048"/>
+            <a:ext cx="11257886" cy="7676220"/>
           </a:xfrm>
           <a:prstGeom prst="rect">
             <a:avLst/>
@@ -27043,8 +27528,8 @@
         </p:nvSpPr>
         <p:spPr>
           <a:xfrm>
-            <a:off x="596900" y="793631"/>
-            <a:ext cx="9202708" cy="7470476"/>
+            <a:off x="596899" y="793631"/>
+            <a:ext cx="14333751" cy="7470476"/>
           </a:xfrm>
           <a:prstGeom prst="rect">
             <a:avLst/>
@@ -27078,7 +27563,7 @@
               <a:buNone/>
             </a:pPr>
             <a:r>
-              <a:rPr lang="pl" sz="1700" b="1" i="0" u="none" strike="noStrike" cap="none" baseline="0">
+              <a:rPr lang="pl-PL" sz="1600" b="1" i="0" u="none" strike="noStrike" cap="none" baseline="0" dirty="0">
                 <a:solidFill>
                   <a:schemeClr val="lt1"/>
                 </a:solidFill>
@@ -27089,873 +27574,27 @@
               </a:rPr>
               <a:t>{</a:t>
             </a:r>
-            <a:endParaRPr lang="pl" sz="2000" i="0" u="none" strike="noStrike" cap="none" dirty="0">
-              <a:solidFill>
+          </a:p>
+          <a:p>
+            <a:pPr marL="0" marR="0" lvl="0" indent="0" algn="l" rtl="0">
+              <a:lnSpc>
+                <a:spcPct val="100000"/>
+              </a:lnSpc>
+              <a:spcBef>
+                <a:spcPts val="0"/>
+              </a:spcBef>
+              <a:spcAft>
+                <a:spcPts val="0"/>
+              </a:spcAft>
+              <a:buClr>
                 <a:schemeClr val="lt1"/>
-              </a:solidFill>
-              <a:latin typeface="Courier"/>
-              <a:ea typeface="Courier New"/>
-              <a:cs typeface="Courier"/>
-              <a:sym typeface="Courier New"/>
-            </a:endParaRPr>
-          </a:p>
-          <a:p>
-            <a:pPr marL="0" marR="0" lvl="0" indent="0" algn="l" rtl="0">
-              <a:lnSpc>
-                <a:spcPct val="100000"/>
-              </a:lnSpc>
-              <a:spcBef>
-                <a:spcPts val="0"/>
-              </a:spcBef>
-              <a:spcAft>
-                <a:spcPts val="0"/>
-              </a:spcAft>
-              <a:buClr>
-                <a:schemeClr val="lt1"/>
               </a:buClr>
               <a:buSzPct val="25000"/>
               <a:buFont typeface="Courier New"/>
               <a:buNone/>
             </a:pPr>
             <a:r>
-              <a:rPr lang="pl" sz="2000" b="0" i="0" u="none" strike="noStrike" cap="none" baseline="0">
-                <a:solidFill>
-                  <a:schemeClr val="lt1"/>
-                </a:solidFill>
-                <a:latin typeface="Courier"/>
-                <a:ea typeface="Courier New"/>
-                <a:cs typeface="Courier"/>
-                <a:sym typeface="Courier New"/>
-              </a:rPr>
-              <a:t>    "status": "OK",</a:t>
-            </a:r>
-          </a:p>
-          <a:p>
-            <a:pPr marL="0" marR="0" lvl="0" indent="0" algn="l" rtl="0">
-              <a:lnSpc>
-                <a:spcPct val="100000"/>
-              </a:lnSpc>
-              <a:spcBef>
-                <a:spcPts val="0"/>
-              </a:spcBef>
-              <a:spcAft>
-                <a:spcPts val="0"/>
-              </a:spcAft>
-              <a:buClr>
-                <a:schemeClr val="lt1"/>
-              </a:buClr>
-              <a:buSzPct val="25000"/>
-              <a:buFont typeface="Courier New"/>
-              <a:buNone/>
-            </a:pPr>
-            <a:r>
-              <a:rPr lang="pl" sz="2000" b="0" i="0" u="none" strike="noStrike" cap="none" baseline="0">
-                <a:solidFill>
-                  <a:schemeClr val="lt1"/>
-                </a:solidFill>
-                <a:latin typeface="Courier"/>
-                <a:ea typeface="Courier New"/>
-                <a:cs typeface="Courier"/>
-                <a:sym typeface="Courier New"/>
-              </a:rPr>
-              <a:t>     "results": [</a:t>
-            </a:r>
-          </a:p>
-          <a:p>
-            <a:pPr marL="0" marR="0" lvl="0" indent="0" algn="l" rtl="0">
-              <a:lnSpc>
-                <a:spcPct val="100000"/>
-              </a:lnSpc>
-              <a:spcBef>
-                <a:spcPts val="0"/>
-              </a:spcBef>
-              <a:spcAft>
-                <a:spcPts val="0"/>
-              </a:spcAft>
-              <a:buClr>
-                <a:schemeClr val="lt1"/>
-              </a:buClr>
-              <a:buSzPct val="25000"/>
-              <a:buFont typeface="Courier New"/>
-              <a:buNone/>
-            </a:pPr>
-            <a:r>
-              <a:rPr lang="pl" sz="2000" b="0" i="0" u="none" strike="noStrike" cap="none" baseline="0">
-                <a:solidFill>
-                  <a:schemeClr val="lt1"/>
-                </a:solidFill>
-                <a:latin typeface="Courier"/>
-                <a:ea typeface="Courier New"/>
-                <a:cs typeface="Courier"/>
-                <a:sym typeface="Courier New"/>
-              </a:rPr>
-              <a:t>        {</a:t>
-            </a:r>
-          </a:p>
-          <a:p>
-            <a:pPr marL="0" marR="0" lvl="0" indent="0" algn="l" rtl="0">
-              <a:lnSpc>
-                <a:spcPct val="100000"/>
-              </a:lnSpc>
-              <a:spcBef>
-                <a:spcPts val="0"/>
-              </a:spcBef>
-              <a:spcAft>
-                <a:spcPts val="0"/>
-              </a:spcAft>
-              <a:buClr>
-                <a:schemeClr val="lt1"/>
-              </a:buClr>
-              <a:buSzPct val="25000"/>
-              <a:buFont typeface="Courier New"/>
-              <a:buNone/>
-            </a:pPr>
-            <a:r>
-              <a:rPr lang="pl" sz="2000" b="0" i="0" u="none" strike="noStrike" cap="none" baseline="0">
-                <a:solidFill>
-                  <a:schemeClr val="lt1"/>
-                </a:solidFill>
-                <a:latin typeface="Courier"/>
-                <a:ea typeface="Courier New"/>
-                <a:cs typeface="Courier"/>
-                <a:sym typeface="Courier New"/>
-              </a:rPr>
-              <a:t>            "geometry": {</a:t>
-            </a:r>
-          </a:p>
-          <a:p>
-            <a:pPr marL="0" marR="0" lvl="0" indent="0" algn="l" rtl="0">
-              <a:lnSpc>
-                <a:spcPct val="100000"/>
-              </a:lnSpc>
-              <a:spcBef>
-                <a:spcPts val="0"/>
-              </a:spcBef>
-              <a:spcAft>
-                <a:spcPts val="0"/>
-              </a:spcAft>
-              <a:buClr>
-                <a:schemeClr val="lt1"/>
-              </a:buClr>
-              <a:buSzPct val="25000"/>
-              <a:buFont typeface="Courier New"/>
-              <a:buNone/>
-            </a:pPr>
-            <a:r>
-              <a:rPr lang="pl" sz="2000" b="0" i="0" u="none" strike="noStrike" cap="none" baseline="0">
-                <a:solidFill>
-                  <a:schemeClr val="lt1"/>
-                </a:solidFill>
-                <a:latin typeface="Courier"/>
-                <a:ea typeface="Courier New"/>
-                <a:cs typeface="Courier"/>
-                <a:sym typeface="Courier New"/>
-              </a:rPr>
-              <a:t>                "location_type": "APPROXIMATE",</a:t>
-            </a:r>
-          </a:p>
-          <a:p>
-            <a:pPr marL="0" marR="0" lvl="0" indent="0" algn="l" rtl="0">
-              <a:lnSpc>
-                <a:spcPct val="100000"/>
-              </a:lnSpc>
-              <a:spcBef>
-                <a:spcPts val="0"/>
-              </a:spcBef>
-              <a:spcAft>
-                <a:spcPts val="0"/>
-              </a:spcAft>
-              <a:buClr>
-                <a:schemeClr val="lt1"/>
-              </a:buClr>
-              <a:buSzPct val="25000"/>
-              <a:buFont typeface="Courier New"/>
-              <a:buNone/>
-            </a:pPr>
-            <a:r>
-              <a:rPr lang="pl" sz="2000" b="0" i="0" u="none" strike="noStrike" cap="none" baseline="0">
-                <a:solidFill>
-                  <a:schemeClr val="lt1"/>
-                </a:solidFill>
-                <a:latin typeface="Courier"/>
-                <a:ea typeface="Courier New"/>
-                <a:cs typeface="Courier"/>
-                <a:sym typeface="Courier New"/>
-              </a:rPr>
-              <a:t>                 "location": {</a:t>
-            </a:r>
-          </a:p>
-          <a:p>
-            <a:pPr marL="0" marR="0" lvl="0" indent="0" algn="l" rtl="0">
-              <a:lnSpc>
-                <a:spcPct val="100000"/>
-              </a:lnSpc>
-              <a:spcBef>
-                <a:spcPts val="0"/>
-              </a:spcBef>
-              <a:spcAft>
-                <a:spcPts val="0"/>
-              </a:spcAft>
-              <a:buClr>
-                <a:schemeClr val="lt1"/>
-              </a:buClr>
-              <a:buSzPct val="25000"/>
-              <a:buFont typeface="Courier New"/>
-              <a:buNone/>
-            </a:pPr>
-            <a:r>
-              <a:rPr lang="pl" sz="2000" b="0" i="0" u="none" strike="noStrike" cap="none" baseline="0">
-                <a:solidFill>
-                  <a:schemeClr val="lt1"/>
-                </a:solidFill>
-                <a:latin typeface="Courier"/>
-                <a:ea typeface="Courier New"/>
-                <a:cs typeface="Courier"/>
-                <a:sym typeface="Courier New"/>
-              </a:rPr>
-              <a:t>                    "lat": 42.2808256,</a:t>
-            </a:r>
-          </a:p>
-          <a:p>
-            <a:pPr marL="0" marR="0" lvl="0" indent="0" algn="l" rtl="0">
-              <a:lnSpc>
-                <a:spcPct val="100000"/>
-              </a:lnSpc>
-              <a:spcBef>
-                <a:spcPts val="0"/>
-              </a:spcBef>
-              <a:spcAft>
-                <a:spcPts val="0"/>
-              </a:spcAft>
-              <a:buClr>
-                <a:schemeClr val="lt1"/>
-              </a:buClr>
-              <a:buSzPct val="25000"/>
-              <a:buFont typeface="Courier New"/>
-              <a:buNone/>
-            </a:pPr>
-            <a:r>
-              <a:rPr lang="pl" sz="2000" b="0" i="0" u="none" strike="noStrike" cap="none" baseline="0">
-                <a:solidFill>
-                  <a:schemeClr val="lt1"/>
-                </a:solidFill>
-                <a:latin typeface="Courier"/>
-                <a:ea typeface="Courier New"/>
-                <a:cs typeface="Courier"/>
-                <a:sym typeface="Courier New"/>
-              </a:rPr>
-              <a:t>                     "lng": -83.7430378</a:t>
-            </a:r>
-          </a:p>
-          <a:p>
-            <a:pPr marL="0" marR="0" lvl="0" indent="0" algn="l" rtl="0">
-              <a:lnSpc>
-                <a:spcPct val="100000"/>
-              </a:lnSpc>
-              <a:spcBef>
-                <a:spcPts val="0"/>
-              </a:spcBef>
-              <a:spcAft>
-                <a:spcPts val="0"/>
-              </a:spcAft>
-              <a:buClr>
-                <a:schemeClr val="lt1"/>
-              </a:buClr>
-              <a:buSzPct val="25000"/>
-              <a:buFont typeface="Courier New"/>
-              <a:buNone/>
-            </a:pPr>
-            <a:r>
-              <a:rPr lang="pl" sz="2000" b="0" i="0" u="none" strike="noStrike" cap="none" baseline="0">
-                <a:solidFill>
-                  <a:schemeClr val="lt1"/>
-                </a:solidFill>
-                <a:latin typeface="Courier"/>
-                <a:ea typeface="Courier New"/>
-                <a:cs typeface="Courier"/>
-                <a:sym typeface="Courier New"/>
-              </a:rPr>
-              <a:t>                }</a:t>
-            </a:r>
-          </a:p>
-          <a:p>
-            <a:pPr marL="0" marR="0" lvl="0" indent="0" algn="l" rtl="0">
-              <a:lnSpc>
-                <a:spcPct val="100000"/>
-              </a:lnSpc>
-              <a:spcBef>
-                <a:spcPts val="0"/>
-              </a:spcBef>
-              <a:spcAft>
-                <a:spcPts val="0"/>
-              </a:spcAft>
-              <a:buClr>
-                <a:schemeClr val="lt1"/>
-              </a:buClr>
-              <a:buSzPct val="25000"/>
-              <a:buFont typeface="Courier New"/>
-              <a:buNone/>
-            </a:pPr>
-            <a:r>
-              <a:rPr lang="pl" sz="2000" b="0" i="0" u="none" strike="noStrike" cap="none" baseline="0">
-                <a:solidFill>
-                  <a:schemeClr val="lt1"/>
-                </a:solidFill>
-                <a:latin typeface="Courier"/>
-                <a:ea typeface="Courier New"/>
-                <a:cs typeface="Courier"/>
-                <a:sym typeface="Courier New"/>
-              </a:rPr>
-              <a:t>            },</a:t>
-            </a:r>
-          </a:p>
-          <a:p>
-            <a:pPr marL="0" marR="0" lvl="0" indent="0" algn="l" rtl="0">
-              <a:lnSpc>
-                <a:spcPct val="100000"/>
-              </a:lnSpc>
-              <a:spcBef>
-                <a:spcPts val="0"/>
-              </a:spcBef>
-              <a:spcAft>
-                <a:spcPts val="0"/>
-              </a:spcAft>
-              <a:buClr>
-                <a:schemeClr val="lt1"/>
-              </a:buClr>
-              <a:buSzPct val="25000"/>
-              <a:buFont typeface="Courier New"/>
-              <a:buNone/>
-            </a:pPr>
-            <a:r>
-              <a:rPr lang="pl" sz="2000" b="0" i="0" u="none" strike="noStrike" cap="none" baseline="0">
-                <a:solidFill>
-                  <a:schemeClr val="lt1"/>
-                </a:solidFill>
-                <a:latin typeface="Courier"/>
-                <a:ea typeface="Courier New"/>
-                <a:cs typeface="Courier"/>
-                <a:sym typeface="Courier New"/>
-              </a:rPr>
-              <a:t>            "address_components": [</a:t>
-            </a:r>
-          </a:p>
-          <a:p>
-            <a:pPr marL="0" marR="0" lvl="0" indent="0" algn="l" rtl="0">
-              <a:lnSpc>
-                <a:spcPct val="100000"/>
-              </a:lnSpc>
-              <a:spcBef>
-                <a:spcPts val="0"/>
-              </a:spcBef>
-              <a:spcAft>
-                <a:spcPts val="0"/>
-              </a:spcAft>
-              <a:buClr>
-                <a:schemeClr val="lt1"/>
-              </a:buClr>
-              <a:buSzPct val="25000"/>
-              <a:buFont typeface="Courier New"/>
-              <a:buNone/>
-            </a:pPr>
-            <a:r>
-              <a:rPr lang="pl" sz="2000" b="0" i="0" u="none" strike="noStrike" cap="none" baseline="0">
-                <a:solidFill>
-                  <a:schemeClr val="lt1"/>
-                </a:solidFill>
-                <a:latin typeface="Courier"/>
-                <a:ea typeface="Courier New"/>
-                <a:cs typeface="Courier"/>
-                <a:sym typeface="Courier New"/>
-              </a:rPr>
-              <a:t>                {</a:t>
-            </a:r>
-          </a:p>
-          <a:p>
-            <a:pPr marL="0" marR="0" lvl="0" indent="0" algn="l" rtl="0">
-              <a:lnSpc>
-                <a:spcPct val="100000"/>
-              </a:lnSpc>
-              <a:spcBef>
-                <a:spcPts val="0"/>
-              </a:spcBef>
-              <a:spcAft>
-                <a:spcPts val="0"/>
-              </a:spcAft>
-              <a:buClr>
-                <a:schemeClr val="lt1"/>
-              </a:buClr>
-              <a:buSzPct val="25000"/>
-              <a:buFont typeface="Courier New"/>
-              <a:buNone/>
-            </a:pPr>
-            <a:r>
-              <a:rPr lang="pl" sz="2000" b="0" i="0" u="none" strike="noStrike" cap="none" baseline="0">
-                <a:solidFill>
-                  <a:schemeClr val="lt1"/>
-                </a:solidFill>
-                <a:latin typeface="Courier"/>
-                <a:ea typeface="Courier New"/>
-                <a:cs typeface="Courier"/>
-                <a:sym typeface="Courier New"/>
-              </a:rPr>
-              <a:t>                    "long_name": "Ann Arbor",</a:t>
-            </a:r>
-          </a:p>
-          <a:p>
-            <a:pPr marL="0" marR="0" lvl="0" indent="0" algn="l" rtl="0">
-              <a:lnSpc>
-                <a:spcPct val="100000"/>
-              </a:lnSpc>
-              <a:spcBef>
-                <a:spcPts val="0"/>
-              </a:spcBef>
-              <a:spcAft>
-                <a:spcPts val="0"/>
-              </a:spcAft>
-              <a:buClr>
-                <a:schemeClr val="lt1"/>
-              </a:buClr>
-              <a:buSzPct val="25000"/>
-              <a:buFont typeface="Courier New"/>
-              <a:buNone/>
-            </a:pPr>
-            <a:r>
-              <a:rPr lang="pl" sz="2000" b="0" i="0" u="none" strike="noStrike" cap="none" baseline="0">
-                <a:solidFill>
-                  <a:schemeClr val="lt1"/>
-                </a:solidFill>
-                <a:latin typeface="Courier"/>
-                <a:ea typeface="Courier New"/>
-                <a:cs typeface="Courier"/>
-                <a:sym typeface="Courier New"/>
-              </a:rPr>
-              <a:t>                     "types": [</a:t>
-            </a:r>
-          </a:p>
-          <a:p>
-            <a:pPr marL="0" marR="0" lvl="0" indent="0" algn="l" rtl="0">
-              <a:lnSpc>
-                <a:spcPct val="100000"/>
-              </a:lnSpc>
-              <a:spcBef>
-                <a:spcPts val="0"/>
-              </a:spcBef>
-              <a:spcAft>
-                <a:spcPts val="0"/>
-              </a:spcAft>
-              <a:buClr>
-                <a:schemeClr val="lt1"/>
-              </a:buClr>
-              <a:buSzPct val="25000"/>
-              <a:buFont typeface="Courier New"/>
-              <a:buNone/>
-            </a:pPr>
-            <a:r>
-              <a:rPr lang="pl" sz="2000" b="0" i="0" u="none" strike="noStrike" cap="none" baseline="0">
-                <a:solidFill>
-                  <a:schemeClr val="lt1"/>
-                </a:solidFill>
-                <a:latin typeface="Courier"/>
-                <a:ea typeface="Courier New"/>
-                <a:cs typeface="Courier"/>
-                <a:sym typeface="Courier New"/>
-              </a:rPr>
-              <a:t>                        "locality",</a:t>
-            </a:r>
-          </a:p>
-          <a:p>
-            <a:pPr marL="0" marR="0" lvl="0" indent="0" algn="l" rtl="0">
-              <a:lnSpc>
-                <a:spcPct val="100000"/>
-              </a:lnSpc>
-              <a:spcBef>
-                <a:spcPts val="0"/>
-              </a:spcBef>
-              <a:spcAft>
-                <a:spcPts val="0"/>
-              </a:spcAft>
-              <a:buClr>
-                <a:schemeClr val="lt1"/>
-              </a:buClr>
-              <a:buSzPct val="25000"/>
-              <a:buFont typeface="Courier New"/>
-              <a:buNone/>
-            </a:pPr>
-            <a:r>
-              <a:rPr lang="pl" sz="2000" b="0" i="0" u="none" strike="noStrike" cap="none" baseline="0">
-                <a:solidFill>
-                  <a:schemeClr val="lt1"/>
-                </a:solidFill>
-                <a:latin typeface="Courier"/>
-                <a:ea typeface="Courier New"/>
-                <a:cs typeface="Courier"/>
-                <a:sym typeface="Courier New"/>
-              </a:rPr>
-              <a:t>                         "political"</a:t>
-            </a:r>
-          </a:p>
-          <a:p>
-            <a:pPr marL="0" marR="0" lvl="0" indent="0" algn="l" rtl="0">
-              <a:lnSpc>
-                <a:spcPct val="100000"/>
-              </a:lnSpc>
-              <a:spcBef>
-                <a:spcPts val="0"/>
-              </a:spcBef>
-              <a:spcAft>
-                <a:spcPts val="0"/>
-              </a:spcAft>
-              <a:buClr>
-                <a:schemeClr val="lt1"/>
-              </a:buClr>
-              <a:buSzPct val="25000"/>
-              <a:buFont typeface="Courier New"/>
-              <a:buNone/>
-            </a:pPr>
-            <a:r>
-              <a:rPr lang="pl" sz="2000" b="0" i="0" u="none" strike="noStrike" cap="none" baseline="0">
-                <a:solidFill>
-                  <a:schemeClr val="lt1"/>
-                </a:solidFill>
-                <a:latin typeface="Courier"/>
-                <a:ea typeface="Courier New"/>
-                <a:cs typeface="Courier"/>
-                <a:sym typeface="Courier New"/>
-              </a:rPr>
-              <a:t>                    ],</a:t>
-            </a:r>
-          </a:p>
-          <a:p>
-            <a:pPr marL="0" marR="0" lvl="0" indent="0" algn="l" rtl="0">
-              <a:lnSpc>
-                <a:spcPct val="100000"/>
-              </a:lnSpc>
-              <a:spcBef>
-                <a:spcPts val="0"/>
-              </a:spcBef>
-              <a:spcAft>
-                <a:spcPts val="0"/>
-              </a:spcAft>
-              <a:buClr>
-                <a:schemeClr val="lt1"/>
-              </a:buClr>
-              <a:buSzPct val="25000"/>
-              <a:buFont typeface="Courier New"/>
-              <a:buNone/>
-            </a:pPr>
-            <a:r>
-              <a:rPr lang="pl" sz="2000" b="0" i="0" u="none" strike="noStrike" cap="none" baseline="0">
-                <a:solidFill>
-                  <a:schemeClr val="lt1"/>
-                </a:solidFill>
-                <a:latin typeface="Courier"/>
-                <a:ea typeface="Courier New"/>
-                <a:cs typeface="Courier"/>
-                <a:sym typeface="Courier New"/>
-              </a:rPr>
-              <a:t>                    "short_name": "Ann Arbor"</a:t>
-            </a:r>
-          </a:p>
-          <a:p>
-            <a:pPr marL="0" marR="0" lvl="0" indent="0" algn="l" rtl="0">
-              <a:lnSpc>
-                <a:spcPct val="100000"/>
-              </a:lnSpc>
-              <a:spcBef>
-                <a:spcPts val="0"/>
-              </a:spcBef>
-              <a:spcAft>
-                <a:spcPts val="0"/>
-              </a:spcAft>
-              <a:buClr>
-                <a:schemeClr val="lt1"/>
-              </a:buClr>
-              <a:buSzPct val="25000"/>
-              <a:buFont typeface="Courier New"/>
-              <a:buNone/>
-            </a:pPr>
-            <a:r>
-              <a:rPr lang="pl" sz="2000" b="0" i="0" u="none" strike="noStrike" cap="none" baseline="0">
-                <a:solidFill>
-                  <a:schemeClr val="lt1"/>
-                </a:solidFill>
-                <a:latin typeface="Courier"/>
-                <a:ea typeface="Courier New"/>
-                <a:cs typeface="Courier"/>
-                <a:sym typeface="Courier New"/>
-              </a:rPr>
-              <a:t>                }</a:t>
-            </a:r>
-          </a:p>
-          <a:p>
-            <a:pPr marL="0" marR="0" lvl="0" indent="0" algn="l" rtl="0">
-              <a:lnSpc>
-                <a:spcPct val="100000"/>
-              </a:lnSpc>
-              <a:spcBef>
-                <a:spcPts val="0"/>
-              </a:spcBef>
-              <a:spcAft>
-                <a:spcPts val="0"/>
-              </a:spcAft>
-              <a:buClr>
-                <a:schemeClr val="lt1"/>
-              </a:buClr>
-              <a:buSzPct val="25000"/>
-              <a:buFont typeface="Courier New"/>
-              <a:buNone/>
-            </a:pPr>
-            <a:r>
-              <a:rPr lang="pl" sz="2000" b="0" i="0" u="none" strike="noStrike" cap="none" baseline="0">
-                <a:solidFill>
-                  <a:schemeClr val="lt1"/>
-                </a:solidFill>
-                <a:latin typeface="Courier"/>
-                <a:ea typeface="Courier New"/>
-                <a:cs typeface="Courier"/>
-                <a:sym typeface="Courier New"/>
-              </a:rPr>
-              <a:t>             ],</a:t>
-            </a:r>
-          </a:p>
-          <a:p>
-            <a:pPr marL="0" marR="0" lvl="0" indent="0" algn="l" rtl="0">
-              <a:lnSpc>
-                <a:spcPct val="100000"/>
-              </a:lnSpc>
-              <a:spcBef>
-                <a:spcPts val="0"/>
-              </a:spcBef>
-              <a:spcAft>
-                <a:spcPts val="0"/>
-              </a:spcAft>
-              <a:buClr>
-                <a:schemeClr val="lt1"/>
-              </a:buClr>
-              <a:buSzPct val="25000"/>
-              <a:buFont typeface="Courier New"/>
-              <a:buNone/>
-            </a:pPr>
-            <a:r>
-              <a:rPr lang="pl" sz="2000" b="0" i="0" u="none" strike="noStrike" cap="none" baseline="0">
-                <a:solidFill>
-                  <a:schemeClr val="lt1"/>
-                </a:solidFill>
-                <a:latin typeface="Courier"/>
-                <a:ea typeface="Courier New"/>
-                <a:cs typeface="Courier"/>
-                <a:sym typeface="Courier New"/>
-              </a:rPr>
-              <a:t>             "formatted_address": "Ann Arbor, MI, USA",</a:t>
-            </a:r>
-          </a:p>
-          <a:p>
-            <a:pPr marL="0" marR="0" lvl="0" indent="0" algn="l" rtl="0">
-              <a:lnSpc>
-                <a:spcPct val="100000"/>
-              </a:lnSpc>
-              <a:spcBef>
-                <a:spcPts val="0"/>
-              </a:spcBef>
-              <a:spcAft>
-                <a:spcPts val="0"/>
-              </a:spcAft>
-              <a:buClr>
-                <a:schemeClr val="lt1"/>
-              </a:buClr>
-              <a:buSzPct val="25000"/>
-              <a:buFont typeface="Courier New"/>
-              <a:buNone/>
-            </a:pPr>
-            <a:r>
-              <a:rPr lang="pl" sz="2000" b="0" i="0" u="none" strike="noStrike" cap="none" baseline="0">
-                <a:solidFill>
-                  <a:schemeClr val="lt1"/>
-                </a:solidFill>
-                <a:latin typeface="Courier"/>
-                <a:ea typeface="Courier New"/>
-                <a:cs typeface="Courier"/>
-                <a:sym typeface="Courier New"/>
-              </a:rPr>
-              <a:t>             "types": [</a:t>
-            </a:r>
-          </a:p>
-          <a:p>
-            <a:pPr marL="0" marR="0" lvl="0" indent="0" algn="l" rtl="0">
-              <a:lnSpc>
-                <a:spcPct val="100000"/>
-              </a:lnSpc>
-              <a:spcBef>
-                <a:spcPts val="0"/>
-              </a:spcBef>
-              <a:spcAft>
-                <a:spcPts val="0"/>
-              </a:spcAft>
-              <a:buClr>
-                <a:schemeClr val="lt1"/>
-              </a:buClr>
-              <a:buSzPct val="25000"/>
-              <a:buFont typeface="Courier New"/>
-              <a:buNone/>
-            </a:pPr>
-            <a:r>
-              <a:rPr lang="pl" sz="2000" b="0" i="0" u="none" strike="noStrike" cap="none" baseline="0">
-                <a:solidFill>
-                  <a:schemeClr val="lt1"/>
-                </a:solidFill>
-                <a:latin typeface="Courier"/>
-                <a:ea typeface="Courier New"/>
-                <a:cs typeface="Courier"/>
-                <a:sym typeface="Courier New"/>
-              </a:rPr>
-              <a:t>                "locality",</a:t>
-            </a:r>
-          </a:p>
-          <a:p>
-            <a:pPr marL="0" marR="0" lvl="0" indent="0" algn="l" rtl="0">
-              <a:lnSpc>
-                <a:spcPct val="100000"/>
-              </a:lnSpc>
-              <a:spcBef>
-                <a:spcPts val="0"/>
-              </a:spcBef>
-              <a:spcAft>
-                <a:spcPts val="0"/>
-              </a:spcAft>
-              <a:buClr>
-                <a:schemeClr val="lt1"/>
-              </a:buClr>
-              <a:buSzPct val="25000"/>
-              <a:buFont typeface="Courier New"/>
-              <a:buNone/>
-            </a:pPr>
-            <a:r>
-              <a:rPr lang="pl" sz="2000" b="0" i="0" u="none" strike="noStrike" cap="none" baseline="0">
-                <a:solidFill>
-                  <a:schemeClr val="lt1"/>
-                </a:solidFill>
-                <a:latin typeface="Courier"/>
-                <a:ea typeface="Courier New"/>
-                <a:cs typeface="Courier"/>
-                <a:sym typeface="Courier New"/>
-              </a:rPr>
-              <a:t>                "political"</a:t>
-            </a:r>
-          </a:p>
-          <a:p>
-            <a:pPr marL="0" marR="0" lvl="0" indent="0" algn="l" rtl="0">
-              <a:lnSpc>
-                <a:spcPct val="100000"/>
-              </a:lnSpc>
-              <a:spcBef>
-                <a:spcPts val="0"/>
-              </a:spcBef>
-              <a:spcAft>
-                <a:spcPts val="0"/>
-              </a:spcAft>
-              <a:buClr>
-                <a:schemeClr val="lt1"/>
-              </a:buClr>
-              <a:buSzPct val="25000"/>
-              <a:buFont typeface="Courier New"/>
-              <a:buNone/>
-            </a:pPr>
-            <a:r>
-              <a:rPr lang="pl" sz="2000" b="0" i="0" u="none" strike="noStrike" cap="none" baseline="0">
-                <a:solidFill>
-                  <a:schemeClr val="lt1"/>
-                </a:solidFill>
-                <a:latin typeface="Courier"/>
-                <a:ea typeface="Courier New"/>
-                <a:cs typeface="Courier"/>
-                <a:sym typeface="Courier New"/>
-              </a:rPr>
-              <a:t>            ]</a:t>
-            </a:r>
-          </a:p>
-          <a:p>
-            <a:pPr marL="0" marR="0" lvl="0" indent="0" algn="l" rtl="0">
-              <a:lnSpc>
-                <a:spcPct val="100000"/>
-              </a:lnSpc>
-              <a:spcBef>
-                <a:spcPts val="0"/>
-              </a:spcBef>
-              <a:spcAft>
-                <a:spcPts val="0"/>
-              </a:spcAft>
-              <a:buClr>
-                <a:schemeClr val="lt1"/>
-              </a:buClr>
-              <a:buSzPct val="25000"/>
-              <a:buFont typeface="Courier New"/>
-              <a:buNone/>
-            </a:pPr>
-            <a:r>
-              <a:rPr lang="pl" sz="2000" b="0" i="0" u="none" strike="noStrike" cap="none" baseline="0">
-                <a:solidFill>
-                  <a:schemeClr val="lt1"/>
-                </a:solidFill>
-                <a:latin typeface="Courier"/>
-                <a:ea typeface="Courier New"/>
-                <a:cs typeface="Courier"/>
-                <a:sym typeface="Courier New"/>
-              </a:rPr>
-              <a:t>        }</a:t>
-            </a:r>
-          </a:p>
-          <a:p>
-            <a:pPr marL="0" marR="0" lvl="0" indent="0" algn="l" rtl="0">
-              <a:lnSpc>
-                <a:spcPct val="100000"/>
-              </a:lnSpc>
-              <a:spcBef>
-                <a:spcPts val="0"/>
-              </a:spcBef>
-              <a:spcAft>
-                <a:spcPts val="0"/>
-              </a:spcAft>
-              <a:buClr>
-                <a:schemeClr val="lt1"/>
-              </a:buClr>
-              <a:buSzPct val="25000"/>
-              <a:buFont typeface="Courier New"/>
-              <a:buNone/>
-            </a:pPr>
-            <a:r>
-              <a:rPr lang="pl" sz="2000" b="0" i="0" u="none" strike="noStrike" cap="none" baseline="0">
-                <a:solidFill>
-                  <a:schemeClr val="lt1"/>
-                </a:solidFill>
-                <a:latin typeface="Courier"/>
-                <a:ea typeface="Courier New"/>
-                <a:cs typeface="Courier"/>
-                <a:sym typeface="Courier New"/>
-              </a:rPr>
-              <a:t>    ]</a:t>
-            </a:r>
-          </a:p>
-          <a:p>
-            <a:pPr marL="0" marR="0" lvl="0" indent="0" algn="l" rtl="0">
-              <a:lnSpc>
-                <a:spcPct val="100000"/>
-              </a:lnSpc>
-              <a:spcBef>
-                <a:spcPts val="0"/>
-              </a:spcBef>
-              <a:spcAft>
-                <a:spcPts val="0"/>
-              </a:spcAft>
-              <a:buClr>
-                <a:schemeClr val="lt1"/>
-              </a:buClr>
-              <a:buSzPct val="25000"/>
-              <a:buFont typeface="Courier New"/>
-              <a:buNone/>
-            </a:pPr>
-            <a:r>
-              <a:rPr lang="pl" sz="1700" b="1" i="0" u="none" strike="noStrike" cap="none" baseline="0">
+              <a:rPr lang="pl-PL" sz="1600" b="1" i="0" u="none" strike="noStrike" cap="none" baseline="0" dirty="0">
                 <a:solidFill>
                   <a:schemeClr val="lt1"/>
                 </a:solidFill>
@@ -27964,8 +27603,978 @@
                 <a:cs typeface="Courier New"/>
                 <a:sym typeface="Courier New"/>
               </a:rPr>
+              <a:t>    "type": "FeatureCollection",</a:t>
+            </a:r>
+          </a:p>
+          <a:p>
+            <a:pPr marL="0" marR="0" lvl="0" indent="0" algn="l" rtl="0">
+              <a:lnSpc>
+                <a:spcPct val="100000"/>
+              </a:lnSpc>
+              <a:spcBef>
+                <a:spcPts val="0"/>
+              </a:spcBef>
+              <a:spcAft>
+                <a:spcPts val="0"/>
+              </a:spcAft>
+              <a:buClr>
+                <a:schemeClr val="lt1"/>
+              </a:buClr>
+              <a:buSzPct val="25000"/>
+              <a:buFont typeface="Courier New"/>
+              <a:buNone/>
+            </a:pPr>
+            <a:r>
+              <a:rPr lang="pl-PL" sz="1600" b="1" i="0" u="none" strike="noStrike" cap="none" baseline="0" dirty="0">
+                <a:solidFill>
+                  <a:schemeClr val="lt1"/>
+                </a:solidFill>
+                <a:latin typeface="Courier New"/>
+                <a:ea typeface="Courier New"/>
+                <a:cs typeface="Courier New"/>
+                <a:sym typeface="Courier New"/>
+              </a:rPr>
+              <a:t>    "licence": "Data \u00a9 OpenStreetMap contributors, ODbL 1.0. https://osm.org/copyright",</a:t>
+            </a:r>
+          </a:p>
+          <a:p>
+            <a:pPr marL="0" marR="0" lvl="0" indent="0" algn="l" rtl="0">
+              <a:lnSpc>
+                <a:spcPct val="100000"/>
+              </a:lnSpc>
+              <a:spcBef>
+                <a:spcPts val="0"/>
+              </a:spcBef>
+              <a:spcAft>
+                <a:spcPts val="0"/>
+              </a:spcAft>
+              <a:buClr>
+                <a:schemeClr val="lt1"/>
+              </a:buClr>
+              <a:buSzPct val="25000"/>
+              <a:buFont typeface="Courier New"/>
+              <a:buNone/>
+            </a:pPr>
+            <a:r>
+              <a:rPr lang="pl-PL" sz="1600" b="1" i="0" u="none" strike="noStrike" cap="none" baseline="0" dirty="0">
+                <a:solidFill>
+                  <a:schemeClr val="lt1"/>
+                </a:solidFill>
+                <a:latin typeface="Courier New"/>
+                <a:ea typeface="Courier New"/>
+                <a:cs typeface="Courier New"/>
+                <a:sym typeface="Courier New"/>
+              </a:rPr>
+              <a:t>    "features": [</a:t>
+            </a:r>
+          </a:p>
+          <a:p>
+            <a:pPr marL="0" marR="0" lvl="0" indent="0" algn="l" rtl="0">
+              <a:lnSpc>
+                <a:spcPct val="100000"/>
+              </a:lnSpc>
+              <a:spcBef>
+                <a:spcPts val="0"/>
+              </a:spcBef>
+              <a:spcAft>
+                <a:spcPts val="0"/>
+              </a:spcAft>
+              <a:buClr>
+                <a:schemeClr val="lt1"/>
+              </a:buClr>
+              <a:buSzPct val="25000"/>
+              <a:buFont typeface="Courier New"/>
+              <a:buNone/>
+            </a:pPr>
+            <a:r>
+              <a:rPr lang="pl-PL" sz="1600" b="1" i="0" u="none" strike="noStrike" cap="none" baseline="0" dirty="0">
+                <a:solidFill>
+                  <a:schemeClr val="lt1"/>
+                </a:solidFill>
+                <a:latin typeface="Courier New"/>
+                <a:ea typeface="Courier New"/>
+                <a:cs typeface="Courier New"/>
+                <a:sym typeface="Courier New"/>
+              </a:rPr>
+              <a:t>        {</a:t>
+            </a:r>
+          </a:p>
+          <a:p>
+            <a:pPr marL="0" marR="0" lvl="0" indent="0" algn="l" rtl="0">
+              <a:lnSpc>
+                <a:spcPct val="100000"/>
+              </a:lnSpc>
+              <a:spcBef>
+                <a:spcPts val="0"/>
+              </a:spcBef>
+              <a:spcAft>
+                <a:spcPts val="0"/>
+              </a:spcAft>
+              <a:buClr>
+                <a:schemeClr val="lt1"/>
+              </a:buClr>
+              <a:buSzPct val="25000"/>
+              <a:buFont typeface="Courier New"/>
+              <a:buNone/>
+            </a:pPr>
+            <a:r>
+              <a:rPr lang="pl-PL" sz="1600" b="1" i="0" u="none" strike="noStrike" cap="none" baseline="0" dirty="0">
+                <a:solidFill>
+                  <a:schemeClr val="lt1"/>
+                </a:solidFill>
+                <a:latin typeface="Courier New"/>
+                <a:ea typeface="Courier New"/>
+                <a:cs typeface="Courier New"/>
+                <a:sym typeface="Courier New"/>
+              </a:rPr>
+              <a:t>            "type": "Feature",</a:t>
+            </a:r>
+          </a:p>
+          <a:p>
+            <a:pPr marL="0" marR="0" lvl="0" indent="0" algn="l" rtl="0">
+              <a:lnSpc>
+                <a:spcPct val="100000"/>
+              </a:lnSpc>
+              <a:spcBef>
+                <a:spcPts val="0"/>
+              </a:spcBef>
+              <a:spcAft>
+                <a:spcPts val="0"/>
+              </a:spcAft>
+              <a:buClr>
+                <a:schemeClr val="lt1"/>
+              </a:buClr>
+              <a:buSzPct val="25000"/>
+              <a:buFont typeface="Courier New"/>
+              <a:buNone/>
+            </a:pPr>
+            <a:r>
+              <a:rPr lang="pl-PL" sz="1600" b="1" i="0" u="none" strike="noStrike" cap="none" baseline="0" dirty="0">
+                <a:solidFill>
+                  <a:schemeClr val="lt1"/>
+                </a:solidFill>
+                <a:latin typeface="Courier New"/>
+                <a:ea typeface="Courier New"/>
+                <a:cs typeface="Courier New"/>
+                <a:sym typeface="Courier New"/>
+              </a:rPr>
+              <a:t>            "properties": {</a:t>
+            </a:r>
+          </a:p>
+          <a:p>
+            <a:pPr marL="0" marR="0" lvl="0" indent="0" algn="l" rtl="0">
+              <a:lnSpc>
+                <a:spcPct val="100000"/>
+              </a:lnSpc>
+              <a:spcBef>
+                <a:spcPts val="0"/>
+              </a:spcBef>
+              <a:spcAft>
+                <a:spcPts val="0"/>
+              </a:spcAft>
+              <a:buClr>
+                <a:schemeClr val="lt1"/>
+              </a:buClr>
+              <a:buSzPct val="25000"/>
+              <a:buFont typeface="Courier New"/>
+              <a:buNone/>
+            </a:pPr>
+            <a:r>
+              <a:rPr lang="pl-PL" sz="1600" b="1" i="0" u="none" strike="noStrike" cap="none" baseline="0" dirty="0">
+                <a:solidFill>
+                  <a:schemeClr val="lt1"/>
+                </a:solidFill>
+                <a:latin typeface="Courier New"/>
+                <a:ea typeface="Courier New"/>
+                <a:cs typeface="Courier New"/>
+                <a:sym typeface="Courier New"/>
+              </a:rPr>
+              <a:t>                "place_id": 255697953,</a:t>
+            </a:r>
+          </a:p>
+          <a:p>
+            <a:pPr marL="0" marR="0" lvl="0" indent="0" algn="l" rtl="0">
+              <a:lnSpc>
+                <a:spcPct val="100000"/>
+              </a:lnSpc>
+              <a:spcBef>
+                <a:spcPts val="0"/>
+              </a:spcBef>
+              <a:spcAft>
+                <a:spcPts val="0"/>
+              </a:spcAft>
+              <a:buClr>
+                <a:schemeClr val="lt1"/>
+              </a:buClr>
+              <a:buSzPct val="25000"/>
+              <a:buFont typeface="Courier New"/>
+              <a:buNone/>
+            </a:pPr>
+            <a:r>
+              <a:rPr lang="pl-PL" sz="1600" b="1" i="0" u="none" strike="noStrike" cap="none" baseline="0" dirty="0">
+                <a:solidFill>
+                  <a:schemeClr val="lt1"/>
+                </a:solidFill>
+                <a:latin typeface="Courier New"/>
+                <a:ea typeface="Courier New"/>
+                <a:cs typeface="Courier New"/>
+                <a:sym typeface="Courier New"/>
+              </a:rPr>
+              <a:t>                "osm_type": "relation",</a:t>
+            </a:r>
+          </a:p>
+          <a:p>
+            <a:pPr marL="0" marR="0" lvl="0" indent="0" algn="l" rtl="0">
+              <a:lnSpc>
+                <a:spcPct val="100000"/>
+              </a:lnSpc>
+              <a:spcBef>
+                <a:spcPts val="0"/>
+              </a:spcBef>
+              <a:spcAft>
+                <a:spcPts val="0"/>
+              </a:spcAft>
+              <a:buClr>
+                <a:schemeClr val="lt1"/>
+              </a:buClr>
+              <a:buSzPct val="25000"/>
+              <a:buFont typeface="Courier New"/>
+              <a:buNone/>
+            </a:pPr>
+            <a:r>
+              <a:rPr lang="pl-PL" sz="1600" b="1" i="0" u="none" strike="noStrike" cap="none" baseline="0" dirty="0">
+                <a:solidFill>
+                  <a:schemeClr val="lt1"/>
+                </a:solidFill>
+                <a:latin typeface="Courier New"/>
+                <a:ea typeface="Courier New"/>
+                <a:cs typeface="Courier New"/>
+                <a:sym typeface="Courier New"/>
+              </a:rPr>
+              <a:t>                "osm_id": 135130,</a:t>
+            </a:r>
+          </a:p>
+          <a:p>
+            <a:pPr marL="0" marR="0" lvl="0" indent="0" algn="l" rtl="0">
+              <a:lnSpc>
+                <a:spcPct val="100000"/>
+              </a:lnSpc>
+              <a:spcBef>
+                <a:spcPts val="0"/>
+              </a:spcBef>
+              <a:spcAft>
+                <a:spcPts val="0"/>
+              </a:spcAft>
+              <a:buClr>
+                <a:schemeClr val="lt1"/>
+              </a:buClr>
+              <a:buSzPct val="25000"/>
+              <a:buFont typeface="Courier New"/>
+              <a:buNone/>
+            </a:pPr>
+            <a:r>
+              <a:rPr lang="pl-PL" sz="1600" b="1" i="0" u="none" strike="noStrike" cap="none" baseline="0" dirty="0">
+                <a:solidFill>
+                  <a:schemeClr val="lt1"/>
+                </a:solidFill>
+                <a:latin typeface="Courier New"/>
+                <a:ea typeface="Courier New"/>
+                <a:cs typeface="Courier New"/>
+                <a:sym typeface="Courier New"/>
+              </a:rPr>
+              <a:t>                "display_name": "Ann Arbor, Washtenaw County, Michigan, United States",</a:t>
+            </a:r>
+          </a:p>
+          <a:p>
+            <a:pPr marL="0" marR="0" lvl="0" indent="0" algn="l" rtl="0">
+              <a:lnSpc>
+                <a:spcPct val="100000"/>
+              </a:lnSpc>
+              <a:spcBef>
+                <a:spcPts val="0"/>
+              </a:spcBef>
+              <a:spcAft>
+                <a:spcPts val="0"/>
+              </a:spcAft>
+              <a:buClr>
+                <a:schemeClr val="lt1"/>
+              </a:buClr>
+              <a:buSzPct val="25000"/>
+              <a:buFont typeface="Courier New"/>
+              <a:buNone/>
+            </a:pPr>
+            <a:r>
+              <a:rPr lang="pl-PL" sz="1600" b="1" i="0" u="none" strike="noStrike" cap="none" baseline="0" dirty="0">
+                <a:solidFill>
+                  <a:schemeClr val="lt1"/>
+                </a:solidFill>
+                <a:latin typeface="Courier New"/>
+                <a:ea typeface="Courier New"/>
+                <a:cs typeface="Courier New"/>
+                <a:sym typeface="Courier New"/>
+              </a:rPr>
+              <a:t>                "place_rank": 16,</a:t>
+            </a:r>
+          </a:p>
+          <a:p>
+            <a:pPr marL="0" marR="0" lvl="0" indent="0" algn="l" rtl="0">
+              <a:lnSpc>
+                <a:spcPct val="100000"/>
+              </a:lnSpc>
+              <a:spcBef>
+                <a:spcPts val="0"/>
+              </a:spcBef>
+              <a:spcAft>
+                <a:spcPts val="0"/>
+              </a:spcAft>
+              <a:buClr>
+                <a:schemeClr val="lt1"/>
+              </a:buClr>
+              <a:buSzPct val="25000"/>
+              <a:buFont typeface="Courier New"/>
+              <a:buNone/>
+            </a:pPr>
+            <a:r>
+              <a:rPr lang="pl-PL" sz="1600" b="1" i="0" u="none" strike="noStrike" cap="none" baseline="0" dirty="0">
+                <a:solidFill>
+                  <a:schemeClr val="lt1"/>
+                </a:solidFill>
+                <a:latin typeface="Courier New"/>
+                <a:ea typeface="Courier New"/>
+                <a:cs typeface="Courier New"/>
+                <a:sym typeface="Courier New"/>
+              </a:rPr>
+              <a:t>                "category": "boundary",</a:t>
+            </a:r>
+          </a:p>
+          <a:p>
+            <a:pPr marL="0" marR="0" lvl="0" indent="0" algn="l" rtl="0">
+              <a:lnSpc>
+                <a:spcPct val="100000"/>
+              </a:lnSpc>
+              <a:spcBef>
+                <a:spcPts val="0"/>
+              </a:spcBef>
+              <a:spcAft>
+                <a:spcPts val="0"/>
+              </a:spcAft>
+              <a:buClr>
+                <a:schemeClr val="lt1"/>
+              </a:buClr>
+              <a:buSzPct val="25000"/>
+              <a:buFont typeface="Courier New"/>
+              <a:buNone/>
+            </a:pPr>
+            <a:r>
+              <a:rPr lang="pl-PL" sz="1600" b="1" i="0" u="none" strike="noStrike" cap="none" baseline="0" dirty="0">
+                <a:solidFill>
+                  <a:schemeClr val="lt1"/>
+                </a:solidFill>
+                <a:latin typeface="Courier New"/>
+                <a:ea typeface="Courier New"/>
+                <a:cs typeface="Courier New"/>
+                <a:sym typeface="Courier New"/>
+              </a:rPr>
+              <a:t>                "type": "administrative",</a:t>
+            </a:r>
+          </a:p>
+          <a:p>
+            <a:pPr marL="0" marR="0" lvl="0" indent="0" algn="l" rtl="0">
+              <a:lnSpc>
+                <a:spcPct val="100000"/>
+              </a:lnSpc>
+              <a:spcBef>
+                <a:spcPts val="0"/>
+              </a:spcBef>
+              <a:spcAft>
+                <a:spcPts val="0"/>
+              </a:spcAft>
+              <a:buClr>
+                <a:schemeClr val="lt1"/>
+              </a:buClr>
+              <a:buSzPct val="25000"/>
+              <a:buFont typeface="Courier New"/>
+              <a:buNone/>
+            </a:pPr>
+            <a:r>
+              <a:rPr lang="pl-PL" sz="1600" b="1" i="0" u="none" strike="noStrike" cap="none" baseline="0" dirty="0">
+                <a:solidFill>
+                  <a:schemeClr val="lt1"/>
+                </a:solidFill>
+                <a:latin typeface="Courier New"/>
+                <a:ea typeface="Courier New"/>
+                <a:cs typeface="Courier New"/>
+                <a:sym typeface="Courier New"/>
+              </a:rPr>
+              <a:t>                "importance": 0.837069344370284,</a:t>
+            </a:r>
+          </a:p>
+          <a:p>
+            <a:pPr marL="0" marR="0" lvl="0" indent="0" algn="l" rtl="0">
+              <a:lnSpc>
+                <a:spcPct val="100000"/>
+              </a:lnSpc>
+              <a:spcBef>
+                <a:spcPts val="0"/>
+              </a:spcBef>
+              <a:spcAft>
+                <a:spcPts val="0"/>
+              </a:spcAft>
+              <a:buClr>
+                <a:schemeClr val="lt1"/>
+              </a:buClr>
+              <a:buSzPct val="25000"/>
+              <a:buFont typeface="Courier New"/>
+              <a:buNone/>
+            </a:pPr>
+            <a:r>
+              <a:rPr lang="pl-PL" sz="1600" b="1" i="0" u="none" strike="noStrike" cap="none" baseline="0" dirty="0">
+                <a:solidFill>
+                  <a:schemeClr val="lt1"/>
+                </a:solidFill>
+                <a:latin typeface="Courier New"/>
+                <a:ea typeface="Courier New"/>
+                <a:cs typeface="Courier New"/>
+                <a:sym typeface="Courier New"/>
+              </a:rPr>
+              <a:t>                "icon": "https://nominatim.openstreetmap.org/ui/mapicons//poi_boundary_administrative.p.20.png"</a:t>
+            </a:r>
+          </a:p>
+          <a:p>
+            <a:pPr marL="0" marR="0" lvl="0" indent="0" algn="l" rtl="0">
+              <a:lnSpc>
+                <a:spcPct val="100000"/>
+              </a:lnSpc>
+              <a:spcBef>
+                <a:spcPts val="0"/>
+              </a:spcBef>
+              <a:spcAft>
+                <a:spcPts val="0"/>
+              </a:spcAft>
+              <a:buClr>
+                <a:schemeClr val="lt1"/>
+              </a:buClr>
+              <a:buSzPct val="25000"/>
+              <a:buFont typeface="Courier New"/>
+              <a:buNone/>
+            </a:pPr>
+            <a:r>
+              <a:rPr lang="pl-PL" sz="1600" b="1" i="0" u="none" strike="noStrike" cap="none" baseline="0" dirty="0">
+                <a:solidFill>
+                  <a:schemeClr val="lt1"/>
+                </a:solidFill>
+                <a:latin typeface="Courier New"/>
+                <a:ea typeface="Courier New"/>
+                <a:cs typeface="Courier New"/>
+                <a:sym typeface="Courier New"/>
+              </a:rPr>
+              <a:t>            },</a:t>
+            </a:r>
+          </a:p>
+          <a:p>
+            <a:pPr marL="0" marR="0" lvl="0" indent="0" algn="l" rtl="0">
+              <a:lnSpc>
+                <a:spcPct val="100000"/>
+              </a:lnSpc>
+              <a:spcBef>
+                <a:spcPts val="0"/>
+              </a:spcBef>
+              <a:spcAft>
+                <a:spcPts val="0"/>
+              </a:spcAft>
+              <a:buClr>
+                <a:schemeClr val="lt1"/>
+              </a:buClr>
+              <a:buSzPct val="25000"/>
+              <a:buFont typeface="Courier New"/>
+              <a:buNone/>
+            </a:pPr>
+            <a:r>
+              <a:rPr lang="pl-PL" sz="1600" b="1" i="0" u="none" strike="noStrike" cap="none" baseline="0" dirty="0">
+                <a:solidFill>
+                  <a:schemeClr val="lt1"/>
+                </a:solidFill>
+                <a:latin typeface="Courier New"/>
+                <a:ea typeface="Courier New"/>
+                <a:cs typeface="Courier New"/>
+                <a:sym typeface="Courier New"/>
+              </a:rPr>
+              <a:t>            "bbox": [</a:t>
+            </a:r>
+          </a:p>
+          <a:p>
+            <a:pPr marL="0" marR="0" lvl="0" indent="0" algn="l" rtl="0">
+              <a:lnSpc>
+                <a:spcPct val="100000"/>
+              </a:lnSpc>
+              <a:spcBef>
+                <a:spcPts val="0"/>
+              </a:spcBef>
+              <a:spcAft>
+                <a:spcPts val="0"/>
+              </a:spcAft>
+              <a:buClr>
+                <a:schemeClr val="lt1"/>
+              </a:buClr>
+              <a:buSzPct val="25000"/>
+              <a:buFont typeface="Courier New"/>
+              <a:buNone/>
+            </a:pPr>
+            <a:r>
+              <a:rPr lang="pl-PL" sz="1600" b="1" i="0" u="none" strike="noStrike" cap="none" baseline="0" dirty="0">
+                <a:solidFill>
+                  <a:schemeClr val="lt1"/>
+                </a:solidFill>
+                <a:latin typeface="Courier New"/>
+                <a:ea typeface="Courier New"/>
+                <a:cs typeface="Courier New"/>
+                <a:sym typeface="Courier New"/>
+              </a:rPr>
+              <a:t>                -83.799572,</a:t>
+            </a:r>
+          </a:p>
+          <a:p>
+            <a:pPr marL="0" marR="0" lvl="0" indent="0" algn="l" rtl="0">
+              <a:lnSpc>
+                <a:spcPct val="100000"/>
+              </a:lnSpc>
+              <a:spcBef>
+                <a:spcPts val="0"/>
+              </a:spcBef>
+              <a:spcAft>
+                <a:spcPts val="0"/>
+              </a:spcAft>
+              <a:buClr>
+                <a:schemeClr val="lt1"/>
+              </a:buClr>
+              <a:buSzPct val="25000"/>
+              <a:buFont typeface="Courier New"/>
+              <a:buNone/>
+            </a:pPr>
+            <a:r>
+              <a:rPr lang="pl-PL" sz="1600" b="1" i="0" u="none" strike="noStrike" cap="none" baseline="0" dirty="0">
+                <a:solidFill>
+                  <a:schemeClr val="lt1"/>
+                </a:solidFill>
+                <a:latin typeface="Courier New"/>
+                <a:ea typeface="Courier New"/>
+                <a:cs typeface="Courier New"/>
+                <a:sym typeface="Courier New"/>
+              </a:rPr>
+              <a:t>                42.222668,</a:t>
+            </a:r>
+          </a:p>
+          <a:p>
+            <a:pPr marL="0" marR="0" lvl="0" indent="0" algn="l" rtl="0">
+              <a:lnSpc>
+                <a:spcPct val="100000"/>
+              </a:lnSpc>
+              <a:spcBef>
+                <a:spcPts val="0"/>
+              </a:spcBef>
+              <a:spcAft>
+                <a:spcPts val="0"/>
+              </a:spcAft>
+              <a:buClr>
+                <a:schemeClr val="lt1"/>
+              </a:buClr>
+              <a:buSzPct val="25000"/>
+              <a:buFont typeface="Courier New"/>
+              <a:buNone/>
+            </a:pPr>
+            <a:r>
+              <a:rPr lang="pl-PL" sz="1600" b="1" i="0" u="none" strike="noStrike" cap="none" baseline="0" dirty="0">
+                <a:solidFill>
+                  <a:schemeClr val="lt1"/>
+                </a:solidFill>
+                <a:latin typeface="Courier New"/>
+                <a:ea typeface="Courier New"/>
+                <a:cs typeface="Courier New"/>
+                <a:sym typeface="Courier New"/>
+              </a:rPr>
+              <a:t>                -83.675807,</a:t>
+            </a:r>
+          </a:p>
+          <a:p>
+            <a:pPr marL="0" marR="0" lvl="0" indent="0" algn="l" rtl="0">
+              <a:lnSpc>
+                <a:spcPct val="100000"/>
+              </a:lnSpc>
+              <a:spcBef>
+                <a:spcPts val="0"/>
+              </a:spcBef>
+              <a:spcAft>
+                <a:spcPts val="0"/>
+              </a:spcAft>
+              <a:buClr>
+                <a:schemeClr val="lt1"/>
+              </a:buClr>
+              <a:buSzPct val="25000"/>
+              <a:buFont typeface="Courier New"/>
+              <a:buNone/>
+            </a:pPr>
+            <a:r>
+              <a:rPr lang="pl-PL" sz="1600" b="1" i="0" u="none" strike="noStrike" cap="none" baseline="0" dirty="0">
+                <a:solidFill>
+                  <a:schemeClr val="lt1"/>
+                </a:solidFill>
+                <a:latin typeface="Courier New"/>
+                <a:ea typeface="Courier New"/>
+                <a:cs typeface="Courier New"/>
+                <a:sym typeface="Courier New"/>
+              </a:rPr>
+              <a:t>                42.3238941</a:t>
+            </a:r>
+          </a:p>
+          <a:p>
+            <a:pPr marL="0" marR="0" lvl="0" indent="0" algn="l" rtl="0">
+              <a:lnSpc>
+                <a:spcPct val="100000"/>
+              </a:lnSpc>
+              <a:spcBef>
+                <a:spcPts val="0"/>
+              </a:spcBef>
+              <a:spcAft>
+                <a:spcPts val="0"/>
+              </a:spcAft>
+              <a:buClr>
+                <a:schemeClr val="lt1"/>
+              </a:buClr>
+              <a:buSzPct val="25000"/>
+              <a:buFont typeface="Courier New"/>
+              <a:buNone/>
+            </a:pPr>
+            <a:r>
+              <a:rPr lang="pl-PL" sz="1600" b="1" i="0" u="none" strike="noStrike" cap="none" baseline="0" dirty="0">
+                <a:solidFill>
+                  <a:schemeClr val="lt1"/>
+                </a:solidFill>
+                <a:latin typeface="Courier New"/>
+                <a:ea typeface="Courier New"/>
+                <a:cs typeface="Courier New"/>
+                <a:sym typeface="Courier New"/>
+              </a:rPr>
+              <a:t>            ],</a:t>
+            </a:r>
+          </a:p>
+          <a:p>
+            <a:pPr marL="0" marR="0" lvl="0" indent="0" algn="l" rtl="0">
+              <a:lnSpc>
+                <a:spcPct val="100000"/>
+              </a:lnSpc>
+              <a:spcBef>
+                <a:spcPts val="0"/>
+              </a:spcBef>
+              <a:spcAft>
+                <a:spcPts val="0"/>
+              </a:spcAft>
+              <a:buClr>
+                <a:schemeClr val="lt1"/>
+              </a:buClr>
+              <a:buSzPct val="25000"/>
+              <a:buFont typeface="Courier New"/>
+              <a:buNone/>
+            </a:pPr>
+            <a:r>
+              <a:rPr lang="pl-PL" sz="1600" b="1" i="0" u="none" strike="noStrike" cap="none" baseline="0" dirty="0">
+                <a:solidFill>
+                  <a:schemeClr val="lt1"/>
+                </a:solidFill>
+                <a:latin typeface="Courier New"/>
+                <a:ea typeface="Courier New"/>
+                <a:cs typeface="Courier New"/>
+                <a:sym typeface="Courier New"/>
+              </a:rPr>
+              <a:t>            "geometry": {</a:t>
+            </a:r>
+          </a:p>
+          <a:p>
+            <a:pPr marL="0" marR="0" lvl="0" indent="0" algn="l" rtl="0">
+              <a:lnSpc>
+                <a:spcPct val="100000"/>
+              </a:lnSpc>
+              <a:spcBef>
+                <a:spcPts val="0"/>
+              </a:spcBef>
+              <a:spcAft>
+                <a:spcPts val="0"/>
+              </a:spcAft>
+              <a:buClr>
+                <a:schemeClr val="lt1"/>
+              </a:buClr>
+              <a:buSzPct val="25000"/>
+              <a:buFont typeface="Courier New"/>
+              <a:buNone/>
+            </a:pPr>
+            <a:r>
+              <a:rPr lang="pl-PL" sz="1600" b="1" i="0" u="none" strike="noStrike" cap="none" baseline="0" dirty="0">
+                <a:solidFill>
+                  <a:schemeClr val="lt1"/>
+                </a:solidFill>
+                <a:latin typeface="Courier New"/>
+                <a:ea typeface="Courier New"/>
+                <a:cs typeface="Courier New"/>
+                <a:sym typeface="Courier New"/>
+              </a:rPr>
+              <a:t>                "type": "Point",</a:t>
+            </a:r>
+          </a:p>
+          <a:p>
+            <a:pPr marL="0" marR="0" lvl="0" indent="0" algn="l" rtl="0">
+              <a:lnSpc>
+                <a:spcPct val="100000"/>
+              </a:lnSpc>
+              <a:spcBef>
+                <a:spcPts val="0"/>
+              </a:spcBef>
+              <a:spcAft>
+                <a:spcPts val="0"/>
+              </a:spcAft>
+              <a:buClr>
+                <a:schemeClr val="lt1"/>
+              </a:buClr>
+              <a:buSzPct val="25000"/>
+              <a:buFont typeface="Courier New"/>
+              <a:buNone/>
+            </a:pPr>
+            <a:r>
+              <a:rPr lang="pl-PL" sz="1600" b="1" i="0" u="none" strike="noStrike" cap="none" baseline="0" dirty="0">
+                <a:solidFill>
+                  <a:schemeClr val="lt1"/>
+                </a:solidFill>
+                <a:latin typeface="Courier New"/>
+                <a:ea typeface="Courier New"/>
+                <a:cs typeface="Courier New"/>
+                <a:sym typeface="Courier New"/>
+              </a:rPr>
+              <a:t>                "coordinates": [</a:t>
+            </a:r>
+          </a:p>
+          <a:p>
+            <a:pPr marL="0" marR="0" lvl="0" indent="0" algn="l" rtl="0">
+              <a:lnSpc>
+                <a:spcPct val="100000"/>
+              </a:lnSpc>
+              <a:spcBef>
+                <a:spcPts val="0"/>
+              </a:spcBef>
+              <a:spcAft>
+                <a:spcPts val="0"/>
+              </a:spcAft>
+              <a:buClr>
+                <a:schemeClr val="lt1"/>
+              </a:buClr>
+              <a:buSzPct val="25000"/>
+              <a:buFont typeface="Courier New"/>
+              <a:buNone/>
+            </a:pPr>
+            <a:r>
+              <a:rPr lang="pl-PL" sz="1600" b="1" i="0" u="none" strike="noStrike" cap="none" baseline="0" dirty="0">
+                <a:solidFill>
+                  <a:schemeClr val="lt1"/>
+                </a:solidFill>
+                <a:latin typeface="Courier New"/>
+                <a:ea typeface="Courier New"/>
+                <a:cs typeface="Courier New"/>
+                <a:sym typeface="Courier New"/>
+              </a:rPr>
+              <a:t>                    -83.7312291,</a:t>
+            </a:r>
+          </a:p>
+          <a:p>
+            <a:pPr marL="0" marR="0" lvl="0" indent="0" algn="l" rtl="0">
+              <a:lnSpc>
+                <a:spcPct val="100000"/>
+              </a:lnSpc>
+              <a:spcBef>
+                <a:spcPts val="0"/>
+              </a:spcBef>
+              <a:spcAft>
+                <a:spcPts val="0"/>
+              </a:spcAft>
+              <a:buClr>
+                <a:schemeClr val="lt1"/>
+              </a:buClr>
+              <a:buSzPct val="25000"/>
+              <a:buFont typeface="Courier New"/>
+              <a:buNone/>
+            </a:pPr>
+            <a:r>
+              <a:rPr lang="pl-PL" sz="1600" b="1" i="0" u="none" strike="noStrike" cap="none" baseline="0" dirty="0">
+                <a:solidFill>
+                  <a:schemeClr val="lt1"/>
+                </a:solidFill>
+                <a:latin typeface="Courier New"/>
+                <a:ea typeface="Courier New"/>
+                <a:cs typeface="Courier New"/>
+                <a:sym typeface="Courier New"/>
+              </a:rPr>
+              <a:t>                    42.2681569</a:t>
+            </a:r>
+          </a:p>
+          <a:p>
+            <a:pPr marL="0" marR="0" lvl="0" indent="0" algn="l" rtl="0">
+              <a:lnSpc>
+                <a:spcPct val="100000"/>
+              </a:lnSpc>
+              <a:spcBef>
+                <a:spcPts val="0"/>
+              </a:spcBef>
+              <a:spcAft>
+                <a:spcPts val="0"/>
+              </a:spcAft>
+              <a:buClr>
+                <a:schemeClr val="lt1"/>
+              </a:buClr>
+              <a:buSzPct val="25000"/>
+              <a:buFont typeface="Courier New"/>
+              <a:buNone/>
+            </a:pPr>
+            <a:r>
+              <a:rPr lang="pl-PL" sz="1600" b="1" i="0" u="none" strike="noStrike" cap="none" baseline="0" dirty="0">
+                <a:solidFill>
+                  <a:schemeClr val="lt1"/>
+                </a:solidFill>
+                <a:latin typeface="Courier New"/>
+                <a:ea typeface="Courier New"/>
+                <a:cs typeface="Courier New"/>
+                <a:sym typeface="Courier New"/>
+              </a:rPr>
+              <a:t>                ]</a:t>
+            </a:r>
+          </a:p>
+          <a:p>
+            <a:pPr marL="0" marR="0" lvl="0" indent="0" algn="l" rtl="0">
+              <a:lnSpc>
+                <a:spcPct val="100000"/>
+              </a:lnSpc>
+              <a:spcBef>
+                <a:spcPts val="0"/>
+              </a:spcBef>
+              <a:spcAft>
+                <a:spcPts val="0"/>
+              </a:spcAft>
+              <a:buClr>
+                <a:schemeClr val="lt1"/>
+              </a:buClr>
+              <a:buSzPct val="25000"/>
+              <a:buFont typeface="Courier New"/>
+              <a:buNone/>
+            </a:pPr>
+            <a:r>
+              <a:rPr lang="pl-PL" sz="1600" b="1" i="0" u="none" strike="noStrike" cap="none" baseline="0" dirty="0">
+                <a:solidFill>
+                  <a:schemeClr val="lt1"/>
+                </a:solidFill>
+                <a:latin typeface="Courier New"/>
+                <a:ea typeface="Courier New"/>
+                <a:cs typeface="Courier New"/>
+                <a:sym typeface="Courier New"/>
+              </a:rPr>
+              <a:t>            }</a:t>
+            </a:r>
+          </a:p>
+          <a:p>
+            <a:pPr marL="0" marR="0" lvl="0" indent="0" algn="l" rtl="0">
+              <a:lnSpc>
+                <a:spcPct val="100000"/>
+              </a:lnSpc>
+              <a:spcBef>
+                <a:spcPts val="0"/>
+              </a:spcBef>
+              <a:spcAft>
+                <a:spcPts val="0"/>
+              </a:spcAft>
+              <a:buClr>
+                <a:schemeClr val="lt1"/>
+              </a:buClr>
+              <a:buSzPct val="25000"/>
+              <a:buFont typeface="Courier New"/>
+              <a:buNone/>
+            </a:pPr>
+            <a:r>
+              <a:rPr lang="pl-PL" sz="1600" b="1" i="0" u="none" strike="noStrike" cap="none" baseline="0" dirty="0">
+                <a:solidFill>
+                  <a:schemeClr val="lt1"/>
+                </a:solidFill>
+                <a:latin typeface="Courier New"/>
+                <a:ea typeface="Courier New"/>
+                <a:cs typeface="Courier New"/>
+                <a:sym typeface="Courier New"/>
+              </a:rPr>
+              <a:t>        }</a:t>
+            </a:r>
+          </a:p>
+          <a:p>
+            <a:pPr marL="0" marR="0" lvl="0" indent="0" algn="l" rtl="0">
+              <a:lnSpc>
+                <a:spcPct val="100000"/>
+              </a:lnSpc>
+              <a:spcBef>
+                <a:spcPts val="0"/>
+              </a:spcBef>
+              <a:spcAft>
+                <a:spcPts val="0"/>
+              </a:spcAft>
+              <a:buClr>
+                <a:schemeClr val="lt1"/>
+              </a:buClr>
+              <a:buSzPct val="25000"/>
+              <a:buFont typeface="Courier New"/>
+              <a:buNone/>
+            </a:pPr>
+            <a:r>
+              <a:rPr lang="pl-PL" sz="1600" b="1" i="0" u="none" strike="noStrike" cap="none" baseline="0" dirty="0">
+                <a:solidFill>
+                  <a:schemeClr val="lt1"/>
+                </a:solidFill>
+                <a:latin typeface="Courier New"/>
+                <a:ea typeface="Courier New"/>
+                <a:cs typeface="Courier New"/>
+                <a:sym typeface="Courier New"/>
+              </a:rPr>
+              <a:t>    ]</a:t>
+            </a:r>
+          </a:p>
+          <a:p>
+            <a:pPr marL="0" marR="0" lvl="0" indent="0" algn="l" rtl="0">
+              <a:lnSpc>
+                <a:spcPct val="100000"/>
+              </a:lnSpc>
+              <a:spcBef>
+                <a:spcPts val="0"/>
+              </a:spcBef>
+              <a:spcAft>
+                <a:spcPts val="0"/>
+              </a:spcAft>
+              <a:buClr>
+                <a:schemeClr val="lt1"/>
+              </a:buClr>
+              <a:buSzPct val="25000"/>
+              <a:buFont typeface="Courier New"/>
+              <a:buNone/>
+            </a:pPr>
+            <a:r>
+              <a:rPr lang="pl-PL" sz="1600" b="1" i="0" u="none" strike="noStrike" cap="none" baseline="0" dirty="0">
+                <a:solidFill>
+                  <a:schemeClr val="lt1"/>
+                </a:solidFill>
+                <a:latin typeface="Courier New"/>
+                <a:ea typeface="Courier New"/>
+                <a:cs typeface="Courier New"/>
+                <a:sym typeface="Courier New"/>
+              </a:rPr>
               <a:t>}</a:t>
             </a:r>
+            <a:endParaRPr lang="pl" sz="1600" b="1" i="0" u="none" strike="noStrike" cap="none" baseline="0" dirty="0">
+              <a:solidFill>
+                <a:schemeClr val="lt1"/>
+              </a:solidFill>
+              <a:latin typeface="Courier New"/>
+              <a:ea typeface="Courier New"/>
+              <a:cs typeface="Courier New"/>
+              <a:sym typeface="Courier New"/>
+            </a:endParaRPr>
           </a:p>
         </p:txBody>
       </p:sp>
@@ -27977,7 +28586,7 @@
         </p:nvSpPr>
         <p:spPr>
           <a:xfrm>
-            <a:off x="7824191" y="2308550"/>
+            <a:off x="7824191" y="1635919"/>
             <a:ext cx="7947300" cy="863700"/>
           </a:xfrm>
           <a:prstGeom prst="rect">
@@ -28012,7 +28621,7 @@
               <a:buNone/>
             </a:pPr>
             <a:r>
-              <a:rPr lang="pl" sz="2600" b="0" i="0" u="none" strike="noStrike" cap="none" baseline="0">
+              <a:rPr lang="pl-PL" sz="2600" b="0" i="0" u="none" strike="noStrike" cap="none" baseline="0" dirty="0">
                 <a:solidFill>
                   <a:srgbClr val="FF00FF"/>
                 </a:solidFill>
@@ -28021,7 +28630,7 @@
                 <a:cs typeface="Arial" charset="0"/>
                 <a:sym typeface="Cabin"/>
               </a:rPr>
-              <a:t>http://maps.googleapis.com/maps/api/geocode/json?address=Ann+Arbor%2C+MI</a:t>
+              <a:t>https://nominatim.openstreetmap.org/search.php?q=Ann+Arbor%2C+MI&amp;format=geojson&amp;limit=1</a:t>
             </a:r>
             <a:endParaRPr lang="pl" sz="2600" u="none" strike="noStrike" cap="none" dirty="0">
               <a:solidFill>
@@ -28153,7 +28762,7 @@
           <a:p>
             <a:pPr algn="l" rtl="0"/>
             <a:r>
-              <a:rPr lang="pl" sz="1800" b="0" i="0" u="none" baseline="0">
+              <a:rPr lang="pl-PL" sz="1200" b="0" i="0" u="none" baseline="0" dirty="0">
                 <a:solidFill>
                   <a:schemeClr val="bg1"/>
                 </a:solidFill>
@@ -28161,9 +28770,40 @@
                 <a:ea typeface="Courier" charset="0"/>
                 <a:cs typeface="Courier" charset="0"/>
               </a:rPr>
-              <a:t>import urllib.request, urllib.parse, urllib.error</a:t>
-            </a:r>
-            <a:endParaRPr lang="pl" sz="1800" dirty="0">
+              <a:t>import urllib.request</a:t>
+            </a:r>
+          </a:p>
+          <a:p>
+            <a:pPr algn="l" rtl="0"/>
+            <a:r>
+              <a:rPr lang="pl-PL" sz="1200" b="0" i="0" u="none" baseline="0" dirty="0">
+                <a:solidFill>
+                  <a:schemeClr val="bg1"/>
+                </a:solidFill>
+                <a:latin typeface="Courier" charset="0"/>
+                <a:ea typeface="Courier" charset="0"/>
+                <a:cs typeface="Courier" charset="0"/>
+              </a:rPr>
+              <a:t>import json</a:t>
+            </a:r>
+          </a:p>
+          <a:p>
+            <a:pPr algn="l" rtl="0"/>
+            <a:r>
+              <a:rPr lang="pl-PL" sz="1200" b="0" i="0" u="none" baseline="0" dirty="0">
+                <a:solidFill>
+                  <a:schemeClr val="bg1"/>
+                </a:solidFill>
+                <a:latin typeface="Courier" charset="0"/>
+                <a:ea typeface="Courier" charset="0"/>
+                <a:cs typeface="Courier" charset="0"/>
+              </a:rPr>
+              <a:t>import ssl</a:t>
+            </a:r>
+          </a:p>
+          <a:p>
+            <a:pPr algn="l" rtl="0"/>
+            <a:endParaRPr lang="pl-PL" sz="1200" b="0" i="0" u="none" baseline="0" dirty="0">
               <a:solidFill>
                 <a:schemeClr val="bg1"/>
               </a:solidFill>
@@ -28175,7 +28815,7 @@
           <a:p>
             <a:pPr algn="l" rtl="0"/>
             <a:r>
-              <a:rPr lang="pl" sz="1800" b="0" i="0" u="none" baseline="0">
+              <a:rPr lang="pl-PL" sz="1200" b="0" i="0" u="none" baseline="0" dirty="0">
                 <a:solidFill>
                   <a:schemeClr val="bg1"/>
                 </a:solidFill>
@@ -28183,9 +28823,12 @@
                 <a:ea typeface="Courier" charset="0"/>
                 <a:cs typeface="Courier" charset="0"/>
               </a:rPr>
-              <a:t>import json</a:t>
-            </a:r>
-            <a:endParaRPr lang="pl" sz="1800" dirty="0">
+              <a:t>serviceurl = 'https://nominatim.openstreetmap.org/search.php?'</a:t>
+            </a:r>
+          </a:p>
+          <a:p>
+            <a:pPr algn="l" rtl="0"/>
+            <a:endParaRPr lang="pl-PL" sz="1200" b="0" i="0" u="none" baseline="0" dirty="0">
               <a:solidFill>
                 <a:schemeClr val="bg1"/>
               </a:solidFill>
@@ -28195,7 +28838,64 @@
             </a:endParaRPr>
           </a:p>
           <a:p>
-            <a:endParaRPr lang="pl" sz="1800" dirty="0">
+            <a:pPr algn="l" rtl="0"/>
+            <a:r>
+              <a:rPr lang="pl-PL" sz="1200" b="0" i="0" u="none" baseline="0" dirty="0">
+                <a:solidFill>
+                  <a:schemeClr val="bg1"/>
+                </a:solidFill>
+                <a:latin typeface="Courier" charset="0"/>
+                <a:ea typeface="Courier" charset="0"/>
+                <a:cs typeface="Courier" charset="0"/>
+              </a:rPr>
+              <a:t># Ignoruj błędy związane z certyfikatami SSL</a:t>
+            </a:r>
+          </a:p>
+          <a:p>
+            <a:pPr algn="l" rtl="0"/>
+            <a:r>
+              <a:rPr lang="pl-PL" sz="1200" b="0" i="0" u="none" baseline="0" dirty="0">
+                <a:solidFill>
+                  <a:schemeClr val="bg1"/>
+                </a:solidFill>
+                <a:latin typeface="Courier" charset="0"/>
+                <a:ea typeface="Courier" charset="0"/>
+                <a:cs typeface="Courier" charset="0"/>
+              </a:rPr>
+              <a:t>ctx = ssl.create_default_context()</a:t>
+            </a:r>
+          </a:p>
+          <a:p>
+            <a:pPr algn="l" rtl="0"/>
+            <a:r>
+              <a:rPr lang="pl-PL" sz="1200" b="0" i="0" u="none" baseline="0" dirty="0">
+                <a:solidFill>
+                  <a:schemeClr val="bg1"/>
+                </a:solidFill>
+                <a:latin typeface="Courier" charset="0"/>
+                <a:ea typeface="Courier" charset="0"/>
+                <a:cs typeface="Courier" charset="0"/>
+              </a:rPr>
+              <a:t>ctx.check_hostname = False</a:t>
+            </a:r>
+          </a:p>
+          <a:p>
+            <a:pPr algn="l" rtl="0"/>
+            <a:r>
+              <a:rPr lang="pl-PL" sz="1200" b="0" i="0" u="none" baseline="0" dirty="0">
+                <a:solidFill>
+                  <a:schemeClr val="bg1"/>
+                </a:solidFill>
+                <a:latin typeface="Courier" charset="0"/>
+                <a:ea typeface="Courier" charset="0"/>
+                <a:cs typeface="Courier" charset="0"/>
+              </a:rPr>
+              <a:t>ctx.verify_mode = ssl.CERT_NONE</a:t>
+            </a:r>
+          </a:p>
+          <a:p>
+            <a:pPr algn="l" rtl="0"/>
+            <a:endParaRPr lang="pl-PL" sz="1200" b="0" i="0" u="none" baseline="0" dirty="0">
               <a:solidFill>
                 <a:schemeClr val="bg1"/>
               </a:solidFill>
@@ -28207,7 +28907,7 @@
           <a:p>
             <a:pPr algn="l" rtl="0"/>
             <a:r>
-              <a:rPr lang="pl" sz="1800" b="0" i="0" u="none" baseline="0">
+              <a:rPr lang="pl-PL" sz="1200" b="0" i="0" u="none" baseline="0" dirty="0">
                 <a:solidFill>
                   <a:schemeClr val="bg1"/>
                 </a:solidFill>
@@ -28215,11 +28915,40 @@
                 <a:ea typeface="Courier" charset="0"/>
                 <a:cs typeface="Courier" charset="0"/>
               </a:rPr>
-              <a:t>serviceurl = 'http://maps.googleapis.com/maps/api/geocode/json?'</a:t>
-            </a:r>
-          </a:p>
-          <a:p>
-            <a:endParaRPr lang="pl" sz="1800" dirty="0">
+              <a:t>while True:</a:t>
+            </a:r>
+          </a:p>
+          <a:p>
+            <a:pPr algn="l" rtl="0"/>
+            <a:r>
+              <a:rPr lang="pl-PL" sz="1200" b="0" i="0" u="none" baseline="0" dirty="0">
+                <a:solidFill>
+                  <a:schemeClr val="bg1"/>
+                </a:solidFill>
+                <a:latin typeface="Courier" charset="0"/>
+                <a:ea typeface="Courier" charset="0"/>
+                <a:cs typeface="Courier" charset="0"/>
+              </a:rPr>
+              <a:t>    address = input('Podaj nazwę miejsca: ')</a:t>
+            </a:r>
+          </a:p>
+          <a:p>
+            <a:pPr algn="l" rtl="0"/>
+            <a:r>
+              <a:rPr lang="pl-PL" sz="1200" b="0" i="0" u="none" baseline="0" dirty="0">
+                <a:solidFill>
+                  <a:schemeClr val="bg1"/>
+                </a:solidFill>
+                <a:latin typeface="Courier" charset="0"/>
+                <a:ea typeface="Courier" charset="0"/>
+                <a:cs typeface="Courier" charset="0"/>
+              </a:rPr>
+              <a:t>    if len(address) &lt; 1: break</a:t>
+            </a:r>
+          </a:p>
+          <a:p>
+            <a:pPr algn="l" rtl="0"/>
+            <a:endParaRPr lang="pl-PL" sz="1200" b="0" i="0" u="none" baseline="0" dirty="0">
               <a:solidFill>
                 <a:schemeClr val="bg1"/>
               </a:solidFill>
@@ -28231,7 +28960,7 @@
           <a:p>
             <a:pPr algn="l" rtl="0"/>
             <a:r>
-              <a:rPr lang="pl" sz="1800" b="0" i="0" u="none" baseline="0">
+              <a:rPr lang="pl-PL" sz="1200" b="0" i="0" u="none" baseline="0" dirty="0">
                 <a:solidFill>
                   <a:schemeClr val="bg1"/>
                 </a:solidFill>
@@ -28239,13 +28968,13 @@
                 <a:ea typeface="Courier" charset="0"/>
                 <a:cs typeface="Courier" charset="0"/>
               </a:rPr>
-              <a:t>while True:</a:t>
+              <a:t>    parms = dict()</a:t>
             </a:r>
           </a:p>
           <a:p>
             <a:pPr algn="l" rtl="0"/>
             <a:r>
-              <a:rPr lang="pl" sz="1800" b="0" i="0" u="none" baseline="0">
+              <a:rPr lang="pl-PL" sz="1200" b="0" i="0" u="none" baseline="0" dirty="0">
                 <a:solidFill>
                   <a:schemeClr val="bg1"/>
                 </a:solidFill>
@@ -28253,13 +28982,13 @@
                 <a:ea typeface="Courier" charset="0"/>
                 <a:cs typeface="Courier" charset="0"/>
               </a:rPr>
-              <a:t>    address = input('Podaj nazwę miejsca:: ')</a:t>
+              <a:t>    parms['q'] = address</a:t>
             </a:r>
           </a:p>
           <a:p>
             <a:pPr algn="l" rtl="0"/>
             <a:r>
-              <a:rPr lang="pl" sz="1800" b="0" i="0" u="none" baseline="0">
+              <a:rPr lang="pl-PL" sz="1200" b="0" i="0" u="none" baseline="0" dirty="0">
                 <a:solidFill>
                   <a:schemeClr val="bg1"/>
                 </a:solidFill>
@@ -28267,11 +28996,26 @@
                 <a:ea typeface="Courier" charset="0"/>
                 <a:cs typeface="Courier" charset="0"/>
               </a:rPr>
-              <a:t>    if len(address) &lt; 1: break</a:t>
-            </a:r>
-          </a:p>
-          <a:p>
-            <a:endParaRPr lang="pl" sz="1800" dirty="0">
+              <a:t>    parms['format'] = 'geojson'</a:t>
+            </a:r>
+          </a:p>
+          <a:p>
+            <a:pPr algn="l" rtl="0"/>
+            <a:r>
+              <a:rPr lang="pl-PL" sz="1200" b="0" i="0" u="none" baseline="0" dirty="0">
+                <a:solidFill>
+                  <a:schemeClr val="bg1"/>
+                </a:solidFill>
+                <a:latin typeface="Courier" charset="0"/>
+                <a:ea typeface="Courier" charset="0"/>
+                <a:cs typeface="Courier" charset="0"/>
+              </a:rPr>
+              <a:t>    parms['limit'] = 1</a:t>
+            </a:r>
+          </a:p>
+          <a:p>
+            <a:pPr algn="l" rtl="0"/>
+            <a:endParaRPr lang="pl-PL" sz="1200" b="0" i="0" u="none" baseline="0" dirty="0">
               <a:solidFill>
                 <a:schemeClr val="bg1"/>
               </a:solidFill>
@@ -28283,7 +29027,7 @@
           <a:p>
             <a:pPr algn="l" rtl="0"/>
             <a:r>
-              <a:rPr lang="pl" sz="1800" b="0" i="0" u="none" baseline="0">
+              <a:rPr lang="pl-PL" sz="1200" b="0" i="0" u="none" baseline="0" dirty="0">
                 <a:solidFill>
                   <a:schemeClr val="bg1"/>
                 </a:solidFill>
@@ -28291,11 +29035,12 @@
                 <a:ea typeface="Courier" charset="0"/>
                 <a:cs typeface="Courier" charset="0"/>
               </a:rPr>
-              <a:t>    url = serviceurl + urllib.parse.urlencode({'address': address})</a:t>
-            </a:r>
-          </a:p>
-          <a:p>
-            <a:endParaRPr lang="pl" sz="1800" dirty="0">
+              <a:t>    url = serviceurl + urllib.parse.urlencode(parms)</a:t>
+            </a:r>
+          </a:p>
+          <a:p>
+            <a:pPr algn="l" rtl="0"/>
+            <a:endParaRPr lang="pl-PL" sz="1200" b="0" i="0" u="none" baseline="0" dirty="0">
               <a:solidFill>
                 <a:schemeClr val="bg1"/>
               </a:solidFill>
@@ -28307,7 +29052,7 @@
           <a:p>
             <a:pPr algn="l" rtl="0"/>
             <a:r>
-              <a:rPr lang="pl" sz="1800" b="0" i="0" u="none" baseline="0">
+              <a:rPr lang="pl-PL" sz="1200" b="0" i="0" u="none" baseline="0" dirty="0">
                 <a:solidFill>
                   <a:schemeClr val="bg1"/>
                 </a:solidFill>
@@ -28321,7 +29066,7 @@
           <a:p>
             <a:pPr algn="l" rtl="0"/>
             <a:r>
-              <a:rPr lang="pl" sz="1800" b="0" i="0" u="none" baseline="0">
+              <a:rPr lang="pl-PL" sz="1200" b="0" i="0" u="none" baseline="0" dirty="0">
                 <a:solidFill>
                   <a:schemeClr val="bg1"/>
                 </a:solidFill>
@@ -28329,13 +29074,13 @@
                 <a:ea typeface="Courier" charset="0"/>
                 <a:cs typeface="Courier" charset="0"/>
               </a:rPr>
-              <a:t>    uh = urllib.request.urlopen(url)</a:t>
+              <a:t>    uh = urllib.request.urlopen(url, context=ctx)</a:t>
             </a:r>
           </a:p>
           <a:p>
             <a:pPr algn="l" rtl="0"/>
             <a:r>
-              <a:rPr lang="pl" sz="1800" b="0" i="0" u="none" baseline="0">
+              <a:rPr lang="pl-PL" sz="1200" b="0" i="0" u="none" baseline="0" dirty="0">
                 <a:solidFill>
                   <a:schemeClr val="bg1"/>
                 </a:solidFill>
@@ -28349,7 +29094,7 @@
           <a:p>
             <a:pPr algn="l" rtl="0"/>
             <a:r>
-              <a:rPr lang="pl" sz="1800" b="0" i="0" u="none" baseline="0">
+              <a:rPr lang="pl-PL" sz="1200" b="0" i="0" u="none" baseline="0" dirty="0">
                 <a:solidFill>
                   <a:schemeClr val="bg1"/>
                 </a:solidFill>
@@ -28357,11 +29102,12 @@
                 <a:ea typeface="Courier" charset="0"/>
                 <a:cs typeface="Courier" charset="0"/>
               </a:rPr>
-              <a:t>    print('Pobrano', len(data), 'characters')</a:t>
-            </a:r>
-          </a:p>
-          <a:p>
-            <a:endParaRPr lang="pl" sz="1800" dirty="0">
+              <a:t>    print('Pobrano:', len(data))</a:t>
+            </a:r>
+          </a:p>
+          <a:p>
+            <a:pPr algn="l" rtl="0"/>
+            <a:endParaRPr lang="pl-PL" sz="1200" b="0" i="0" u="none" baseline="0" dirty="0">
               <a:solidFill>
                 <a:schemeClr val="bg1"/>
               </a:solidFill>
@@ -28373,7 +29119,7 @@
           <a:p>
             <a:pPr algn="l" rtl="0"/>
             <a:r>
-              <a:rPr lang="pl" sz="1800" b="0" i="0" u="none" baseline="0">
+              <a:rPr lang="pl-PL" sz="1200" b="0" i="0" u="none" baseline="0" dirty="0">
                 <a:solidFill>
                   <a:schemeClr val="bg1"/>
                 </a:solidFill>
@@ -28387,7 +29133,7 @@
           <a:p>
             <a:pPr algn="l" rtl="0"/>
             <a:r>
-              <a:rPr lang="pl" sz="1800" b="0" i="0" u="none" baseline="0">
+              <a:rPr lang="pl-PL" sz="1200" b="0" i="0" u="none" baseline="0" dirty="0">
                 <a:solidFill>
                   <a:schemeClr val="bg1"/>
                 </a:solidFill>
@@ -28401,7 +29147,7 @@
           <a:p>
             <a:pPr algn="l" rtl="0"/>
             <a:r>
-              <a:rPr lang="pl" sz="1800" b="0" i="0" u="none" baseline="0">
+              <a:rPr lang="pl-PL" sz="1200" b="0" i="0" u="none" baseline="0" dirty="0">
                 <a:solidFill>
                   <a:schemeClr val="bg1"/>
                 </a:solidFill>
@@ -28415,7 +29161,7 @@
           <a:p>
             <a:pPr algn="l" rtl="0"/>
             <a:r>
-              <a:rPr lang="pl" sz="1800" b="0" i="0" u="none" baseline="0">
+              <a:rPr lang="pl-PL" sz="1200" b="0" i="0" u="none" baseline="0" dirty="0">
                 <a:solidFill>
                   <a:schemeClr val="bg1"/>
                 </a:solidFill>
@@ -28427,7 +29173,8 @@
             </a:r>
           </a:p>
           <a:p>
-            <a:endParaRPr lang="pl" sz="1800" dirty="0">
+            <a:pPr algn="l" rtl="0"/>
+            <a:endParaRPr lang="pl-PL" sz="1200" b="0" i="0" u="none" baseline="0" dirty="0">
               <a:solidFill>
                 <a:schemeClr val="bg1"/>
               </a:solidFill>
@@ -28439,7 +29186,7 @@
           <a:p>
             <a:pPr algn="l" rtl="0"/>
             <a:r>
-              <a:rPr lang="pl" sz="1800" b="0" i="0" u="none" baseline="0">
+              <a:rPr lang="pl-PL" sz="1200" b="0" i="0" u="none" baseline="0" dirty="0">
                 <a:solidFill>
                   <a:schemeClr val="bg1"/>
                 </a:solidFill>
@@ -28447,13 +29194,13 @@
                 <a:ea typeface="Courier" charset="0"/>
                 <a:cs typeface="Courier" charset="0"/>
               </a:rPr>
-              <a:t>    if not js or 'status' not in js or js['status'] != 'OK':</a:t>
+              <a:t>    if not js or 'features' not in js or len(js['features']) == 0:</a:t>
             </a:r>
           </a:p>
           <a:p>
             <a:pPr algn="l" rtl="0"/>
             <a:r>
-              <a:rPr lang="pl" sz="1800" b="0" i="0" u="none" baseline="0">
+              <a:rPr lang="pl-PL" sz="1200" b="0" i="0" u="none" baseline="0" dirty="0">
                 <a:solidFill>
                   <a:schemeClr val="bg1"/>
                 </a:solidFill>
@@ -28467,7 +29214,7 @@
           <a:p>
             <a:pPr algn="l" rtl="0"/>
             <a:r>
-              <a:rPr lang="pl" sz="1800" b="0" i="0" u="none" baseline="0">
+              <a:rPr lang="pl-PL" sz="1200" b="0" i="0" u="none" baseline="0" dirty="0">
                 <a:solidFill>
                   <a:schemeClr val="bg1"/>
                 </a:solidFill>
@@ -28481,7 +29228,7 @@
           <a:p>
             <a:pPr algn="l" rtl="0"/>
             <a:r>
-              <a:rPr lang="pl" sz="1800" b="0" i="0" u="none" baseline="0">
+              <a:rPr lang="pl-PL" sz="1200" b="0" i="0" u="none" baseline="0" dirty="0">
                 <a:solidFill>
                   <a:schemeClr val="bg1"/>
                 </a:solidFill>
@@ -28493,7 +29240,8 @@
             </a:r>
           </a:p>
           <a:p>
-            <a:endParaRPr lang="pl" sz="1800" dirty="0">
+            <a:pPr algn="l" rtl="0"/>
+            <a:endParaRPr lang="pl-PL" sz="1200" b="0" i="0" u="none" baseline="0" dirty="0">
               <a:solidFill>
                 <a:schemeClr val="bg1"/>
               </a:solidFill>
@@ -28505,7 +29253,7 @@
           <a:p>
             <a:pPr algn="l" rtl="0"/>
             <a:r>
-              <a:rPr lang="pl" sz="1800" b="0" i="0" u="none" baseline="0">
+              <a:rPr lang="pl-PL" sz="1200" b="0" i="0" u="none" baseline="0" dirty="0">
                 <a:solidFill>
                   <a:schemeClr val="bg1"/>
                 </a:solidFill>
@@ -28513,13 +29261,24 @@
                 <a:ea typeface="Courier" charset="0"/>
                 <a:cs typeface="Courier" charset="0"/>
               </a:rPr>
-              <a:t>    lat = js["results"][0]["geometry"]["location"]["lat"]</a:t>
+              <a:t>    print(json.dumps(js, indent=4))</a:t>
             </a:r>
           </a:p>
           <a:p>
             <a:pPr algn="l" rtl="0"/>
-            <a:r>
-              <a:rPr lang="pl" sz="1800" b="0" i="0" u="none" baseline="0">
+            <a:endParaRPr lang="pl-PL" sz="1200" b="0" i="0" u="none" baseline="0" dirty="0">
+              <a:solidFill>
+                <a:schemeClr val="bg1"/>
+              </a:solidFill>
+              <a:latin typeface="Courier" charset="0"/>
+              <a:ea typeface="Courier" charset="0"/>
+              <a:cs typeface="Courier" charset="0"/>
+            </a:endParaRPr>
+          </a:p>
+          <a:p>
+            <a:pPr algn="l" rtl="0"/>
+            <a:r>
+              <a:rPr lang="pl-PL" sz="1200" b="0" i="0" u="none" baseline="0" dirty="0">
                 <a:solidFill>
                   <a:schemeClr val="bg1"/>
                 </a:solidFill>
@@ -28527,13 +29286,13 @@
                 <a:ea typeface="Courier" charset="0"/>
                 <a:cs typeface="Courier" charset="0"/>
               </a:rPr>
-              <a:t>    lng = js["results"][0]["geometry"]["location"]["lng"]</a:t>
+              <a:t>    lng = js['features'][0]['geometry']['coordinates'][0]</a:t>
             </a:r>
           </a:p>
           <a:p>
             <a:pPr algn="l" rtl="0"/>
             <a:r>
-              <a:rPr lang="pl" sz="1800" b="0" i="0" u="none" baseline="0">
+              <a:rPr lang="pl-PL" sz="1200" b="0" i="0" u="none" baseline="0" dirty="0">
                 <a:solidFill>
                   <a:schemeClr val="bg1"/>
                 </a:solidFill>
@@ -28541,13 +29300,13 @@
                 <a:ea typeface="Courier" charset="0"/>
                 <a:cs typeface="Courier" charset="0"/>
               </a:rPr>
-              <a:t>    print('lat', lat, 'lng', lng)</a:t>
+              <a:t>    lat = js['features'][0]['geometry']['coordinates'][1]</a:t>
             </a:r>
           </a:p>
           <a:p>
             <a:pPr algn="l" rtl="0"/>
             <a:r>
-              <a:rPr lang="pl" sz="1800" b="0" i="0" u="none" baseline="0">
+              <a:rPr lang="pl-PL" sz="1200" b="0" i="0" u="none" baseline="0" dirty="0">
                 <a:solidFill>
                   <a:schemeClr val="bg1"/>
                 </a:solidFill>
@@ -28555,13 +29314,13 @@
                 <a:ea typeface="Courier" charset="0"/>
                 <a:cs typeface="Courier" charset="0"/>
               </a:rPr>
-              <a:t>    location = js['results'][0]['formatted_address']</a:t>
+              <a:t>    print('szer. geogr.', lat, 'dł. geogr.', lng)</a:t>
             </a:r>
           </a:p>
           <a:p>
             <a:pPr algn="l" rtl="0"/>
             <a:r>
-              <a:rPr lang="pl" sz="1800" b="0" i="0" u="none" baseline="0">
+              <a:rPr lang="pl-PL" sz="1200" b="0" i="0" u="none" baseline="0" dirty="0">
                 <a:solidFill>
                   <a:schemeClr val="bg1"/>
                 </a:solidFill>
@@ -28569,9 +29328,23 @@
                 <a:ea typeface="Courier" charset="0"/>
                 <a:cs typeface="Courier" charset="0"/>
               </a:rPr>
+              <a:t>    location = js['features'][0]['properties']['display_name']</a:t>
+            </a:r>
+          </a:p>
+          <a:p>
+            <a:pPr algn="l" rtl="0"/>
+            <a:r>
+              <a:rPr lang="pl-PL" sz="1200" b="0" i="0" u="none" baseline="0" dirty="0">
+                <a:solidFill>
+                  <a:schemeClr val="bg1"/>
+                </a:solidFill>
+                <a:latin typeface="Courier" charset="0"/>
+                <a:ea typeface="Courier" charset="0"/>
+                <a:cs typeface="Courier" charset="0"/>
+              </a:rPr>
               <a:t>    print(location)</a:t>
             </a:r>
-            <a:endParaRPr lang="pl" sz="1800" u="none" strike="noStrike" cap="none" dirty="0">
+            <a:endParaRPr lang="pl" sz="1200" u="none" strike="noStrike" cap="none" dirty="0">
               <a:solidFill>
                 <a:schemeClr val="bg1"/>
               </a:solidFill>
@@ -28626,7 +29399,7 @@
               <a:buNone/>
             </a:pPr>
             <a:r>
-              <a:rPr lang="pl" sz="3600" b="0" i="0" u="none" strike="noStrike" cap="none" baseline="0">
+              <a:rPr lang="pl" sz="3600" b="0" i="0" u="none" strike="noStrike" cap="none" baseline="0" dirty="0">
                 <a:solidFill>
                   <a:srgbClr val="FFFF00"/>
                 </a:solidFill>
@@ -28657,8 +29430,8 @@
         </p:nvSpPr>
         <p:spPr>
           <a:xfrm>
-            <a:off x="9962450" y="3378150"/>
-            <a:ext cx="6161999" cy="2387699"/>
+            <a:off x="10112991" y="1672017"/>
+            <a:ext cx="6011458" cy="5799966"/>
           </a:xfrm>
           <a:prstGeom prst="rect">
             <a:avLst/>
@@ -28692,7 +29465,7 @@
               <a:buNone/>
             </a:pPr>
             <a:r>
-              <a:rPr lang="pl" sz="2600" b="0" i="0" u="none" strike="noStrike" cap="none" baseline="0">
+              <a:rPr lang="pl-PL" sz="2000" b="0" i="0" u="none" strike="noStrike" cap="none" baseline="0" dirty="0">
                 <a:solidFill>
                   <a:srgbClr val="FF00FF"/>
                 </a:solidFill>
@@ -28723,7 +29496,7 @@
               <a:buNone/>
             </a:pPr>
             <a:r>
-              <a:rPr lang="pl" sz="2600" b="0" i="0" u="none" strike="noStrike" cap="none" baseline="0">
+              <a:rPr lang="pl-PL" sz="2000" b="0" i="0" u="none" strike="noStrike" cap="none" baseline="0" dirty="0">
                 <a:solidFill>
                   <a:srgbClr val="FF00FF"/>
                 </a:solidFill>
@@ -28732,7 +29505,7 @@
                 <a:cs typeface="Arial" charset="0"/>
                 <a:sym typeface="Cabin"/>
               </a:rPr>
-              <a:t>Pobieranie http://maps.googleapis.com/...</a:t>
+              <a:t>Pobieranie https://nominatim.openstreetmap.org/search.php?q=Ann+Arbor%2C+MI&amp;format=geojson&amp;limit=1</a:t>
             </a:r>
           </a:p>
           <a:p>
@@ -28754,7 +29527,7 @@
               <a:buNone/>
             </a:pPr>
             <a:r>
-              <a:rPr lang="pl" sz="2600" b="0" i="0" u="none" strike="noStrike" cap="none" baseline="0">
+              <a:rPr lang="pl-PL" sz="2000" b="0" i="0" u="none" strike="noStrike" cap="none" baseline="0" dirty="0">
                 <a:solidFill>
                   <a:srgbClr val="FF00FF"/>
                 </a:solidFill>
@@ -28763,8 +29536,17 @@
                 <a:cs typeface="Arial" charset="0"/>
                 <a:sym typeface="Cabin"/>
               </a:rPr>
-              <a:t>Pobrano 1669 znaków</a:t>
-            </a:r>
+              <a:t>Pobrano: 594</a:t>
+            </a:r>
+            <a:endParaRPr lang="en-US" sz="2000" b="0" i="0" u="none" strike="noStrike" cap="none" baseline="0" dirty="0">
+              <a:solidFill>
+                <a:srgbClr val="FF00FF"/>
+              </a:solidFill>
+              <a:latin typeface="Arial" charset="0"/>
+              <a:ea typeface="Arial" charset="0"/>
+              <a:cs typeface="Arial" charset="0"/>
+              <a:sym typeface="Cabin"/>
+            </a:endParaRPr>
           </a:p>
           <a:p>
             <a:pPr marL="0" marR="0" lvl="0" indent="0" algn="l" rtl="0">
@@ -28785,7 +29567,7 @@
               <a:buNone/>
             </a:pPr>
             <a:r>
-              <a:rPr lang="pl" sz="2600" b="0" i="0" u="none" strike="noStrike" cap="none" baseline="0">
+              <a:rPr lang="en-US" sz="2000" dirty="0">
                 <a:solidFill>
                   <a:srgbClr val="FF00FF"/>
                 </a:solidFill>
@@ -28794,8 +29576,17 @@
                 <a:cs typeface="Arial" charset="0"/>
                 <a:sym typeface="Cabin"/>
               </a:rPr>
-              <a:t>lat 42.2808256 lng -83.7430378</a:t>
-            </a:r>
+              <a:t>(...)</a:t>
+            </a:r>
+            <a:endParaRPr lang="en-US" sz="2000" b="0" i="0" u="none" strike="noStrike" cap="none" baseline="0" dirty="0">
+              <a:solidFill>
+                <a:srgbClr val="FF00FF"/>
+              </a:solidFill>
+              <a:latin typeface="Arial" charset="0"/>
+              <a:ea typeface="Arial" charset="0"/>
+              <a:cs typeface="Arial" charset="0"/>
+              <a:sym typeface="Cabin"/>
+            </a:endParaRPr>
           </a:p>
           <a:p>
             <a:pPr marL="0" marR="0" lvl="0" indent="0" algn="l" rtl="0">
@@ -28816,7 +29607,7 @@
               <a:buNone/>
             </a:pPr>
             <a:r>
-              <a:rPr lang="pl" sz="2600" b="0" i="0" u="none" strike="noStrike" cap="none" baseline="0">
+              <a:rPr lang="pl-PL" sz="2000" b="0" i="0" u="none" strike="noStrike" cap="none" baseline="0" dirty="0">
                 <a:solidFill>
                   <a:srgbClr val="FF00FF"/>
                 </a:solidFill>
@@ -28825,7 +29616,7 @@
                 <a:cs typeface="Arial" charset="0"/>
                 <a:sym typeface="Cabin"/>
               </a:rPr>
-              <a:t>Ann Arbor, MI, USA</a:t>
+              <a:t>szer. geogr. 42.2681569 dł. geogr. -83.7312291</a:t>
             </a:r>
           </a:p>
           <a:p>
@@ -28847,7 +29638,7 @@
               <a:buNone/>
             </a:pPr>
             <a:r>
-              <a:rPr lang="pl" sz="2600" b="0" i="0" u="none" strike="noStrike" cap="none" baseline="0">
+              <a:rPr lang="pl-PL" sz="2000" b="0" i="0" u="none" strike="noStrike" cap="none" baseline="0" dirty="0">
                 <a:solidFill>
                   <a:srgbClr val="FF00FF"/>
                 </a:solidFill>
@@ -28856,8 +29647,48 @@
                 <a:cs typeface="Arial" charset="0"/>
                 <a:sym typeface="Cabin"/>
               </a:rPr>
+              <a:t>Ann Arbor, Washtenaw County, Michigan, United States</a:t>
+            </a:r>
+          </a:p>
+          <a:p>
+            <a:pPr marL="0" marR="0" lvl="0" indent="0" algn="l" rtl="0">
+              <a:lnSpc>
+                <a:spcPct val="100000"/>
+              </a:lnSpc>
+              <a:spcBef>
+                <a:spcPts val="0"/>
+              </a:spcBef>
+              <a:spcAft>
+                <a:spcPts val="0"/>
+              </a:spcAft>
+              <a:buClr>
+                <a:srgbClr val="FF00FF"/>
+              </a:buClr>
+              <a:buSzPct val="25000"/>
+              <a:buFont typeface="Cabin"/>
+              <a:buNone/>
+            </a:pPr>
+            <a:r>
+              <a:rPr lang="pl-PL" sz="2000" b="0" i="0" u="none" strike="noStrike" cap="none" baseline="0" dirty="0">
+                <a:solidFill>
+                  <a:srgbClr val="FF00FF"/>
+                </a:solidFill>
+                <a:latin typeface="Arial" charset="0"/>
+                <a:ea typeface="Arial" charset="0"/>
+                <a:cs typeface="Arial" charset="0"/>
+                <a:sym typeface="Cabin"/>
+              </a:rPr>
               <a:t>Podaj nazwę miejsca:</a:t>
             </a:r>
+            <a:endParaRPr lang="pl" sz="2000" b="0" i="0" u="none" strike="noStrike" cap="none" baseline="0" dirty="0">
+              <a:solidFill>
+                <a:srgbClr val="FF00FF"/>
+              </a:solidFill>
+              <a:latin typeface="Arial" charset="0"/>
+              <a:ea typeface="Arial" charset="0"/>
+              <a:cs typeface="Arial" charset="0"/>
+              <a:sym typeface="Cabin"/>
+            </a:endParaRPr>
           </a:p>
         </p:txBody>
       </p:sp>
@@ -29186,23 +30017,22 @@
           <a:chExt cx="0" cy="0"/>
         </a:xfrm>
       </p:grpSpPr>
-      <p:pic>
-        <p:nvPicPr>
-          <p:cNvPr id="622" name="Shape 622"/>
-          <p:cNvPicPr preferRelativeResize="0"/>
+      <p:sp>
+        <p:nvSpPr>
+          <p:cNvPr id="3" name="Shape 610">
+            <a:extLst>
+              <a:ext uri="{FF2B5EF4-FFF2-40B4-BE49-F238E27FC236}">
+                <a16:creationId xmlns:a16="http://schemas.microsoft.com/office/drawing/2014/main" id="{4FED8FAC-6068-4D10-88E2-1DE89ED2A3E6}"/>
+              </a:ext>
+            </a:extLst>
+          </p:cNvPr>
+          <p:cNvSpPr txBox="1"/>
           <p:nvPr/>
-        </p:nvPicPr>
-        <p:blipFill rotWithShape="1">
-          <a:blip r:embed="rId3">
-            <a:alphaModFix/>
-          </a:blip>
-          <a:srcRect/>
-          <a:stretch/>
-        </p:blipFill>
+        </p:nvSpPr>
         <p:spPr>
           <a:xfrm>
-            <a:off x="800100" y="1231900"/>
-            <a:ext cx="14643100" cy="6959599"/>
+            <a:off x="1016292" y="8345439"/>
+            <a:ext cx="14223415" cy="622199"/>
           </a:xfrm>
           <a:prstGeom prst="rect">
             <a:avLst/>
@@ -29211,6 +30041,95 @@
           <a:ln>
             <a:noFill/>
           </a:ln>
+        </p:spPr>
+        <p:txBody>
+          <a:bodyPr lIns="0" tIns="0" rIns="0" bIns="0" anchor="ctr" anchorCtr="0">
+            <a:noAutofit/>
+          </a:bodyPr>
+          <a:lstStyle/>
+          <a:p>
+            <a:pPr marL="0" marR="0" lvl="0" indent="0" algn="ctr" rtl="0">
+              <a:lnSpc>
+                <a:spcPct val="100000"/>
+              </a:lnSpc>
+              <a:spcBef>
+                <a:spcPts val="0"/>
+              </a:spcBef>
+              <a:spcAft>
+                <a:spcPts val="0"/>
+              </a:spcAft>
+              <a:buClr>
+                <a:srgbClr val="FFFF00"/>
+              </a:buClr>
+              <a:buSzPct val="25000"/>
+              <a:buFont typeface="Cabin"/>
+              <a:buNone/>
+            </a:pPr>
+            <a:r>
+              <a:rPr lang="pl-PL" sz="3200" b="0" i="0" u="none" strike="noStrike" cap="none" baseline="0" dirty="0">
+                <a:solidFill>
+                  <a:srgbClr val="FFFF00"/>
+                </a:solidFill>
+                <a:latin typeface="Courier"/>
+                <a:ea typeface="Arial" charset="0"/>
+                <a:cs typeface="Courier"/>
+                <a:sym typeface="Cabin"/>
+                <a:hlinkClick r:id="rId3"/>
+              </a:rPr>
+              <a:t>https://operations.osmfoundation.org/policies/nominatim/</a:t>
+            </a:r>
+            <a:r>
+              <a:rPr lang="en-US" sz="3200" b="0" i="0" u="none" strike="noStrike" cap="none" baseline="0" dirty="0">
+                <a:solidFill>
+                  <a:srgbClr val="FFFF00"/>
+                </a:solidFill>
+                <a:latin typeface="Courier"/>
+                <a:ea typeface="Arial" charset="0"/>
+                <a:cs typeface="Courier"/>
+                <a:sym typeface="Cabin"/>
+              </a:rPr>
+              <a:t> </a:t>
+            </a:r>
+            <a:endParaRPr lang="pl" sz="3200" u="none" strike="noStrike" cap="none" dirty="0">
+              <a:solidFill>
+                <a:srgbClr val="FFFF00"/>
+              </a:solidFill>
+              <a:latin typeface="Courier"/>
+              <a:ea typeface="Arial" charset="0"/>
+              <a:cs typeface="Courier"/>
+              <a:sym typeface="Cabin"/>
+            </a:endParaRPr>
+          </a:p>
+        </p:txBody>
+      </p:sp>
+      <p:pic>
+        <p:nvPicPr>
+          <p:cNvPr id="4" name="Picture 3">
+            <a:extLst>
+              <a:ext uri="{FF2B5EF4-FFF2-40B4-BE49-F238E27FC236}">
+                <a16:creationId xmlns:a16="http://schemas.microsoft.com/office/drawing/2014/main" id="{B2210FE3-524D-42E8-99AF-69442C3F5E6C}"/>
+              </a:ext>
+            </a:extLst>
+          </p:cNvPr>
+          <p:cNvPicPr>
+            <a:picLocks noChangeAspect="1"/>
+          </p:cNvPicPr>
+          <p:nvPr/>
+        </p:nvPicPr>
+        <p:blipFill>
+          <a:blip r:embed="rId4"/>
+          <a:stretch>
+            <a:fillRect/>
+          </a:stretch>
+        </p:blipFill>
+        <p:spPr>
+          <a:xfrm>
+            <a:off x="1379939" y="387415"/>
+            <a:ext cx="13496120" cy="7768668"/>
+          </a:xfrm>
+          <a:prstGeom prst="rect">
+            <a:avLst/>
+          </a:prstGeom>
         </p:spPr>
       </p:pic>
     </p:spTree>
@@ -29238,23 +30157,22 @@
           <a:chExt cx="0" cy="0"/>
         </a:xfrm>
       </p:grpSpPr>
-      <p:pic>
-        <p:nvPicPr>
-          <p:cNvPr id="627" name="Shape 627"/>
-          <p:cNvPicPr preferRelativeResize="0"/>
+      <p:sp>
+        <p:nvSpPr>
+          <p:cNvPr id="3" name="Shape 610">
+            <a:extLst>
+              <a:ext uri="{FF2B5EF4-FFF2-40B4-BE49-F238E27FC236}">
+                <a16:creationId xmlns:a16="http://schemas.microsoft.com/office/drawing/2014/main" id="{40D912E1-8C8C-467C-9222-1A65F50A43BC}"/>
+              </a:ext>
+            </a:extLst>
+          </p:cNvPr>
+          <p:cNvSpPr txBox="1"/>
           <p:nvPr/>
-        </p:nvPicPr>
-        <p:blipFill rotWithShape="1">
-          <a:blip r:embed="rId3">
-            <a:alphaModFix/>
-          </a:blip>
-          <a:srcRect/>
-          <a:stretch/>
-        </p:blipFill>
+        </p:nvSpPr>
         <p:spPr>
           <a:xfrm>
-            <a:off x="2639683" y="724618"/>
-            <a:ext cx="10852030" cy="7660257"/>
+            <a:off x="329062" y="8345439"/>
+            <a:ext cx="15597876" cy="622199"/>
           </a:xfrm>
           <a:prstGeom prst="rect">
             <a:avLst/>
@@ -29263,6 +30181,95 @@
           <a:ln>
             <a:noFill/>
           </a:ln>
+        </p:spPr>
+        <p:txBody>
+          <a:bodyPr lIns="0" tIns="0" rIns="0" bIns="0" anchor="ctr" anchorCtr="0">
+            <a:noAutofit/>
+          </a:bodyPr>
+          <a:lstStyle/>
+          <a:p>
+            <a:pPr marL="0" marR="0" lvl="0" indent="0" algn="ctr" rtl="0">
+              <a:lnSpc>
+                <a:spcPct val="100000"/>
+              </a:lnSpc>
+              <a:spcBef>
+                <a:spcPts val="0"/>
+              </a:spcBef>
+              <a:spcAft>
+                <a:spcPts val="0"/>
+              </a:spcAft>
+              <a:buClr>
+                <a:srgbClr val="FFFF00"/>
+              </a:buClr>
+              <a:buSzPct val="25000"/>
+              <a:buFont typeface="Cabin"/>
+              <a:buNone/>
+            </a:pPr>
+            <a:r>
+              <a:rPr lang="pl-PL" sz="3200" b="0" i="0" u="none" strike="noStrike" cap="none" baseline="0" dirty="0">
+                <a:solidFill>
+                  <a:srgbClr val="FFFF00"/>
+                </a:solidFill>
+                <a:latin typeface="Courier"/>
+                <a:ea typeface="Arial" charset="0"/>
+                <a:cs typeface="Courier"/>
+                <a:sym typeface="Cabin"/>
+                <a:hlinkClick r:id="rId3"/>
+              </a:rPr>
+              <a:t>https://developer.twitter.com/en/docs/authentication/overview</a:t>
+            </a:r>
+            <a:r>
+              <a:rPr lang="en-US" sz="3200" b="0" i="0" u="none" strike="noStrike" cap="none" baseline="0" dirty="0">
+                <a:solidFill>
+                  <a:srgbClr val="FFFF00"/>
+                </a:solidFill>
+                <a:latin typeface="Courier"/>
+                <a:ea typeface="Arial" charset="0"/>
+                <a:cs typeface="Courier"/>
+                <a:sym typeface="Cabin"/>
+              </a:rPr>
+              <a:t> </a:t>
+            </a:r>
+            <a:endParaRPr lang="pl" sz="3200" u="none" strike="noStrike" cap="none" dirty="0">
+              <a:solidFill>
+                <a:srgbClr val="FFFF00"/>
+              </a:solidFill>
+              <a:latin typeface="Courier"/>
+              <a:ea typeface="Arial" charset="0"/>
+              <a:cs typeface="Courier"/>
+              <a:sym typeface="Cabin"/>
+            </a:endParaRPr>
+          </a:p>
+        </p:txBody>
+      </p:sp>
+      <p:pic>
+        <p:nvPicPr>
+          <p:cNvPr id="4" name="Picture 3">
+            <a:extLst>
+              <a:ext uri="{FF2B5EF4-FFF2-40B4-BE49-F238E27FC236}">
+                <a16:creationId xmlns:a16="http://schemas.microsoft.com/office/drawing/2014/main" id="{D30A6916-F17A-4017-9242-DA8F70E9AE41}"/>
+              </a:ext>
+            </a:extLst>
+          </p:cNvPr>
+          <p:cNvPicPr>
+            <a:picLocks noChangeAspect="1"/>
+          </p:cNvPicPr>
+          <p:nvPr/>
+        </p:nvPicPr>
+        <p:blipFill>
+          <a:blip r:embed="rId4"/>
+          <a:stretch>
+            <a:fillRect/>
+          </a:stretch>
+        </p:blipFill>
+        <p:spPr>
+          <a:xfrm>
+            <a:off x="1543712" y="654184"/>
+            <a:ext cx="13168576" cy="7235130"/>
+          </a:xfrm>
+          <a:prstGeom prst="rect">
+            <a:avLst/>
+          </a:prstGeom>
         </p:spPr>
       </p:pic>
     </p:spTree>
@@ -29290,23 +30297,22 @@
           <a:chExt cx="0" cy="0"/>
         </a:xfrm>
       </p:grpSpPr>
-      <p:pic>
-        <p:nvPicPr>
-          <p:cNvPr id="632" name="Shape 632"/>
-          <p:cNvPicPr preferRelativeResize="0"/>
+      <p:sp>
+        <p:nvSpPr>
+          <p:cNvPr id="3" name="Shape 610">
+            <a:extLst>
+              <a:ext uri="{FF2B5EF4-FFF2-40B4-BE49-F238E27FC236}">
+                <a16:creationId xmlns:a16="http://schemas.microsoft.com/office/drawing/2014/main" id="{12ED062D-E854-4E05-A38C-A79D3141CC6E}"/>
+              </a:ext>
+            </a:extLst>
+          </p:cNvPr>
+          <p:cNvSpPr txBox="1"/>
           <p:nvPr/>
-        </p:nvPicPr>
-        <p:blipFill rotWithShape="1">
-          <a:blip r:embed="rId3">
-            <a:alphaModFix/>
-          </a:blip>
-          <a:srcRect/>
-          <a:stretch/>
-        </p:blipFill>
+        </p:nvSpPr>
         <p:spPr>
           <a:xfrm>
-            <a:off x="2656936" y="759125"/>
-            <a:ext cx="10696756" cy="7625750"/>
+            <a:off x="329062" y="8345439"/>
+            <a:ext cx="15597876" cy="622199"/>
           </a:xfrm>
           <a:prstGeom prst="rect">
             <a:avLst/>
@@ -29315,6 +30321,95 @@
           <a:ln>
             <a:noFill/>
           </a:ln>
+        </p:spPr>
+        <p:txBody>
+          <a:bodyPr lIns="0" tIns="0" rIns="0" bIns="0" anchor="ctr" anchorCtr="0">
+            <a:noAutofit/>
+          </a:bodyPr>
+          <a:lstStyle/>
+          <a:p>
+            <a:pPr marL="0" marR="0" lvl="0" indent="0" algn="ctr" rtl="0">
+              <a:lnSpc>
+                <a:spcPct val="100000"/>
+              </a:lnSpc>
+              <a:spcBef>
+                <a:spcPts val="0"/>
+              </a:spcBef>
+              <a:spcAft>
+                <a:spcPts val="0"/>
+              </a:spcAft>
+              <a:buClr>
+                <a:srgbClr val="FFFF00"/>
+              </a:buClr>
+              <a:buSzPct val="25000"/>
+              <a:buFont typeface="Cabin"/>
+              <a:buNone/>
+            </a:pPr>
+            <a:r>
+              <a:rPr lang="pl-PL" sz="3200" b="0" i="0" u="none" strike="noStrike" cap="none" baseline="0" dirty="0">
+                <a:solidFill>
+                  <a:srgbClr val="FFFF00"/>
+                </a:solidFill>
+                <a:latin typeface="Courier"/>
+                <a:ea typeface="Arial" charset="0"/>
+                <a:cs typeface="Courier"/>
+                <a:sym typeface="Cabin"/>
+                <a:hlinkClick r:id="rId3"/>
+              </a:rPr>
+              <a:t>https://developer.twitter.com/en/docs/twitter-api/v1/data-dictionary/object-model/tweet</a:t>
+            </a:r>
+            <a:r>
+              <a:rPr lang="en-US" sz="3200" b="0" i="0" u="none" strike="noStrike" cap="none" baseline="0" dirty="0">
+                <a:solidFill>
+                  <a:srgbClr val="FFFF00"/>
+                </a:solidFill>
+                <a:latin typeface="Courier"/>
+                <a:ea typeface="Arial" charset="0"/>
+                <a:cs typeface="Courier"/>
+                <a:sym typeface="Cabin"/>
+              </a:rPr>
+              <a:t> </a:t>
+            </a:r>
+            <a:endParaRPr lang="pl" sz="3200" u="none" strike="noStrike" cap="none" dirty="0">
+              <a:solidFill>
+                <a:srgbClr val="FFFF00"/>
+              </a:solidFill>
+              <a:latin typeface="Courier"/>
+              <a:ea typeface="Arial" charset="0"/>
+              <a:cs typeface="Courier"/>
+              <a:sym typeface="Cabin"/>
+            </a:endParaRPr>
+          </a:p>
+        </p:txBody>
+      </p:sp>
+      <p:pic>
+        <p:nvPicPr>
+          <p:cNvPr id="4" name="Picture 3">
+            <a:extLst>
+              <a:ext uri="{FF2B5EF4-FFF2-40B4-BE49-F238E27FC236}">
+                <a16:creationId xmlns:a16="http://schemas.microsoft.com/office/drawing/2014/main" id="{8F04DF4E-2D8F-428C-9A3A-7513FC057F35}"/>
+              </a:ext>
+            </a:extLst>
+          </p:cNvPr>
+          <p:cNvPicPr>
+            <a:picLocks noChangeAspect="1"/>
+          </p:cNvPicPr>
+          <p:nvPr/>
+        </p:nvPicPr>
+        <p:blipFill>
+          <a:blip r:embed="rId4"/>
+          <a:stretch>
+            <a:fillRect/>
+          </a:stretch>
+        </p:blipFill>
+        <p:spPr>
+          <a:xfrm>
+            <a:off x="1352645" y="558016"/>
+            <a:ext cx="13550710" cy="7154510"/>
+          </a:xfrm>
+          <a:prstGeom prst="rect">
+            <a:avLst/>
+          </a:prstGeom>
         </p:spPr>
       </p:pic>
     </p:spTree>
@@ -29342,23 +30437,22 @@
           <a:chExt cx="0" cy="0"/>
         </a:xfrm>
       </p:grpSpPr>
-      <p:pic>
-        <p:nvPicPr>
-          <p:cNvPr id="637" name="Shape 637"/>
-          <p:cNvPicPr preferRelativeResize="0"/>
+      <p:sp>
+        <p:nvSpPr>
+          <p:cNvPr id="3" name="Shape 610">
+            <a:extLst>
+              <a:ext uri="{FF2B5EF4-FFF2-40B4-BE49-F238E27FC236}">
+                <a16:creationId xmlns:a16="http://schemas.microsoft.com/office/drawing/2014/main" id="{D22FEDCE-D11C-4C3C-AAAA-0106F7BBE4F4}"/>
+              </a:ext>
+            </a:extLst>
+          </p:cNvPr>
+          <p:cNvSpPr txBox="1"/>
           <p:nvPr/>
-        </p:nvPicPr>
-        <p:blipFill rotWithShape="1">
-          <a:blip r:embed="rId3">
-            <a:alphaModFix/>
-          </a:blip>
-          <a:srcRect/>
-          <a:stretch/>
-        </p:blipFill>
+        </p:nvSpPr>
         <p:spPr>
           <a:xfrm>
-            <a:off x="2743200" y="931652"/>
-            <a:ext cx="11214340" cy="7401465"/>
+            <a:off x="329062" y="8345439"/>
+            <a:ext cx="15597876" cy="622199"/>
           </a:xfrm>
           <a:prstGeom prst="rect">
             <a:avLst/>
@@ -29367,6 +30461,83 @@
           <a:ln>
             <a:noFill/>
           </a:ln>
+        </p:spPr>
+        <p:txBody>
+          <a:bodyPr lIns="0" tIns="0" rIns="0" bIns="0" anchor="ctr" anchorCtr="0">
+            <a:noAutofit/>
+          </a:bodyPr>
+          <a:lstStyle/>
+          <a:p>
+            <a:pPr marL="0" marR="0" lvl="0" indent="0" algn="ctr" rtl="0">
+              <a:lnSpc>
+                <a:spcPct val="100000"/>
+              </a:lnSpc>
+              <a:spcBef>
+                <a:spcPts val="0"/>
+              </a:spcBef>
+              <a:spcAft>
+                <a:spcPts val="0"/>
+              </a:spcAft>
+              <a:buClr>
+                <a:srgbClr val="FFFF00"/>
+              </a:buClr>
+              <a:buSzPct val="25000"/>
+              <a:buFont typeface="Cabin"/>
+              <a:buNone/>
+            </a:pPr>
+            <a:r>
+              <a:rPr lang="pl-PL" sz="3200" b="0" i="0" u="none" strike="noStrike" cap="none" baseline="0" dirty="0">
+                <a:solidFill>
+                  <a:srgbClr val="FFFF00"/>
+                </a:solidFill>
+                <a:latin typeface="Courier"/>
+                <a:ea typeface="Arial" charset="0"/>
+                <a:cs typeface="Courier"/>
+                <a:sym typeface="Cabin"/>
+                <a:hlinkClick r:id="rId3"/>
+              </a:rPr>
+              <a:t>https://developer.twitter.com/en/docs/api-reference-index</a:t>
+            </a:r>
+            <a:endParaRPr lang="pl" sz="3200" u="none" strike="noStrike" cap="none" dirty="0">
+              <a:solidFill>
+                <a:srgbClr val="FFFF00"/>
+              </a:solidFill>
+              <a:latin typeface="Courier"/>
+              <a:ea typeface="Arial" charset="0"/>
+              <a:cs typeface="Courier"/>
+              <a:sym typeface="Cabin"/>
+            </a:endParaRPr>
+          </a:p>
+        </p:txBody>
+      </p:sp>
+      <p:pic>
+        <p:nvPicPr>
+          <p:cNvPr id="4" name="Picture 3">
+            <a:extLst>
+              <a:ext uri="{FF2B5EF4-FFF2-40B4-BE49-F238E27FC236}">
+                <a16:creationId xmlns:a16="http://schemas.microsoft.com/office/drawing/2014/main" id="{CCFAA9A5-2F39-4EB9-AEBD-2BDB1F4BA68D}"/>
+              </a:ext>
+            </a:extLst>
+          </p:cNvPr>
+          <p:cNvPicPr>
+            <a:picLocks noChangeAspect="1"/>
+          </p:cNvPicPr>
+          <p:nvPr/>
+        </p:nvPicPr>
+        <p:blipFill>
+          <a:blip r:embed="rId4"/>
+          <a:stretch>
+            <a:fillRect/>
+          </a:stretch>
+        </p:blipFill>
+        <p:spPr>
+          <a:xfrm>
+            <a:off x="1134281" y="425314"/>
+            <a:ext cx="13987438" cy="7447210"/>
+          </a:xfrm>
+          <a:prstGeom prst="rect">
+            <a:avLst/>
+          </a:prstGeom>
         </p:spPr>
       </p:pic>
     </p:spTree>
@@ -29421,7 +30592,7 @@
           <a:p>
             <a:pPr algn="l" rtl="0"/>
             <a:r>
-              <a:rPr lang="pl" sz="2200" b="0" i="0" u="none" baseline="0">
+              <a:rPr lang="pl-PL" b="0" i="0" u="none" baseline="0" dirty="0">
                 <a:solidFill>
                   <a:schemeClr val="bg1"/>
                 </a:solidFill>
@@ -29429,9 +30600,54 @@
                 <a:ea typeface="Courier" charset="0"/>
                 <a:cs typeface="Courier" charset="0"/>
               </a:rPr>
-              <a:t>import urllib.request, urllib.parse, urllib.error</a:t>
-            </a:r>
-            <a:endParaRPr lang="pl" sz="2200" dirty="0">
+              <a:t>import urllib.request</a:t>
+            </a:r>
+          </a:p>
+          <a:p>
+            <a:pPr algn="l" rtl="0"/>
+            <a:r>
+              <a:rPr lang="pl-PL" b="0" i="0" u="none" baseline="0" dirty="0">
+                <a:solidFill>
+                  <a:schemeClr val="bg1"/>
+                </a:solidFill>
+                <a:latin typeface="Courier" charset="0"/>
+                <a:ea typeface="Courier" charset="0"/>
+                <a:cs typeface="Courier" charset="0"/>
+              </a:rPr>
+              <a:t>import twurl</a:t>
+            </a:r>
+          </a:p>
+          <a:p>
+            <a:pPr algn="l" rtl="0"/>
+            <a:r>
+              <a:rPr lang="pl-PL" b="0" i="0" u="none" baseline="0" dirty="0">
+                <a:solidFill>
+                  <a:schemeClr val="bg1"/>
+                </a:solidFill>
+                <a:latin typeface="Courier" charset="0"/>
+                <a:ea typeface="Courier" charset="0"/>
+                <a:cs typeface="Courier" charset="0"/>
+              </a:rPr>
+              <a:t>import json</a:t>
+            </a:r>
+          </a:p>
+          <a:p>
+            <a:pPr algn="l" rtl="0"/>
+            <a:r>
+              <a:rPr lang="pl-PL" b="0" i="0" u="none" baseline="0" dirty="0">
+                <a:solidFill>
+                  <a:schemeClr val="bg1"/>
+                </a:solidFill>
+                <a:latin typeface="Courier" charset="0"/>
+                <a:ea typeface="Courier" charset="0"/>
+                <a:cs typeface="Courier" charset="0"/>
+              </a:rPr>
+              <a:t>import ssl</a:t>
+            </a:r>
+          </a:p>
+          <a:p>
+            <a:pPr algn="l" rtl="0"/>
+            <a:endParaRPr lang="pl-PL" b="0" i="0" u="none" baseline="0" dirty="0">
               <a:solidFill>
                 <a:schemeClr val="bg1"/>
               </a:solidFill>
@@ -29443,7 +30659,7 @@
           <a:p>
             <a:pPr algn="l" rtl="0"/>
             <a:r>
-              <a:rPr lang="pl" sz="2200" b="0" i="0" u="none" baseline="0">
+              <a:rPr lang="pl-PL" b="0" i="0" u="none" baseline="0" dirty="0">
                 <a:solidFill>
                   <a:schemeClr val="bg1"/>
                 </a:solidFill>
@@ -29451,9 +30667,26 @@
                 <a:ea typeface="Courier" charset="0"/>
                 <a:cs typeface="Courier" charset="0"/>
               </a:rPr>
-              <a:t>import twurl</a:t>
-            </a:r>
-            <a:endParaRPr lang="pl" sz="2200" dirty="0">
+              <a:t># https://developer.twitter.com/en/apps</a:t>
+            </a:r>
+          </a:p>
+          <a:p>
+            <a:pPr algn="l" rtl="0"/>
+            <a:r>
+              <a:rPr lang="pl-PL" b="0" i="0" u="none" baseline="0" dirty="0">
+                <a:solidFill>
+                  <a:schemeClr val="bg1"/>
+                </a:solidFill>
+                <a:latin typeface="Courier" charset="0"/>
+                <a:ea typeface="Courier" charset="0"/>
+                <a:cs typeface="Courier" charset="0"/>
+              </a:rPr>
+              <a:t># Utwórz aplikację i wstaw w hidden.py cztery ciągi znaków dotyczące OAuth</a:t>
+            </a:r>
+          </a:p>
+          <a:p>
+            <a:pPr algn="l" rtl="0"/>
+            <a:endParaRPr lang="pl-PL" b="0" i="0" u="none" baseline="0" dirty="0">
               <a:solidFill>
                 <a:schemeClr val="bg1"/>
               </a:solidFill>
@@ -29465,7 +30698,7 @@
           <a:p>
             <a:pPr algn="l" rtl="0"/>
             <a:r>
-              <a:rPr lang="pl" sz="2200" b="0" i="0" u="none" baseline="0">
+              <a:rPr lang="pl-PL" b="0" i="0" u="none" baseline="0" dirty="0">
                 <a:solidFill>
                   <a:schemeClr val="bg1"/>
                 </a:solidFill>
@@ -29473,9 +30706,12 @@
                 <a:ea typeface="Courier" charset="0"/>
                 <a:cs typeface="Courier" charset="0"/>
               </a:rPr>
-              <a:t>import json</a:t>
-            </a:r>
-            <a:endParaRPr lang="pl" sz="2200" dirty="0">
+              <a:t>TWITTER_URL = 'https://api.twitter.com/1.1/friends/list.json'</a:t>
+            </a:r>
+          </a:p>
+          <a:p>
+            <a:pPr algn="l" rtl="0"/>
+            <a:endParaRPr lang="pl-PL" b="0" i="0" u="none" baseline="0" dirty="0">
               <a:solidFill>
                 <a:schemeClr val="bg1"/>
               </a:solidFill>
@@ -29485,7 +30721,64 @@
             </a:endParaRPr>
           </a:p>
           <a:p>
-            <a:endParaRPr lang="pl" sz="2200" dirty="0">
+            <a:pPr algn="l" rtl="0"/>
+            <a:r>
+              <a:rPr lang="pl-PL" b="0" i="0" u="none" baseline="0" dirty="0">
+                <a:solidFill>
+                  <a:schemeClr val="bg1"/>
+                </a:solidFill>
+                <a:latin typeface="Courier" charset="0"/>
+                <a:ea typeface="Courier" charset="0"/>
+                <a:cs typeface="Courier" charset="0"/>
+              </a:rPr>
+              <a:t># Ignoruj błędy związane z certyfikatami SSL</a:t>
+            </a:r>
+          </a:p>
+          <a:p>
+            <a:pPr algn="l" rtl="0"/>
+            <a:r>
+              <a:rPr lang="pl-PL" b="0" i="0" u="none" baseline="0" dirty="0">
+                <a:solidFill>
+                  <a:schemeClr val="bg1"/>
+                </a:solidFill>
+                <a:latin typeface="Courier" charset="0"/>
+                <a:ea typeface="Courier" charset="0"/>
+                <a:cs typeface="Courier" charset="0"/>
+              </a:rPr>
+              <a:t>ctx = ssl.create_default_context()</a:t>
+            </a:r>
+          </a:p>
+          <a:p>
+            <a:pPr algn="l" rtl="0"/>
+            <a:r>
+              <a:rPr lang="pl-PL" b="0" i="0" u="none" baseline="0" dirty="0">
+                <a:solidFill>
+                  <a:schemeClr val="bg1"/>
+                </a:solidFill>
+                <a:latin typeface="Courier" charset="0"/>
+                <a:ea typeface="Courier" charset="0"/>
+                <a:cs typeface="Courier" charset="0"/>
+              </a:rPr>
+              <a:t>ctx.check_hostname = False</a:t>
+            </a:r>
+          </a:p>
+          <a:p>
+            <a:pPr algn="l" rtl="0"/>
+            <a:r>
+              <a:rPr lang="pl-PL" b="0" i="0" u="none" baseline="0" dirty="0">
+                <a:solidFill>
+                  <a:schemeClr val="bg1"/>
+                </a:solidFill>
+                <a:latin typeface="Courier" charset="0"/>
+                <a:ea typeface="Courier" charset="0"/>
+                <a:cs typeface="Courier" charset="0"/>
+              </a:rPr>
+              <a:t>ctx.verify_mode = ssl.CERT_NONE</a:t>
+            </a:r>
+          </a:p>
+          <a:p>
+            <a:pPr algn="l" rtl="0"/>
+            <a:endParaRPr lang="pl-PL" b="0" i="0" u="none" baseline="0" dirty="0">
               <a:solidFill>
                 <a:schemeClr val="bg1"/>
               </a:solidFill>
@@ -29497,7 +30790,7 @@
           <a:p>
             <a:pPr algn="l" rtl="0"/>
             <a:r>
-              <a:rPr lang="pl" sz="2200" b="0" i="0" u="none" baseline="0">
+              <a:rPr lang="pl-PL" b="0" i="0" u="none" baseline="0" dirty="0">
                 <a:solidFill>
                   <a:schemeClr val="bg1"/>
                 </a:solidFill>
@@ -29505,11 +30798,135 @@
                 <a:ea typeface="Courier" charset="0"/>
                 <a:cs typeface="Courier" charset="0"/>
               </a:rPr>
-              <a:t>TWITTER_URL = 'https://api.twitter.com/1.1/friends/list.json'</a:t>
-            </a:r>
-          </a:p>
-          <a:p>
-            <a:endParaRPr lang="pl" sz="2200" dirty="0">
+              <a:t>while True:</a:t>
+            </a:r>
+          </a:p>
+          <a:p>
+            <a:pPr algn="l" rtl="0"/>
+            <a:r>
+              <a:rPr lang="pl-PL" b="0" i="0" u="none" baseline="0" dirty="0">
+                <a:solidFill>
+                  <a:schemeClr val="bg1"/>
+                </a:solidFill>
+                <a:latin typeface="Courier" charset="0"/>
+                <a:ea typeface="Courier" charset="0"/>
+                <a:cs typeface="Courier" charset="0"/>
+              </a:rPr>
+              <a:t>    print('')</a:t>
+            </a:r>
+          </a:p>
+          <a:p>
+            <a:pPr algn="l" rtl="0"/>
+            <a:r>
+              <a:rPr lang="pl-PL" b="0" i="0" u="none" baseline="0" dirty="0">
+                <a:solidFill>
+                  <a:schemeClr val="bg1"/>
+                </a:solidFill>
+                <a:latin typeface="Courier" charset="0"/>
+                <a:ea typeface="Courier" charset="0"/>
+                <a:cs typeface="Courier" charset="0"/>
+              </a:rPr>
+              <a:t>    acct = input('Podaj nazwę konta na Twitterze: ')</a:t>
+            </a:r>
+          </a:p>
+          <a:p>
+            <a:pPr algn="l" rtl="0"/>
+            <a:r>
+              <a:rPr lang="pl-PL" b="0" i="0" u="none" baseline="0" dirty="0">
+                <a:solidFill>
+                  <a:schemeClr val="bg1"/>
+                </a:solidFill>
+                <a:latin typeface="Courier" charset="0"/>
+                <a:ea typeface="Courier" charset="0"/>
+                <a:cs typeface="Courier" charset="0"/>
+              </a:rPr>
+              <a:t>    if (len(acct) &lt; 1): break</a:t>
+            </a:r>
+          </a:p>
+          <a:p>
+            <a:pPr algn="l" rtl="0"/>
+            <a:r>
+              <a:rPr lang="pl-PL" b="0" i="0" u="none" baseline="0" dirty="0">
+                <a:solidFill>
+                  <a:schemeClr val="bg1"/>
+                </a:solidFill>
+                <a:latin typeface="Courier" charset="0"/>
+                <a:ea typeface="Courier" charset="0"/>
+                <a:cs typeface="Courier" charset="0"/>
+              </a:rPr>
+              <a:t>    </a:t>
+            </a:r>
+            <a:r>
+              <a:rPr lang="pl-PL" b="0" i="0" u="none" baseline="0" dirty="0">
+                <a:solidFill>
+                  <a:srgbClr val="00FA00"/>
+                </a:solidFill>
+                <a:latin typeface="Courier" charset="0"/>
+                <a:ea typeface="Courier" charset="0"/>
+                <a:cs typeface="Courier" charset="0"/>
+              </a:rPr>
+              <a:t>url = twurl.augment(TWITTER_URL,</a:t>
+            </a:r>
+          </a:p>
+          <a:p>
+            <a:pPr algn="l" rtl="0"/>
+            <a:r>
+              <a:rPr lang="pl-PL" b="0" i="0" u="none" baseline="0" dirty="0">
+                <a:solidFill>
+                  <a:srgbClr val="00FA00"/>
+                </a:solidFill>
+                <a:latin typeface="Courier" charset="0"/>
+                <a:ea typeface="Courier" charset="0"/>
+                <a:cs typeface="Courier" charset="0"/>
+              </a:rPr>
+              <a:t>                        {'screen_name': acct, 'count': '5'})</a:t>
+            </a:r>
+          </a:p>
+          <a:p>
+            <a:pPr algn="l" rtl="0"/>
+            <a:r>
+              <a:rPr lang="pl-PL" b="0" i="0" u="none" baseline="0" dirty="0">
+                <a:solidFill>
+                  <a:schemeClr val="bg1"/>
+                </a:solidFill>
+                <a:latin typeface="Courier" charset="0"/>
+                <a:ea typeface="Courier" charset="0"/>
+                <a:cs typeface="Courier" charset="0"/>
+              </a:rPr>
+              <a:t>    print('Pobieranie', url)</a:t>
+            </a:r>
+          </a:p>
+          <a:p>
+            <a:pPr algn="l" rtl="0"/>
+            <a:r>
+              <a:rPr lang="pl-PL" b="0" i="0" u="none" baseline="0" dirty="0">
+                <a:solidFill>
+                  <a:schemeClr val="bg1"/>
+                </a:solidFill>
+                <a:latin typeface="Courier" charset="0"/>
+                <a:ea typeface="Courier" charset="0"/>
+                <a:cs typeface="Courier" charset="0"/>
+              </a:rPr>
+              <a:t>    connection = urllib.request.urlopen(url, context=ctx)</a:t>
+            </a:r>
+          </a:p>
+          <a:p>
+            <a:pPr algn="l" rtl="0"/>
+            <a:r>
+              <a:rPr lang="pl-PL" b="0" i="0" u="none" baseline="0" dirty="0">
+                <a:solidFill>
+                  <a:schemeClr val="bg1"/>
+                </a:solidFill>
+                <a:latin typeface="Courier" charset="0"/>
+                <a:ea typeface="Courier" charset="0"/>
+                <a:cs typeface="Courier" charset="0"/>
+              </a:rPr>
+              <a:t>    data = connection.read().decode()</a:t>
+            </a:r>
+          </a:p>
+          <a:p>
+            <a:pPr algn="l" rtl="0"/>
+            <a:endParaRPr lang="pl-PL" b="0" i="0" u="none" baseline="0" dirty="0">
               <a:solidFill>
                 <a:schemeClr val="bg1"/>
               </a:solidFill>
@@ -29521,7 +30938,7 @@
           <a:p>
             <a:pPr algn="l" rtl="0"/>
             <a:r>
-              <a:rPr lang="pl" sz="2200" b="0" i="0" u="none" baseline="0">
+              <a:rPr lang="pl-PL" b="0" i="0" u="none" baseline="0" dirty="0">
                 <a:solidFill>
                   <a:schemeClr val="bg1"/>
                 </a:solidFill>
@@ -29529,13 +30946,13 @@
                 <a:ea typeface="Courier" charset="0"/>
                 <a:cs typeface="Courier" charset="0"/>
               </a:rPr>
-              <a:t>while True:</a:t>
+              <a:t>    js = json.loads(data)</a:t>
             </a:r>
           </a:p>
           <a:p>
             <a:pPr algn="l" rtl="0"/>
             <a:r>
-              <a:rPr lang="pl" sz="2200" b="0" i="0" u="none" baseline="0">
+              <a:rPr lang="pl-PL" b="0" i="0" u="none" baseline="0" dirty="0">
                 <a:solidFill>
                   <a:schemeClr val="bg1"/>
                 </a:solidFill>
@@ -29543,165 +30960,12 @@
                 <a:ea typeface="Courier" charset="0"/>
                 <a:cs typeface="Courier" charset="0"/>
               </a:rPr>
-              <a:t>    print('')</a:t>
+              <a:t>    print(json.dumps(js, indent=2))</a:t>
             </a:r>
           </a:p>
           <a:p>
             <a:pPr algn="l" rtl="0"/>
-            <a:r>
-              <a:rPr lang="pl" sz="2200" b="0" i="0" u="none" baseline="0">
-                <a:solidFill>
-                  <a:schemeClr val="bg1"/>
-                </a:solidFill>
-                <a:latin typeface="Courier" charset="0"/>
-                <a:ea typeface="Courier" charset="0"/>
-                <a:cs typeface="Courier" charset="0"/>
-              </a:rPr>
-              <a:t>    acct = input('Podaj nazwę konta na Twitterze:')</a:t>
-            </a:r>
-          </a:p>
-          <a:p>
-            <a:pPr algn="l" rtl="0"/>
-            <a:r>
-              <a:rPr lang="pl" sz="2200" b="0" i="0" u="none" baseline="0">
-                <a:solidFill>
-                  <a:schemeClr val="bg1"/>
-                </a:solidFill>
-                <a:latin typeface="Courier" charset="0"/>
-                <a:ea typeface="Courier" charset="0"/>
-                <a:cs typeface="Courier" charset="0"/>
-              </a:rPr>
-              <a:t>    if (len(acct) &lt; 1): break</a:t>
-            </a:r>
-          </a:p>
-          <a:p>
-            <a:pPr algn="l" rtl="0"/>
-            <a:r>
-              <a:rPr lang="pl" sz="2200" b="0" i="0" u="none" baseline="0">
-                <a:solidFill>
-                  <a:srgbClr val="00FA00"/>
-                </a:solidFill>
-                <a:latin typeface="Courier" charset="0"/>
-                <a:ea typeface="Courier" charset="0"/>
-                <a:cs typeface="Courier" charset="0"/>
-              </a:rPr>
-              <a:t>    url = twurl.augment(TWITTER_URL,</a:t>
-            </a:r>
-          </a:p>
-          <a:p>
-            <a:pPr algn="l" rtl="0"/>
-            <a:r>
-              <a:rPr lang="pl" sz="2200" b="0" i="0" u="none" baseline="0">
-                <a:solidFill>
-                  <a:srgbClr val="00FA00"/>
-                </a:solidFill>
-                <a:latin typeface="Courier" charset="0"/>
-                <a:ea typeface="Courier" charset="0"/>
-                <a:cs typeface="Courier" charset="0"/>
-              </a:rPr>
-              <a:t>                        {'screen_name': acct, 'count': '5'})</a:t>
-            </a:r>
-          </a:p>
-          <a:p>
-            <a:pPr algn="l" rtl="0"/>
-            <a:r>
-              <a:rPr lang="pl" sz="2200" b="0" i="0" u="none" baseline="0">
-                <a:solidFill>
-                  <a:schemeClr val="bg1"/>
-                </a:solidFill>
-                <a:latin typeface="Courier" charset="0"/>
-                <a:ea typeface="Courier" charset="0"/>
-                <a:cs typeface="Courier" charset="0"/>
-              </a:rPr>
-              <a:t>    print('Pobieranie', url)</a:t>
-            </a:r>
-          </a:p>
-          <a:p>
-            <a:pPr algn="l" rtl="0"/>
-            <a:r>
-              <a:rPr lang="pl" sz="2200" b="0" i="0" u="none" baseline="0">
-                <a:solidFill>
-                  <a:schemeClr val="bg1"/>
-                </a:solidFill>
-                <a:latin typeface="Courier" charset="0"/>
-                <a:ea typeface="Courier" charset="0"/>
-                <a:cs typeface="Courier" charset="0"/>
-              </a:rPr>
-              <a:t>    connection = urllib.request.urlopen(url)</a:t>
-            </a:r>
-          </a:p>
-          <a:p>
-            <a:pPr algn="l" rtl="0"/>
-            <a:r>
-              <a:rPr lang="pl" sz="2200" b="0" i="0" u="none" baseline="0">
-                <a:solidFill>
-                  <a:schemeClr val="bg1"/>
-                </a:solidFill>
-                <a:latin typeface="Courier" charset="0"/>
-                <a:ea typeface="Courier" charset="0"/>
-                <a:cs typeface="Courier" charset="0"/>
-              </a:rPr>
-              <a:t>    data = connection.read().decode()</a:t>
-            </a:r>
-          </a:p>
-          <a:p>
-            <a:pPr algn="l" rtl="0"/>
-            <a:r>
-              <a:rPr lang="pl" sz="2200" b="0" i="0" u="none" baseline="0">
-                <a:solidFill>
-                  <a:schemeClr val="bg1"/>
-                </a:solidFill>
-                <a:latin typeface="Courier" charset="0"/>
-                <a:ea typeface="Courier" charset="0"/>
-                <a:cs typeface="Courier" charset="0"/>
-              </a:rPr>
-              <a:t>    headers = dict(connection.getheaders())</a:t>
-            </a:r>
-          </a:p>
-          <a:p>
-            <a:pPr algn="l" rtl="0"/>
-            <a:r>
-              <a:rPr lang="pl" sz="2200" b="0" i="0" u="none" baseline="0">
-                <a:solidFill>
-                  <a:schemeClr val="bg1"/>
-                </a:solidFill>
-                <a:latin typeface="Courier" charset="0"/>
-                <a:ea typeface="Courier" charset="0"/>
-                <a:cs typeface="Courier" charset="0"/>
-              </a:rPr>
-              <a:t>    print('Pozostało', headers['x-rate-limit-remaining'])</a:t>
-            </a:r>
-          </a:p>
-          <a:p>
-            <a:pPr algn="l" rtl="0"/>
-            <a:r>
-              <a:rPr lang="pl" sz="2200" b="0" i="0" u="none" baseline="0">
-                <a:solidFill>
-                  <a:schemeClr val="bg1"/>
-                </a:solidFill>
-                <a:latin typeface="Courier" charset="0"/>
-                <a:ea typeface="Courier" charset="0"/>
-                <a:cs typeface="Courier" charset="0"/>
-              </a:rPr>
-              <a:t>    js = json.loads(data)</a:t>
-            </a:r>
-          </a:p>
-          <a:p>
-            <a:pPr algn="l" rtl="0"/>
-            <a:r>
-              <a:rPr lang="pl" sz="2200" b="0" i="0" u="none" baseline="0">
-                <a:solidFill>
-                  <a:schemeClr val="bg1"/>
-                </a:solidFill>
-                <a:latin typeface="Courier" charset="0"/>
-                <a:ea typeface="Courier" charset="0"/>
-                <a:cs typeface="Courier" charset="0"/>
-              </a:rPr>
-              <a:t>    print(json.dumps(js, indent=4))</a:t>
-            </a:r>
-          </a:p>
-          <a:p>
-            <a:endParaRPr lang="pl" sz="2200" dirty="0">
+            <a:endParaRPr lang="pl-PL" b="0" i="0" u="none" baseline="0" dirty="0">
               <a:solidFill>
                 <a:schemeClr val="bg1"/>
               </a:solidFill>
@@ -29713,7 +30977,7 @@
           <a:p>
             <a:pPr algn="l" rtl="0"/>
             <a:r>
-              <a:rPr lang="pl" sz="2200" b="0" i="0" u="none" baseline="0">
+              <a:rPr lang="pl-PL" b="0" i="0" u="none" baseline="0" dirty="0">
                 <a:solidFill>
                   <a:schemeClr val="bg1"/>
                 </a:solidFill>
@@ -29721,13 +30985,13 @@
                 <a:ea typeface="Courier" charset="0"/>
                 <a:cs typeface="Courier" charset="0"/>
               </a:rPr>
-              <a:t>    for u in js['users']:</a:t>
+              <a:t>    headers = dict(connection.getheaders())</a:t>
             </a:r>
           </a:p>
           <a:p>
             <a:pPr algn="l" rtl="0"/>
             <a:r>
-              <a:rPr lang="pl" sz="2200" b="0" i="0" u="none" baseline="0">
+              <a:rPr lang="pl-PL" b="0" i="0" u="none" baseline="0" dirty="0">
                 <a:solidFill>
                   <a:schemeClr val="bg1"/>
                 </a:solidFill>
@@ -29735,45 +30999,117 @@
                 <a:ea typeface="Courier" charset="0"/>
                 <a:cs typeface="Courier" charset="0"/>
               </a:rPr>
-              <a:t>        print(u['screen_name'])</a:t>
+              <a:t>    print('Pozostało', headers['x-rate-limit-remaining'])</a:t>
             </a:r>
           </a:p>
           <a:p>
             <a:pPr algn="l" rtl="0"/>
-            <a:r>
-              <a:rPr lang="pl" sz="2200" b="0" i="0" u="none" baseline="0">
-                <a:solidFill>
-                  <a:schemeClr val="bg1"/>
-                </a:solidFill>
-                <a:latin typeface="Courier" charset="0"/>
-                <a:ea typeface="Courier" charset="0"/>
-                <a:cs typeface="Courier" charset="0"/>
-              </a:rPr>
-              <a:t>        s = u['status']['text']</a:t>
-            </a:r>
-          </a:p>
-          <a:p>
-            <a:pPr algn="l" rtl="0"/>
-            <a:r>
-              <a:rPr lang="pl" sz="2200" b="0" i="0" u="none" baseline="0">
-                <a:solidFill>
-                  <a:schemeClr val="bg1"/>
-                </a:solidFill>
-                <a:latin typeface="Courier" charset="0"/>
-                <a:ea typeface="Courier" charset="0"/>
-                <a:cs typeface="Courier" charset="0"/>
-              </a:rPr>
-              <a:t>        print('  ', s[:50])</a:t>
-            </a:r>
-            <a:endParaRPr lang="pl" sz="2200" u="none" strike="noStrike" cap="none" dirty="0">
+            <a:endParaRPr lang="pl-PL" b="0" i="0" u="none" baseline="0" dirty="0">
               <a:solidFill>
                 <a:schemeClr val="bg1"/>
               </a:solidFill>
               <a:latin typeface="Courier" charset="0"/>
               <a:ea typeface="Courier" charset="0"/>
               <a:cs typeface="Courier" charset="0"/>
-              <a:sym typeface="Courier New"/>
             </a:endParaRPr>
+          </a:p>
+          <a:p>
+            <a:pPr algn="l" rtl="0"/>
+            <a:r>
+              <a:rPr lang="pl-PL" b="0" i="0" u="none" baseline="0" dirty="0">
+                <a:solidFill>
+                  <a:schemeClr val="bg1"/>
+                </a:solidFill>
+                <a:latin typeface="Courier" charset="0"/>
+                <a:ea typeface="Courier" charset="0"/>
+                <a:cs typeface="Courier" charset="0"/>
+              </a:rPr>
+              <a:t>    for u in js['users']:</a:t>
+            </a:r>
+          </a:p>
+          <a:p>
+            <a:pPr algn="l" rtl="0"/>
+            <a:r>
+              <a:rPr lang="pl-PL" b="0" i="0" u="none" baseline="0" dirty="0">
+                <a:solidFill>
+                  <a:schemeClr val="bg1"/>
+                </a:solidFill>
+                <a:latin typeface="Courier" charset="0"/>
+                <a:ea typeface="Courier" charset="0"/>
+                <a:cs typeface="Courier" charset="0"/>
+              </a:rPr>
+              <a:t>        print(u['screen_name'])</a:t>
+            </a:r>
+          </a:p>
+          <a:p>
+            <a:pPr algn="l" rtl="0"/>
+            <a:r>
+              <a:rPr lang="pl-PL" b="0" i="0" u="none" baseline="0" dirty="0">
+                <a:solidFill>
+                  <a:schemeClr val="bg1"/>
+                </a:solidFill>
+                <a:latin typeface="Courier" charset="0"/>
+                <a:ea typeface="Courier" charset="0"/>
+                <a:cs typeface="Courier" charset="0"/>
+              </a:rPr>
+              <a:t>        if 'status' not in u:</a:t>
+            </a:r>
+          </a:p>
+          <a:p>
+            <a:pPr algn="l" rtl="0"/>
+            <a:r>
+              <a:rPr lang="pl-PL" b="0" i="0" u="none" baseline="0" dirty="0">
+                <a:solidFill>
+                  <a:schemeClr val="bg1"/>
+                </a:solidFill>
+                <a:latin typeface="Courier" charset="0"/>
+                <a:ea typeface="Courier" charset="0"/>
+                <a:cs typeface="Courier" charset="0"/>
+              </a:rPr>
+              <a:t>            print('   * Nie odnaleziono klucza "status"')</a:t>
+            </a:r>
+          </a:p>
+          <a:p>
+            <a:pPr algn="l" rtl="0"/>
+            <a:r>
+              <a:rPr lang="pl-PL" b="0" i="0" u="none" baseline="0" dirty="0">
+                <a:solidFill>
+                  <a:schemeClr val="bg1"/>
+                </a:solidFill>
+                <a:latin typeface="Courier" charset="0"/>
+                <a:ea typeface="Courier" charset="0"/>
+                <a:cs typeface="Courier" charset="0"/>
+              </a:rPr>
+              <a:t>            continue</a:t>
+            </a:r>
+          </a:p>
+          <a:p>
+            <a:pPr algn="l" rtl="0"/>
+            <a:r>
+              <a:rPr lang="pl-PL" b="0" i="0" u="none" baseline="0" dirty="0">
+                <a:solidFill>
+                  <a:schemeClr val="bg1"/>
+                </a:solidFill>
+                <a:latin typeface="Courier" charset="0"/>
+                <a:ea typeface="Courier" charset="0"/>
+                <a:cs typeface="Courier" charset="0"/>
+              </a:rPr>
+              <a:t>        s = u['status']['text']</a:t>
+            </a:r>
+          </a:p>
+          <a:p>
+            <a:pPr algn="l" rtl="0"/>
+            <a:r>
+              <a:rPr lang="pl-PL" b="0" i="0" u="none" baseline="0" dirty="0">
+                <a:solidFill>
+                  <a:schemeClr val="bg1"/>
+                </a:solidFill>
+                <a:latin typeface="Courier" charset="0"/>
+                <a:ea typeface="Courier" charset="0"/>
+                <a:cs typeface="Courier" charset="0"/>
+              </a:rPr>
+              <a:t>        print('  ', s[:50])</a:t>
+            </a:r>
           </a:p>
         </p:txBody>
       </p:sp>
@@ -29902,7 +31238,7 @@
               <a:buNone/>
             </a:pPr>
             <a:r>
-              <a:rPr lang="pl" sz="1600" b="1" i="0" u="none" strike="noStrike" cap="none" baseline="0">
+              <a:rPr lang="pl-PL" b="1" i="0" u="none" strike="noStrike" cap="none" baseline="0" dirty="0">
                 <a:solidFill>
                   <a:schemeClr val="lt1"/>
                 </a:solidFill>
@@ -29911,38 +31247,29 @@
                 <a:cs typeface="Courier New"/>
                 <a:sym typeface="Courier New"/>
               </a:rPr>
-              <a:t>Podaj nazwę konta na Twitterze: drchuck</a:t>
-            </a:r>
-            <a:endParaRPr lang="pl" sz="1600" b="1" i="0" u="none" strike="noStrike" cap="none" dirty="0">
-              <a:solidFill>
+              <a:t>Podaj nazwę konta na Twitterze: drchuck</a:t>
+            </a:r>
+          </a:p>
+          <a:p>
+            <a:pPr marL="0" marR="0" lvl="0" indent="0" algn="l" rtl="0">
+              <a:lnSpc>
+                <a:spcPct val="100000"/>
+              </a:lnSpc>
+              <a:spcBef>
+                <a:spcPts val="0"/>
+              </a:spcBef>
+              <a:spcAft>
+                <a:spcPts val="0"/>
+              </a:spcAft>
+              <a:buClr>
                 <a:schemeClr val="lt1"/>
-              </a:solidFill>
-              <a:latin typeface="Courier New"/>
-              <a:ea typeface="Courier New"/>
-              <a:cs typeface="Courier New"/>
-              <a:sym typeface="Courier New"/>
-            </a:endParaRPr>
-          </a:p>
-          <a:p>
-            <a:pPr marL="0" marR="0" lvl="0" indent="0" algn="l" rtl="0">
-              <a:lnSpc>
-                <a:spcPct val="100000"/>
-              </a:lnSpc>
-              <a:spcBef>
-                <a:spcPts val="0"/>
-              </a:spcBef>
-              <a:spcAft>
-                <a:spcPts val="0"/>
-              </a:spcAft>
-              <a:buClr>
-                <a:schemeClr val="lt1"/>
               </a:buClr>
               <a:buSzPct val="25000"/>
               <a:buFont typeface="Courier New"/>
               <a:buNone/>
             </a:pPr>
             <a:r>
-              <a:rPr lang="pl" sz="1600" b="1" i="0" u="none" strike="noStrike" cap="none" baseline="0">
+              <a:rPr lang="pl-PL" b="1" i="0" u="none" strike="noStrike" cap="none" baseline="0" dirty="0">
                 <a:solidFill>
                   <a:schemeClr val="lt1"/>
                 </a:solidFill>
@@ -29951,7 +31278,7 @@
                 <a:cs typeface="Courier New"/>
                 <a:sym typeface="Courier New"/>
               </a:rPr>
-              <a:t>Pobieranie https://api.twitter.com/1.1/friends</a:t>
+              <a:t>Pobieranie https://api.twitter.com/1.1/friends ...</a:t>
             </a:r>
           </a:p>
           <a:p>
@@ -29973,7 +31300,7 @@
               <a:buNone/>
             </a:pPr>
             <a:r>
-              <a:rPr lang="pl" sz="1600" b="1" i="0" u="none" strike="noStrike" cap="none" baseline="0">
+              <a:rPr lang="pl-PL" b="1" i="0" u="none" strike="noStrike" cap="none" baseline="0" dirty="0">
                 <a:solidFill>
                   <a:schemeClr val="lt1"/>
                 </a:solidFill>
@@ -29982,7 +31309,7 @@
                 <a:cs typeface="Courier New"/>
                 <a:sym typeface="Courier New"/>
               </a:rPr>
-              <a:t>Pozostało 14</a:t>
+              <a:t>Pozostało 14</a:t>
             </a:r>
           </a:p>
           <a:p>
@@ -30004,7 +31331,7 @@
               <a:buNone/>
             </a:pPr>
             <a:r>
-              <a:rPr lang="pl" sz="1600" b="1" i="0" u="none" strike="noStrike" cap="none" baseline="0">
+              <a:rPr lang="pl-PL" b="1" i="0" u="none" strike="noStrike" cap="none" baseline="0" dirty="0">
                 <a:solidFill>
                   <a:schemeClr val="lt1"/>
                 </a:solidFill>
@@ -30035,7 +31362,7 @@
               <a:buNone/>
             </a:pPr>
             <a:r>
-              <a:rPr lang="pl" sz="1600" b="1" i="0" u="none" strike="noStrike" cap="none" baseline="0">
+              <a:rPr lang="pl-PL" b="1" i="0" u="none" strike="noStrike" cap="none" baseline="0" dirty="0">
                 <a:solidFill>
                   <a:schemeClr val="lt1"/>
                 </a:solidFill>
@@ -30044,7 +31371,7 @@
                 <a:cs typeface="Courier New"/>
                 <a:sym typeface="Courier New"/>
               </a:rPr>
-              <a:t>    "users": [</a:t>
+              <a:t>  "next_cursor": 1444171224491980205,</a:t>
             </a:r>
           </a:p>
           <a:p>
@@ -30066,7 +31393,7 @@
               <a:buNone/>
             </a:pPr>
             <a:r>
-              <a:rPr lang="pl" sz="1600" b="1" i="0" u="none" strike="noStrike" cap="none" baseline="0">
+              <a:rPr lang="pl-PL" b="1" i="0" u="none" strike="noStrike" cap="none" baseline="0" dirty="0">
                 <a:solidFill>
                   <a:schemeClr val="lt1"/>
                 </a:solidFill>
@@ -30075,7 +31402,7 @@
                 <a:cs typeface="Courier New"/>
                 <a:sym typeface="Courier New"/>
               </a:rPr>
-              <a:t>        {</a:t>
+              <a:t>  "users": [</a:t>
             </a:r>
           </a:p>
           <a:p>
@@ -30097,7 +31424,7 @@
               <a:buNone/>
             </a:pPr>
             <a:r>
-              <a:rPr lang="pl" sz="1600" b="1" i="0" u="none" strike="noStrike" cap="none" baseline="0">
+              <a:rPr lang="pl-PL" b="1" i="0" u="none" strike="noStrike" cap="none" baseline="0" dirty="0">
                 <a:solidFill>
                   <a:schemeClr val="lt1"/>
                 </a:solidFill>
@@ -30106,7 +31433,7 @@
                 <a:cs typeface="Courier New"/>
                 <a:sym typeface="Courier New"/>
               </a:rPr>
-              <a:t>            "status": {</a:t>
+              <a:t>    {</a:t>
             </a:r>
           </a:p>
           <a:p>
@@ -30128,7 +31455,7 @@
               <a:buNone/>
             </a:pPr>
             <a:r>
-              <a:rPr lang="pl" sz="1600" b="1" i="0" u="none" strike="noStrike" cap="none" baseline="0">
+              <a:rPr lang="pl-PL" b="1" i="0" u="none" strike="noStrike" cap="none" baseline="0" dirty="0">
                 <a:solidFill>
                   <a:schemeClr val="lt1"/>
                 </a:solidFill>
@@ -30137,7 +31464,7 @@
                 <a:cs typeface="Courier New"/>
                 <a:sym typeface="Courier New"/>
               </a:rPr>
-              <a:t>                "text": "@jazzychad I just bought one .__.",</a:t>
+              <a:t>      "id": 662433,</a:t>
             </a:r>
           </a:p>
           <a:p>
@@ -30159,7 +31486,7 @@
               <a:buNone/>
             </a:pPr>
             <a:r>
-              <a:rPr lang="pl" sz="1600" b="1" i="0" u="none" strike="noStrike" cap="none" baseline="0">
+              <a:rPr lang="pl-PL" b="1" i="0" u="none" strike="noStrike" cap="none" baseline="0" dirty="0">
                 <a:solidFill>
                   <a:schemeClr val="lt1"/>
                 </a:solidFill>
@@ -30168,7 +31495,7 @@
                 <a:cs typeface="Courier New"/>
                 <a:sym typeface="Courier New"/>
               </a:rPr>
-              <a:t>                 "created_at": "Fri Sep 20 08:36:34 +0000 2013",</a:t>
+              <a:t>      "followers_count": 28725,</a:t>
             </a:r>
           </a:p>
           <a:p>
@@ -30190,7 +31517,7 @@
               <a:buNone/>
             </a:pPr>
             <a:r>
-              <a:rPr lang="pl" sz="1600" b="1" i="0" u="none" strike="noStrike" cap="none" baseline="0">
+              <a:rPr lang="pl-PL" b="1" i="0" u="none" strike="noStrike" cap="none" baseline="0" dirty="0">
                 <a:solidFill>
                   <a:schemeClr val="lt1"/>
                 </a:solidFill>
@@ -30199,7 +31526,7 @@
                 <a:cs typeface="Courier New"/>
                 <a:sym typeface="Courier New"/>
               </a:rPr>
-              <a:t>             },</a:t>
+              <a:t>      "status": {</a:t>
             </a:r>
           </a:p>
           <a:p>
@@ -30221,7 +31548,7 @@
               <a:buNone/>
             </a:pPr>
             <a:r>
-              <a:rPr lang="pl" sz="1600" b="1" i="0" u="none" strike="noStrike" cap="none" baseline="0">
+              <a:rPr lang="pl-PL" b="1" i="0" u="none" strike="noStrike" cap="none" baseline="0" dirty="0">
                 <a:solidFill>
                   <a:schemeClr val="lt1"/>
                 </a:solidFill>
@@ -30230,7 +31557,7 @@
                 <a:cs typeface="Courier New"/>
                 <a:sym typeface="Courier New"/>
               </a:rPr>
-              <a:t>             "location": "San Francisco, California",</a:t>
+              <a:t>        "text": "@jazzychad I just bought one .__.",</a:t>
             </a:r>
           </a:p>
           <a:p>
@@ -30252,7 +31579,7 @@
               <a:buNone/>
             </a:pPr>
             <a:r>
-              <a:rPr lang="pl" sz="1600" b="1" i="0" u="none" strike="noStrike" cap="none" baseline="0">
+              <a:rPr lang="pl-PL" b="1" i="0" u="none" strike="noStrike" cap="none" baseline="0" dirty="0">
                 <a:solidFill>
                   <a:schemeClr val="lt1"/>
                 </a:solidFill>
@@ -30261,7 +31588,7 @@
                 <a:cs typeface="Courier New"/>
                 <a:sym typeface="Courier New"/>
               </a:rPr>
-              <a:t>             "screen_name": "leahculver",</a:t>
+              <a:t>        "created_at": "Fri Sep 20 08:36:34 +0000 2013",</a:t>
             </a:r>
           </a:p>
           <a:p>
@@ -30283,7 +31610,7 @@
               <a:buNone/>
             </a:pPr>
             <a:r>
-              <a:rPr lang="pl" sz="1600" b="1" i="0" u="none" strike="noStrike" cap="none" baseline="0">
+              <a:rPr lang="pl-PL" b="1" i="0" u="none" strike="noStrike" cap="none" baseline="0" dirty="0">
                 <a:solidFill>
                   <a:schemeClr val="lt1"/>
                 </a:solidFill>
@@ -30292,7 +31619,7 @@
                 <a:cs typeface="Courier New"/>
                 <a:sym typeface="Courier New"/>
               </a:rPr>
-              <a:t>             "name": "Leah Culver",</a:t>
+              <a:t>        "retweeted": false,</a:t>
             </a:r>
           </a:p>
           <a:p>
@@ -30314,7 +31641,7 @@
               <a:buNone/>
             </a:pPr>
             <a:r>
-              <a:rPr lang="pl" sz="1600" b="1" i="0" u="none" strike="noStrike" cap="none" baseline="0">
+              <a:rPr lang="pl-PL" b="1" i="0" u="none" strike="noStrike" cap="none" baseline="0" dirty="0">
                 <a:solidFill>
                   <a:schemeClr val="lt1"/>
                 </a:solidFill>
@@ -30323,7 +31650,7 @@
                 <a:cs typeface="Courier New"/>
                 <a:sym typeface="Courier New"/>
               </a:rPr>
-              <a:t>         },</a:t>
+              <a:t>      },</a:t>
             </a:r>
           </a:p>
           <a:p>
@@ -30345,7 +31672,7 @@
               <a:buNone/>
             </a:pPr>
             <a:r>
-              <a:rPr lang="pl" sz="1600" b="1" i="0" u="none" strike="noStrike" cap="none" baseline="0">
+              <a:rPr lang="pl-PL" b="1" i="0" u="none" strike="noStrike" cap="none" baseline="0" dirty="0">
                 <a:solidFill>
                   <a:schemeClr val="lt1"/>
                 </a:solidFill>
@@ -30354,7 +31681,7 @@
                 <a:cs typeface="Courier New"/>
                 <a:sym typeface="Courier New"/>
               </a:rPr>
-              <a:t>         {</a:t>
+              <a:t>      "location": "San Francisco, California",</a:t>
             </a:r>
           </a:p>
           <a:p>
@@ -30376,7 +31703,7 @@
               <a:buNone/>
             </a:pPr>
             <a:r>
-              <a:rPr lang="pl" sz="1600" b="1" i="0" u="none" strike="noStrike" cap="none" baseline="0">
+              <a:rPr lang="pl-PL" b="1" i="0" u="none" strike="noStrike" cap="none" baseline="0" dirty="0">
                 <a:solidFill>
                   <a:schemeClr val="lt1"/>
                 </a:solidFill>
@@ -30385,7 +31712,7 @@
                 <a:cs typeface="Courier New"/>
                 <a:sym typeface="Courier New"/>
               </a:rPr>
-              <a:t>            "status": {</a:t>
+              <a:t>      "screen_name": "leahculver",</a:t>
             </a:r>
           </a:p>
           <a:p>
@@ -30407,7 +31734,7 @@
               <a:buNone/>
             </a:pPr>
             <a:r>
-              <a:rPr lang="pl" sz="1600" b="1" i="0" u="none" strike="noStrike" cap="none" baseline="0">
+              <a:rPr lang="pl-PL" b="1" i="0" u="none" strike="noStrike" cap="none" baseline="0" dirty="0">
                 <a:solidFill>
                   <a:schemeClr val="lt1"/>
                 </a:solidFill>
@@ -30416,7 +31743,7 @@
                 <a:cs typeface="Courier New"/>
                 <a:sym typeface="Courier New"/>
               </a:rPr>
-              <a:t>                "text": "RT @WSJ: Big employers like Google ...",</a:t>
+              <a:t>      "name": "Leah Culver",</a:t>
             </a:r>
           </a:p>
           <a:p>
@@ -30438,7 +31765,7 @@
               <a:buNone/>
             </a:pPr>
             <a:r>
-              <a:rPr lang="pl" sz="1600" b="1" i="0" u="none" strike="noStrike" cap="none" baseline="0">
+              <a:rPr lang="pl-PL" b="1" i="0" u="none" strike="noStrike" cap="none" baseline="0" dirty="0">
                 <a:solidFill>
                   <a:schemeClr val="lt1"/>
                 </a:solidFill>
@@ -30447,7 +31774,7 @@
                 <a:cs typeface="Courier New"/>
                 <a:sym typeface="Courier New"/>
               </a:rPr>
-              <a:t>                 "created_at": "Sat Sep 28 19:36:37 +0000 2013",</a:t>
+              <a:t>    },</a:t>
             </a:r>
           </a:p>
           <a:p>
@@ -30469,7 +31796,7 @@
               <a:buNone/>
             </a:pPr>
             <a:r>
-              <a:rPr lang="pl" sz="1600" b="1" i="0" u="none" strike="noStrike" cap="none" baseline="0">
+              <a:rPr lang="pl-PL" b="1" i="0" u="none" strike="noStrike" cap="none" baseline="0" dirty="0">
                 <a:solidFill>
                   <a:schemeClr val="lt1"/>
                 </a:solidFill>
@@ -30478,7 +31805,7 @@
                 <a:cs typeface="Courier New"/>
                 <a:sym typeface="Courier New"/>
               </a:rPr>
-              <a:t>             },</a:t>
+              <a:t>    {</a:t>
             </a:r>
           </a:p>
           <a:p>
@@ -30500,7 +31827,7 @@
               <a:buNone/>
             </a:pPr>
             <a:r>
-              <a:rPr lang="pl" sz="1600" b="1" i="0" u="none" strike="noStrike" cap="none" baseline="0">
+              <a:rPr lang="pl-PL" b="1" i="0" u="none" strike="noStrike" cap="none" baseline="0" dirty="0">
                 <a:solidFill>
                   <a:schemeClr val="lt1"/>
                 </a:solidFill>
@@ -30509,7 +31836,7 @@
                 <a:cs typeface="Courier New"/>
                 <a:sym typeface="Courier New"/>
               </a:rPr>
-              <a:t>             "location": "Victoria Canada",</a:t>
+              <a:t>      "id": 40426722,</a:t>
             </a:r>
           </a:p>
           <a:p>
@@ -30531,7 +31858,7 @@
               <a:buNone/>
             </a:pPr>
             <a:r>
-              <a:rPr lang="pl" sz="1600" b="1" i="0" u="none" strike="noStrike" cap="none" baseline="0">
+              <a:rPr lang="pl-PL" b="1" i="0" u="none" strike="noStrike" cap="none" baseline="0" dirty="0">
                 <a:solidFill>
                   <a:schemeClr val="lt1"/>
                 </a:solidFill>
@@ -30540,7 +31867,7 @@
                 <a:cs typeface="Courier New"/>
                 <a:sym typeface="Courier New"/>
               </a:rPr>
-              <a:t>             "screen_name": "_valeriei",</a:t>
+              <a:t>      "followers_count": 2635,</a:t>
             </a:r>
           </a:p>
           <a:p>
@@ -30562,7 +31889,7 @@
               <a:buNone/>
             </a:pPr>
             <a:r>
-              <a:rPr lang="pl" sz="1600" b="1" i="0" u="none" strike="noStrike" cap="none" baseline="0">
+              <a:rPr lang="pl-PL" b="1" i="0" u="none" strike="noStrike" cap="none" baseline="0" dirty="0">
                 <a:solidFill>
                   <a:schemeClr val="lt1"/>
                 </a:solidFill>
@@ -30571,7 +31898,7 @@
                 <a:cs typeface="Courier New"/>
                 <a:sym typeface="Courier New"/>
               </a:rPr>
-              <a:t>             "name": "Valerie Irvine",</a:t>
+              <a:t>      "status": {</a:t>
             </a:r>
           </a:p>
           <a:p>
@@ -30593,7 +31920,7 @@
               <a:buNone/>
             </a:pPr>
             <a:r>
-              <a:rPr lang="pl" sz="1600" b="1" i="0" u="none" strike="noStrike" cap="none" baseline="0">
+              <a:rPr lang="pl-PL" b="1" i="0" u="none" strike="noStrike" cap="none" baseline="0" dirty="0">
                 <a:solidFill>
                   <a:schemeClr val="lt1"/>
                 </a:solidFill>
@@ -30602,7 +31929,7 @@
                 <a:cs typeface="Courier New"/>
                 <a:sym typeface="Courier New"/>
               </a:rPr>
-              <a:t>     ],</a:t>
+              <a:t>        "text": "RT @WSJ: Big employers like Google ...",</a:t>
             </a:r>
           </a:p>
           <a:p>
@@ -30624,7 +31951,7 @@
               <a:buNone/>
             </a:pPr>
             <a:r>
-              <a:rPr lang="pl" sz="1600" b="1" i="0" u="none" strike="noStrike" cap="none" baseline="0">
+              <a:rPr lang="pl-PL" b="1" i="0" u="none" strike="noStrike" cap="none" baseline="0" dirty="0">
                 <a:solidFill>
                   <a:schemeClr val="lt1"/>
                 </a:solidFill>
@@ -30633,7 +31960,7 @@
                 <a:cs typeface="Courier New"/>
                 <a:sym typeface="Courier New"/>
               </a:rPr>
-              <a:t>}</a:t>
+              <a:t>        "created_at": "Sat Sep 28 19:36:37 +0000 2013",</a:t>
             </a:r>
           </a:p>
           <a:p>
@@ -30655,7 +31982,7 @@
               <a:buNone/>
             </a:pPr>
             <a:r>
-              <a:rPr lang="pl" sz="1600" b="1" i="0" u="none" strike="noStrike" cap="none" baseline="0">
+              <a:rPr lang="pl-PL" b="1" i="0" u="none" strike="noStrike" cap="none" baseline="0" dirty="0">
                 <a:solidFill>
                   <a:schemeClr val="lt1"/>
                 </a:solidFill>
@@ -30664,38 +31991,29 @@
                 <a:cs typeface="Courier New"/>
                 <a:sym typeface="Courier New"/>
               </a:rPr>
-              <a:t>Leahculver</a:t>
-            </a:r>
-            <a:endParaRPr lang="pl" sz="1600" b="1" i="0" u="none" strike="noStrike" cap="none" dirty="0">
-              <a:solidFill>
+              <a:t>      },</a:t>
+            </a:r>
+          </a:p>
+          <a:p>
+            <a:pPr marL="0" marR="0" lvl="0" indent="0" algn="l" rtl="0">
+              <a:lnSpc>
+                <a:spcPct val="100000"/>
+              </a:lnSpc>
+              <a:spcBef>
+                <a:spcPts val="0"/>
+              </a:spcBef>
+              <a:spcAft>
+                <a:spcPts val="0"/>
+              </a:spcAft>
+              <a:buClr>
                 <a:schemeClr val="lt1"/>
-              </a:solidFill>
-              <a:latin typeface="Courier New"/>
-              <a:ea typeface="Courier New"/>
-              <a:cs typeface="Courier New"/>
-              <a:sym typeface="Courier New"/>
-            </a:endParaRPr>
-          </a:p>
-          <a:p>
-            <a:pPr marL="0" marR="0" lvl="0" indent="0" algn="l" rtl="0">
-              <a:lnSpc>
-                <a:spcPct val="100000"/>
-              </a:lnSpc>
-              <a:spcBef>
-                <a:spcPts val="0"/>
-              </a:spcBef>
-              <a:spcAft>
-                <a:spcPts val="0"/>
-              </a:spcAft>
-              <a:buClr>
-                <a:schemeClr val="lt1"/>
               </a:buClr>
               <a:buSzPct val="25000"/>
               <a:buFont typeface="Courier New"/>
               <a:buNone/>
             </a:pPr>
             <a:r>
-              <a:rPr lang="pl" sz="1600" b="1" i="0" u="none" strike="noStrike" cap="none" baseline="0">
+              <a:rPr lang="pl-PL" b="1" i="0" u="none" strike="noStrike" cap="none" baseline="0" dirty="0">
                 <a:solidFill>
                   <a:schemeClr val="lt1"/>
                 </a:solidFill>
@@ -30704,7 +32022,7 @@
                 <a:cs typeface="Courier New"/>
                 <a:sym typeface="Courier New"/>
               </a:rPr>
-              <a:t>   @jazzychad I just bought one .__._</a:t>
+              <a:t>      "location": "Victoria Canada",</a:t>
             </a:r>
           </a:p>
           <a:p>
@@ -30726,7 +32044,7 @@
               <a:buNone/>
             </a:pPr>
             <a:r>
-              <a:rPr lang="pl" sz="1600" b="1" i="0" u="none" strike="noStrike" cap="none" baseline="0">
+              <a:rPr lang="pl-PL" b="1" i="0" u="none" strike="noStrike" cap="none" baseline="0" dirty="0">
                 <a:solidFill>
                   <a:schemeClr val="lt1"/>
                 </a:solidFill>
@@ -30735,38 +32053,29 @@
                 <a:cs typeface="Courier New"/>
                 <a:sym typeface="Courier New"/>
               </a:rPr>
-              <a:t>Valeriei</a:t>
-            </a:r>
-            <a:endParaRPr lang="pl" sz="1600" b="1" i="0" u="none" strike="noStrike" cap="none" dirty="0">
-              <a:solidFill>
+              <a:t>      "screen_name": "_valeriei",</a:t>
+            </a:r>
+          </a:p>
+          <a:p>
+            <a:pPr marL="0" marR="0" lvl="0" indent="0" algn="l" rtl="0">
+              <a:lnSpc>
+                <a:spcPct val="100000"/>
+              </a:lnSpc>
+              <a:spcBef>
+                <a:spcPts val="0"/>
+              </a:spcBef>
+              <a:spcAft>
+                <a:spcPts val="0"/>
+              </a:spcAft>
+              <a:buClr>
                 <a:schemeClr val="lt1"/>
-              </a:solidFill>
-              <a:latin typeface="Courier New"/>
-              <a:ea typeface="Courier New"/>
-              <a:cs typeface="Courier New"/>
-              <a:sym typeface="Courier New"/>
-            </a:endParaRPr>
-          </a:p>
-          <a:p>
-            <a:pPr marL="0" marR="0" lvl="0" indent="0" algn="l" rtl="0">
-              <a:lnSpc>
-                <a:spcPct val="100000"/>
-              </a:lnSpc>
-              <a:spcBef>
-                <a:spcPts val="0"/>
-              </a:spcBef>
-              <a:spcAft>
-                <a:spcPts val="0"/>
-              </a:spcAft>
-              <a:buClr>
-                <a:schemeClr val="lt1"/>
               </a:buClr>
               <a:buSzPct val="25000"/>
               <a:buFont typeface="Courier New"/>
               <a:buNone/>
             </a:pPr>
             <a:r>
-              <a:rPr lang="pl" sz="1600" b="1" i="0" u="none" strike="noStrike" cap="none" baseline="0">
+              <a:rPr lang="pl-PL" b="1" i="0" u="none" strike="noStrike" cap="none" baseline="0" dirty="0">
                 <a:solidFill>
                   <a:schemeClr val="lt1"/>
                 </a:solidFill>
@@ -30775,7 +32084,7 @@
                 <a:cs typeface="Courier New"/>
                 <a:sym typeface="Courier New"/>
               </a:rPr>
-              <a:t>   RT @WSJ: Big employers like Google, AT&amp;amp;T are h</a:t>
+              <a:t>      "name": "Valerie Irvine",</a:t>
             </a:r>
           </a:p>
           <a:p>
@@ -30797,7 +32106,7 @@
               <a:buNone/>
             </a:pPr>
             <a:r>
-              <a:rPr lang="pl" sz="1600" b="1" i="0" u="none" strike="noStrike" cap="none" baseline="0">
+              <a:rPr lang="pl-PL" b="1" i="0" u="none" strike="noStrike" cap="none" baseline="0" dirty="0">
                 <a:solidFill>
                   <a:schemeClr val="lt1"/>
                 </a:solidFill>
@@ -30806,38 +32115,29 @@
                 <a:cs typeface="Courier New"/>
                 <a:sym typeface="Courier New"/>
               </a:rPr>
-              <a:t>Ericbollens</a:t>
-            </a:r>
-            <a:endParaRPr lang="pl" sz="1600" b="1" i="0" u="none" strike="noStrike" cap="none" dirty="0">
-              <a:solidFill>
+              <a:t>    }</a:t>
+            </a:r>
+          </a:p>
+          <a:p>
+            <a:pPr marL="0" marR="0" lvl="0" indent="0" algn="l" rtl="0">
+              <a:lnSpc>
+                <a:spcPct val="100000"/>
+              </a:lnSpc>
+              <a:spcBef>
+                <a:spcPts val="0"/>
+              </a:spcBef>
+              <a:spcAft>
+                <a:spcPts val="0"/>
+              </a:spcAft>
+              <a:buClr>
                 <a:schemeClr val="lt1"/>
-              </a:solidFill>
-              <a:latin typeface="Courier New"/>
-              <a:ea typeface="Courier New"/>
-              <a:cs typeface="Courier New"/>
-              <a:sym typeface="Courier New"/>
-            </a:endParaRPr>
-          </a:p>
-          <a:p>
-            <a:pPr marL="0" marR="0" lvl="0" indent="0" algn="l" rtl="0">
-              <a:lnSpc>
-                <a:spcPct val="100000"/>
-              </a:lnSpc>
-              <a:spcBef>
-                <a:spcPts val="0"/>
-              </a:spcBef>
-              <a:spcAft>
-                <a:spcPts val="0"/>
-              </a:spcAft>
-              <a:buClr>
-                <a:schemeClr val="lt1"/>
               </a:buClr>
               <a:buSzPct val="25000"/>
               <a:buFont typeface="Courier New"/>
               <a:buNone/>
             </a:pPr>
             <a:r>
-              <a:rPr lang="pl" sz="1600" b="1" i="0" u="none" strike="noStrike" cap="none" baseline="0">
+              <a:rPr lang="pl-PL" b="1" i="0" u="none" strike="noStrike" cap="none" baseline="0" dirty="0">
                 <a:solidFill>
                   <a:schemeClr val="lt1"/>
                 </a:solidFill>
@@ -30846,7 +32146,7 @@
                 <a:cs typeface="Courier New"/>
                 <a:sym typeface="Courier New"/>
               </a:rPr>
-              <a:t>   RT @lukew: sneak peek: my LONG take on the good &amp;a</a:t>
+              <a:t>  ],</a:t>
             </a:r>
           </a:p>
           <a:p>
@@ -30868,7 +32168,7 @@
               <a:buNone/>
             </a:pPr>
             <a:r>
-              <a:rPr lang="pl" sz="1600" b="1" i="0" u="none" strike="noStrike" cap="none" baseline="0">
+              <a:rPr lang="pl-PL" b="1" i="0" u="none" strike="noStrike" cap="none" baseline="0" dirty="0">
                 <a:solidFill>
                   <a:schemeClr val="lt1"/>
                 </a:solidFill>
@@ -30877,7 +32177,7 @@
                 <a:cs typeface="Courier New"/>
                 <a:sym typeface="Courier New"/>
               </a:rPr>
-              <a:t>halherzog </a:t>
+              <a:t> "next_cursor_str": "1444171224491980205"</a:t>
             </a:r>
           </a:p>
           <a:p>
@@ -30899,7 +32199,7 @@
               <a:buNone/>
             </a:pPr>
             <a:r>
-              <a:rPr lang="pl" sz="1600" b="1" i="0" u="none" strike="noStrike" cap="none" baseline="0">
+              <a:rPr lang="pl-PL" b="1" i="0" u="none" strike="noStrike" cap="none" baseline="0" dirty="0">
                 <a:solidFill>
                   <a:schemeClr val="lt1"/>
                 </a:solidFill>
@@ -30908,7 +32208,317 @@
                 <a:cs typeface="Courier New"/>
                 <a:sym typeface="Courier New"/>
               </a:rPr>
-              <a:t>  Learning Objects is 10. We had a cake with the LO,</a:t>
+              <a:t>}</a:t>
+            </a:r>
+          </a:p>
+          <a:p>
+            <a:pPr marL="0" marR="0" lvl="0" indent="0" algn="l" rtl="0">
+              <a:lnSpc>
+                <a:spcPct val="100000"/>
+              </a:lnSpc>
+              <a:spcBef>
+                <a:spcPts val="0"/>
+              </a:spcBef>
+              <a:spcAft>
+                <a:spcPts val="0"/>
+              </a:spcAft>
+              <a:buClr>
+                <a:schemeClr val="lt1"/>
+              </a:buClr>
+              <a:buSzPct val="25000"/>
+              <a:buFont typeface="Courier New"/>
+              <a:buNone/>
+            </a:pPr>
+            <a:r>
+              <a:rPr lang="pl-PL" b="1" i="0" u="none" strike="noStrike" cap="none" baseline="0" dirty="0">
+                <a:solidFill>
+                  <a:schemeClr val="lt1"/>
+                </a:solidFill>
+                <a:latin typeface="Courier New"/>
+                <a:ea typeface="Courier New"/>
+                <a:cs typeface="Courier New"/>
+                <a:sym typeface="Courier New"/>
+              </a:rPr>
+              <a:t>leahculver</a:t>
+            </a:r>
+          </a:p>
+          <a:p>
+            <a:pPr marL="0" marR="0" lvl="0" indent="0" algn="l" rtl="0">
+              <a:lnSpc>
+                <a:spcPct val="100000"/>
+              </a:lnSpc>
+              <a:spcBef>
+                <a:spcPts val="0"/>
+              </a:spcBef>
+              <a:spcAft>
+                <a:spcPts val="0"/>
+              </a:spcAft>
+              <a:buClr>
+                <a:schemeClr val="lt1"/>
+              </a:buClr>
+              <a:buSzPct val="25000"/>
+              <a:buFont typeface="Courier New"/>
+              <a:buNone/>
+            </a:pPr>
+            <a:r>
+              <a:rPr lang="pl-PL" b="1" i="0" u="none" strike="noStrike" cap="none" baseline="0" dirty="0">
+                <a:solidFill>
+                  <a:schemeClr val="lt1"/>
+                </a:solidFill>
+                <a:latin typeface="Courier New"/>
+                <a:ea typeface="Courier New"/>
+                <a:cs typeface="Courier New"/>
+                <a:sym typeface="Courier New"/>
+              </a:rPr>
+              <a:t>   @jazzychad I just bought one .__.</a:t>
+            </a:r>
+          </a:p>
+          <a:p>
+            <a:pPr marL="0" marR="0" lvl="0" indent="0" algn="l" rtl="0">
+              <a:lnSpc>
+                <a:spcPct val="100000"/>
+              </a:lnSpc>
+              <a:spcBef>
+                <a:spcPts val="0"/>
+              </a:spcBef>
+              <a:spcAft>
+                <a:spcPts val="0"/>
+              </a:spcAft>
+              <a:buClr>
+                <a:schemeClr val="lt1"/>
+              </a:buClr>
+              <a:buSzPct val="25000"/>
+              <a:buFont typeface="Courier New"/>
+              <a:buNone/>
+            </a:pPr>
+            <a:r>
+              <a:rPr lang="pl-PL" b="1" i="0" u="none" strike="noStrike" cap="none" baseline="0" dirty="0">
+                <a:solidFill>
+                  <a:schemeClr val="lt1"/>
+                </a:solidFill>
+                <a:latin typeface="Courier New"/>
+                <a:ea typeface="Courier New"/>
+                <a:cs typeface="Courier New"/>
+                <a:sym typeface="Courier New"/>
+              </a:rPr>
+              <a:t>_valeriei</a:t>
+            </a:r>
+          </a:p>
+          <a:p>
+            <a:pPr marL="0" marR="0" lvl="0" indent="0" algn="l" rtl="0">
+              <a:lnSpc>
+                <a:spcPct val="100000"/>
+              </a:lnSpc>
+              <a:spcBef>
+                <a:spcPts val="0"/>
+              </a:spcBef>
+              <a:spcAft>
+                <a:spcPts val="0"/>
+              </a:spcAft>
+              <a:buClr>
+                <a:schemeClr val="lt1"/>
+              </a:buClr>
+              <a:buSzPct val="25000"/>
+              <a:buFont typeface="Courier New"/>
+              <a:buNone/>
+            </a:pPr>
+            <a:r>
+              <a:rPr lang="pl-PL" b="1" i="0" u="none" strike="noStrike" cap="none" baseline="0" dirty="0">
+                <a:solidFill>
+                  <a:schemeClr val="lt1"/>
+                </a:solidFill>
+                <a:latin typeface="Courier New"/>
+                <a:ea typeface="Courier New"/>
+                <a:cs typeface="Courier New"/>
+                <a:sym typeface="Courier New"/>
+              </a:rPr>
+              <a:t>   RT @WSJ: Big employers like Google, AT&amp;amp;T are h</a:t>
+            </a:r>
+          </a:p>
+          <a:p>
+            <a:pPr marL="0" marR="0" lvl="0" indent="0" algn="l" rtl="0">
+              <a:lnSpc>
+                <a:spcPct val="100000"/>
+              </a:lnSpc>
+              <a:spcBef>
+                <a:spcPts val="0"/>
+              </a:spcBef>
+              <a:spcAft>
+                <a:spcPts val="0"/>
+              </a:spcAft>
+              <a:buClr>
+                <a:schemeClr val="lt1"/>
+              </a:buClr>
+              <a:buSzPct val="25000"/>
+              <a:buFont typeface="Courier New"/>
+              <a:buNone/>
+            </a:pPr>
+            <a:r>
+              <a:rPr lang="pl-PL" b="1" i="0" u="none" strike="noStrike" cap="none" baseline="0" dirty="0">
+                <a:solidFill>
+                  <a:schemeClr val="lt1"/>
+                </a:solidFill>
+                <a:latin typeface="Courier New"/>
+                <a:ea typeface="Courier New"/>
+                <a:cs typeface="Courier New"/>
+                <a:sym typeface="Courier New"/>
+              </a:rPr>
+              <a:t>ericbollens</a:t>
+            </a:r>
+          </a:p>
+          <a:p>
+            <a:pPr marL="0" marR="0" lvl="0" indent="0" algn="l" rtl="0">
+              <a:lnSpc>
+                <a:spcPct val="100000"/>
+              </a:lnSpc>
+              <a:spcBef>
+                <a:spcPts val="0"/>
+              </a:spcBef>
+              <a:spcAft>
+                <a:spcPts val="0"/>
+              </a:spcAft>
+              <a:buClr>
+                <a:schemeClr val="lt1"/>
+              </a:buClr>
+              <a:buSzPct val="25000"/>
+              <a:buFont typeface="Courier New"/>
+              <a:buNone/>
+            </a:pPr>
+            <a:r>
+              <a:rPr lang="pl-PL" b="1" i="0" u="none" strike="noStrike" cap="none" baseline="0" dirty="0">
+                <a:solidFill>
+                  <a:schemeClr val="lt1"/>
+                </a:solidFill>
+                <a:latin typeface="Courier New"/>
+                <a:ea typeface="Courier New"/>
+                <a:cs typeface="Courier New"/>
+                <a:sym typeface="Courier New"/>
+              </a:rPr>
+              <a:t>   RT @lukew: sneak peek: my LONG take on the good &amp;a</a:t>
+            </a:r>
+          </a:p>
+          <a:p>
+            <a:pPr marL="0" marR="0" lvl="0" indent="0" algn="l" rtl="0">
+              <a:lnSpc>
+                <a:spcPct val="100000"/>
+              </a:lnSpc>
+              <a:spcBef>
+                <a:spcPts val="0"/>
+              </a:spcBef>
+              <a:spcAft>
+                <a:spcPts val="0"/>
+              </a:spcAft>
+              <a:buClr>
+                <a:schemeClr val="lt1"/>
+              </a:buClr>
+              <a:buSzPct val="25000"/>
+              <a:buFont typeface="Courier New"/>
+              <a:buNone/>
+            </a:pPr>
+            <a:r>
+              <a:rPr lang="pl-PL" b="1" i="0" u="none" strike="noStrike" cap="none" baseline="0" dirty="0">
+                <a:solidFill>
+                  <a:schemeClr val="lt1"/>
+                </a:solidFill>
+                <a:latin typeface="Courier New"/>
+                <a:ea typeface="Courier New"/>
+                <a:cs typeface="Courier New"/>
+                <a:sym typeface="Courier New"/>
+              </a:rPr>
+              <a:t>halherzog</a:t>
+            </a:r>
+          </a:p>
+          <a:p>
+            <a:pPr marL="0" marR="0" lvl="0" indent="0" algn="l" rtl="0">
+              <a:lnSpc>
+                <a:spcPct val="100000"/>
+              </a:lnSpc>
+              <a:spcBef>
+                <a:spcPts val="0"/>
+              </a:spcBef>
+              <a:spcAft>
+                <a:spcPts val="0"/>
+              </a:spcAft>
+              <a:buClr>
+                <a:schemeClr val="lt1"/>
+              </a:buClr>
+              <a:buSzPct val="25000"/>
+              <a:buFont typeface="Courier New"/>
+              <a:buNone/>
+            </a:pPr>
+            <a:r>
+              <a:rPr lang="pl-PL" b="1" i="0" u="none" strike="noStrike" cap="none" baseline="0" dirty="0">
+                <a:solidFill>
+                  <a:schemeClr val="lt1"/>
+                </a:solidFill>
+                <a:latin typeface="Courier New"/>
+                <a:ea typeface="Courier New"/>
+                <a:cs typeface="Courier New"/>
+                <a:sym typeface="Courier New"/>
+              </a:rPr>
+              <a:t>   Learning Objects is 10. We had a cake with the LO,</a:t>
+            </a:r>
+          </a:p>
+          <a:p>
+            <a:pPr marL="0" marR="0" lvl="0" indent="0" algn="l" rtl="0">
+              <a:lnSpc>
+                <a:spcPct val="100000"/>
+              </a:lnSpc>
+              <a:spcBef>
+                <a:spcPts val="0"/>
+              </a:spcBef>
+              <a:spcAft>
+                <a:spcPts val="0"/>
+              </a:spcAft>
+              <a:buClr>
+                <a:schemeClr val="lt1"/>
+              </a:buClr>
+              <a:buSzPct val="25000"/>
+              <a:buFont typeface="Courier New"/>
+              <a:buNone/>
+            </a:pPr>
+            <a:r>
+              <a:rPr lang="pl-PL" b="1" i="0" u="none" strike="noStrike" cap="none" baseline="0" dirty="0">
+                <a:solidFill>
+                  <a:schemeClr val="lt1"/>
+                </a:solidFill>
+                <a:latin typeface="Courier New"/>
+                <a:ea typeface="Courier New"/>
+                <a:cs typeface="Courier New"/>
+                <a:sym typeface="Courier New"/>
+              </a:rPr>
+              <a:t>scweeker</a:t>
+            </a:r>
+          </a:p>
+          <a:p>
+            <a:pPr marL="0" marR="0" lvl="0" indent="0" algn="l" rtl="0">
+              <a:lnSpc>
+                <a:spcPct val="100000"/>
+              </a:lnSpc>
+              <a:spcBef>
+                <a:spcPts val="0"/>
+              </a:spcBef>
+              <a:spcAft>
+                <a:spcPts val="0"/>
+              </a:spcAft>
+              <a:buClr>
+                <a:schemeClr val="lt1"/>
+              </a:buClr>
+              <a:buSzPct val="25000"/>
+              <a:buFont typeface="Courier New"/>
+              <a:buNone/>
+            </a:pPr>
+            <a:r>
+              <a:rPr lang="pl-PL" b="1" i="0" u="none" strike="noStrike" cap="none" baseline="0" dirty="0">
+                <a:solidFill>
+                  <a:schemeClr val="lt1"/>
+                </a:solidFill>
+                <a:latin typeface="Courier New"/>
+                <a:ea typeface="Courier New"/>
+                <a:cs typeface="Courier New"/>
+                <a:sym typeface="Courier New"/>
+              </a:rPr>
+              <a:t>   @DeviceLabDC love it! Now where so I get that "etc</a:t>
             </a:r>
           </a:p>
         </p:txBody>
@@ -31738,29 +33348,32 @@
       </p:grpSpPr>
       <p:pic>
         <p:nvPicPr>
-          <p:cNvPr id="654" name="Shape 654"/>
-          <p:cNvPicPr preferRelativeResize="0"/>
+          <p:cNvPr id="5" name="Picture 4">
+            <a:extLst>
+              <a:ext uri="{FF2B5EF4-FFF2-40B4-BE49-F238E27FC236}">
+                <a16:creationId xmlns:a16="http://schemas.microsoft.com/office/drawing/2014/main" id="{60E32CCA-E670-4697-AD23-3674B675970B}"/>
+              </a:ext>
+            </a:extLst>
+          </p:cNvPr>
+          <p:cNvPicPr>
+            <a:picLocks noChangeAspect="1"/>
+          </p:cNvPicPr>
           <p:nvPr/>
         </p:nvPicPr>
-        <p:blipFill rotWithShape="1">
-          <a:blip r:embed="rId3">
-            <a:alphaModFix/>
-          </a:blip>
-          <a:srcRect/>
-          <a:stretch/>
+        <p:blipFill>
+          <a:blip r:embed="rId3"/>
+          <a:stretch>
+            <a:fillRect/>
+          </a:stretch>
         </p:blipFill>
         <p:spPr>
           <a:xfrm>
-            <a:off x="2863969" y="793631"/>
-            <a:ext cx="10817525" cy="7556740"/>
+            <a:off x="1093337" y="1142032"/>
+            <a:ext cx="14069326" cy="6859936"/>
           </a:xfrm>
           <a:prstGeom prst="rect">
             <a:avLst/>
           </a:prstGeom>
-          <a:noFill/>
-          <a:ln>
-            <a:noFill/>
-          </a:ln>
         </p:spPr>
       </p:pic>
     </p:spTree>
@@ -31790,29 +33403,32 @@
       </p:grpSpPr>
       <p:pic>
         <p:nvPicPr>
-          <p:cNvPr id="7" name="Shape 654"/>
-          <p:cNvPicPr preferRelativeResize="0"/>
+          <p:cNvPr id="6" name="Picture 5">
+            <a:extLst>
+              <a:ext uri="{FF2B5EF4-FFF2-40B4-BE49-F238E27FC236}">
+                <a16:creationId xmlns:a16="http://schemas.microsoft.com/office/drawing/2014/main" id="{A7C7869B-ABD3-40D5-B47F-8796DA92A530}"/>
+              </a:ext>
+            </a:extLst>
+          </p:cNvPr>
+          <p:cNvPicPr>
+            <a:picLocks noChangeAspect="1"/>
+          </p:cNvPicPr>
           <p:nvPr/>
         </p:nvPicPr>
-        <p:blipFill rotWithShape="1">
-          <a:blip r:embed="rId3">
-            <a:alphaModFix/>
-          </a:blip>
-          <a:srcRect/>
-          <a:stretch/>
+        <p:blipFill>
+          <a:blip r:embed="rId3"/>
+          <a:stretch>
+            <a:fillRect/>
+          </a:stretch>
         </p:blipFill>
         <p:spPr>
           <a:xfrm>
-            <a:off x="2863969" y="793631"/>
-            <a:ext cx="10817525" cy="7556740"/>
+            <a:off x="1093337" y="1142032"/>
+            <a:ext cx="14069326" cy="6859936"/>
           </a:xfrm>
           <a:prstGeom prst="rect">
             <a:avLst/>
           </a:prstGeom>
-          <a:noFill/>
-          <a:ln>
-            <a:noFill/>
-          </a:ln>
         </p:spPr>
       </p:pic>
       <p:sp>
@@ -31860,7 +33476,7 @@
               <a:buNone/>
             </a:pPr>
             <a:r>
-              <a:rPr lang="pl" sz="3600" b="0" i="0" u="none" strike="noStrike" cap="none" baseline="0">
+              <a:rPr lang="pl" sz="3600" b="0" i="0" u="none" strike="noStrike" cap="none" baseline="0" dirty="0">
                 <a:solidFill>
                   <a:schemeClr val="lt1"/>
                 </a:solidFill>
@@ -31891,7 +33507,7 @@
               <a:buNone/>
             </a:pPr>
             <a:r>
-              <a:rPr lang="pl" sz="3600" b="0" i="0" u="none" strike="noStrike" cap="none" baseline="0">
+              <a:rPr lang="pl" sz="3600" b="0" i="0" u="none" strike="noStrike" cap="none" baseline="0" dirty="0">
                 <a:solidFill>
                   <a:schemeClr val="lt1"/>
                 </a:solidFill>
@@ -31922,7 +33538,7 @@
               <a:buNone/>
             </a:pPr>
             <a:r>
-              <a:rPr lang="pl" sz="3600" b="0" i="0" u="none" strike="noStrike" cap="none" baseline="0">
+              <a:rPr lang="pl" sz="3600" b="0" i="0" u="none" strike="noStrike" cap="none" baseline="0" dirty="0">
                 <a:solidFill>
                   <a:schemeClr val="lt1"/>
                 </a:solidFill>
@@ -31953,7 +33569,7 @@
               <a:buNone/>
             </a:pPr>
             <a:r>
-              <a:rPr lang="pl" sz="3600" b="0" i="0" u="none" strike="noStrike" cap="none" baseline="0">
+              <a:rPr lang="pl" sz="3600" b="0" i="0" u="none" strike="noStrike" cap="none" baseline="0" dirty="0">
                 <a:solidFill>
                   <a:schemeClr val="lt1"/>
                 </a:solidFill>
@@ -31984,7 +33600,7 @@
               <a:buNone/>
             </a:pPr>
             <a:r>
-              <a:rPr lang="pl" sz="3600" b="0" i="0" u="none" strike="noStrike" cap="none" baseline="0">
+              <a:rPr lang="pl" sz="3600" b="0" i="0" u="none" strike="noStrike" cap="none" baseline="0" dirty="0">
                 <a:solidFill>
                   <a:schemeClr val="lt1"/>
                 </a:solidFill>
@@ -32080,23 +33696,22 @@
           <a:chExt cx="0" cy="0"/>
         </a:xfrm>
       </p:grpSpPr>
-      <p:pic>
-        <p:nvPicPr>
-          <p:cNvPr id="666" name="Shape 666"/>
-          <p:cNvPicPr preferRelativeResize="0"/>
+      <p:sp>
+        <p:nvSpPr>
+          <p:cNvPr id="3" name="Shape 610">
+            <a:extLst>
+              <a:ext uri="{FF2B5EF4-FFF2-40B4-BE49-F238E27FC236}">
+                <a16:creationId xmlns:a16="http://schemas.microsoft.com/office/drawing/2014/main" id="{03E5A166-3B21-425F-848B-60BE0025B2BD}"/>
+              </a:ext>
+            </a:extLst>
+          </p:cNvPr>
+          <p:cNvSpPr txBox="1"/>
           <p:nvPr/>
-        </p:nvPicPr>
-        <p:blipFill rotWithShape="1">
-          <a:blip r:embed="rId3">
-            <a:alphaModFix/>
-          </a:blip>
-          <a:srcRect/>
-          <a:stretch/>
-        </p:blipFill>
+        </p:nvSpPr>
         <p:spPr>
           <a:xfrm>
-            <a:off x="2898475" y="810883"/>
-            <a:ext cx="10386204" cy="7539488"/>
+            <a:off x="329062" y="8345439"/>
+            <a:ext cx="15597876" cy="622199"/>
           </a:xfrm>
           <a:prstGeom prst="rect">
             <a:avLst/>
@@ -32105,6 +33720,83 @@
           <a:ln>
             <a:noFill/>
           </a:ln>
+        </p:spPr>
+        <p:txBody>
+          <a:bodyPr lIns="0" tIns="0" rIns="0" bIns="0" anchor="ctr" anchorCtr="0">
+            <a:noAutofit/>
+          </a:bodyPr>
+          <a:lstStyle/>
+          <a:p>
+            <a:pPr marL="0" marR="0" lvl="0" indent="0" algn="ctr" rtl="0">
+              <a:lnSpc>
+                <a:spcPct val="100000"/>
+              </a:lnSpc>
+              <a:spcBef>
+                <a:spcPts val="0"/>
+              </a:spcBef>
+              <a:spcAft>
+                <a:spcPts val="0"/>
+              </a:spcAft>
+              <a:buClr>
+                <a:srgbClr val="FFFF00"/>
+              </a:buClr>
+              <a:buSzPct val="25000"/>
+              <a:buFont typeface="Cabin"/>
+              <a:buNone/>
+            </a:pPr>
+            <a:r>
+              <a:rPr lang="pl-PL" sz="3200" b="0" i="0" u="none" strike="noStrike" cap="none" baseline="0" dirty="0">
+                <a:solidFill>
+                  <a:srgbClr val="FFFF00"/>
+                </a:solidFill>
+                <a:latin typeface="Courier"/>
+                <a:ea typeface="Arial" charset="0"/>
+                <a:cs typeface="Courier"/>
+                <a:sym typeface="Cabin"/>
+                <a:hlinkClick r:id="rId3"/>
+              </a:rPr>
+              <a:t>https://developer.twitter.com/en/docs/authentication/oauth-1-0a</a:t>
+            </a:r>
+            <a:endParaRPr lang="pl" sz="3200" u="none" strike="noStrike" cap="none" dirty="0">
+              <a:solidFill>
+                <a:srgbClr val="FFFF00"/>
+              </a:solidFill>
+              <a:latin typeface="Courier"/>
+              <a:ea typeface="Arial" charset="0"/>
+              <a:cs typeface="Courier"/>
+              <a:sym typeface="Cabin"/>
+            </a:endParaRPr>
+          </a:p>
+        </p:txBody>
+      </p:sp>
+      <p:pic>
+        <p:nvPicPr>
+          <p:cNvPr id="4" name="Picture 3">
+            <a:extLst>
+              <a:ext uri="{FF2B5EF4-FFF2-40B4-BE49-F238E27FC236}">
+                <a16:creationId xmlns:a16="http://schemas.microsoft.com/office/drawing/2014/main" id="{B3B5D174-E7A7-4151-8B69-92BF43E28255}"/>
+              </a:ext>
+            </a:extLst>
+          </p:cNvPr>
+          <p:cNvPicPr>
+            <a:picLocks noChangeAspect="1"/>
+          </p:cNvPicPr>
+          <p:nvPr/>
+        </p:nvPicPr>
+        <p:blipFill>
+          <a:blip r:embed="rId4"/>
+          <a:stretch>
+            <a:fillRect/>
+          </a:stretch>
+        </p:blipFill>
+        <p:spPr>
+          <a:xfrm>
+            <a:off x="1884907" y="762730"/>
+            <a:ext cx="12486186" cy="7236404"/>
+          </a:xfrm>
+          <a:prstGeom prst="rect">
+            <a:avLst/>
+          </a:prstGeom>
         </p:spPr>
       </p:pic>
     </p:spTree>
@@ -32175,7 +33867,7 @@
               <a:buNone/>
             </a:pPr>
             <a:r>
-              <a:rPr lang="pl" sz="2200" b="0" i="0" u="none" strike="noStrike" cap="none" baseline="0">
+              <a:rPr lang="pl-PL" sz="1800" b="0" i="0" u="none" strike="noStrike" cap="none" baseline="0" dirty="0">
                 <a:solidFill>
                   <a:schemeClr val="lt1"/>
                 </a:solidFill>
@@ -32184,9 +33876,90 @@
                 <a:cs typeface="Courier"/>
                 <a:sym typeface="Courier New"/>
               </a:rPr>
-              <a:t>import urllib</a:t>
-            </a:r>
-            <a:endParaRPr lang="pl" sz="2200" i="0" u="none" strike="noStrike" cap="none" dirty="0">
+              <a:t>import urllib.request</a:t>
+            </a:r>
+          </a:p>
+          <a:p>
+            <a:pPr marL="0" marR="0" lvl="0" indent="0" algn="l" rtl="0">
+              <a:lnSpc>
+                <a:spcPct val="100000"/>
+              </a:lnSpc>
+              <a:spcBef>
+                <a:spcPts val="0"/>
+              </a:spcBef>
+              <a:spcAft>
+                <a:spcPts val="0"/>
+              </a:spcAft>
+              <a:buClr>
+                <a:schemeClr val="lt1"/>
+              </a:buClr>
+              <a:buSzPct val="25000"/>
+              <a:buFont typeface="Courier New"/>
+              <a:buNone/>
+            </a:pPr>
+            <a:r>
+              <a:rPr lang="pl-PL" sz="1800" b="0" i="0" u="none" strike="noStrike" cap="none" baseline="0" dirty="0">
+                <a:solidFill>
+                  <a:schemeClr val="lt1"/>
+                </a:solidFill>
+                <a:latin typeface="Courier"/>
+                <a:ea typeface="Courier New"/>
+                <a:cs typeface="Courier"/>
+                <a:sym typeface="Courier New"/>
+              </a:rPr>
+              <a:t>import oauth</a:t>
+            </a:r>
+          </a:p>
+          <a:p>
+            <a:pPr marL="0" marR="0" lvl="0" indent="0" algn="l" rtl="0">
+              <a:lnSpc>
+                <a:spcPct val="100000"/>
+              </a:lnSpc>
+              <a:spcBef>
+                <a:spcPts val="0"/>
+              </a:spcBef>
+              <a:spcAft>
+                <a:spcPts val="0"/>
+              </a:spcAft>
+              <a:buClr>
+                <a:schemeClr val="lt1"/>
+              </a:buClr>
+              <a:buSzPct val="25000"/>
+              <a:buFont typeface="Courier New"/>
+              <a:buNone/>
+            </a:pPr>
+            <a:r>
+              <a:rPr lang="pl-PL" sz="1800" b="0" i="0" u="none" strike="noStrike" cap="none" baseline="0" dirty="0">
+                <a:solidFill>
+                  <a:schemeClr val="lt1"/>
+                </a:solidFill>
+                <a:latin typeface="Courier"/>
+                <a:ea typeface="Courier New"/>
+                <a:cs typeface="Courier"/>
+                <a:sym typeface="Courier New"/>
+              </a:rPr>
+              <a:t>import hidden</a:t>
+            </a:r>
+          </a:p>
+          <a:p>
+            <a:pPr marL="0" marR="0" lvl="0" indent="0" algn="l" rtl="0">
+              <a:lnSpc>
+                <a:spcPct val="100000"/>
+              </a:lnSpc>
+              <a:spcBef>
+                <a:spcPts val="0"/>
+              </a:spcBef>
+              <a:spcAft>
+                <a:spcPts val="0"/>
+              </a:spcAft>
+              <a:buClr>
+                <a:schemeClr val="lt1"/>
+              </a:buClr>
+              <a:buSzPct val="25000"/>
+              <a:buFont typeface="Courier New"/>
+              <a:buNone/>
+            </a:pPr>
+            <a:endParaRPr lang="pl-PL" sz="1800" b="0" i="0" u="none" strike="noStrike" cap="none" baseline="0" dirty="0">
               <a:solidFill>
                 <a:schemeClr val="lt1"/>
               </a:solidFill>
@@ -32215,7 +33988,7 @@
               <a:buNone/>
             </a:pPr>
             <a:r>
-              <a:rPr lang="pl" sz="2200" b="0" i="0" u="none" strike="noStrike" cap="none" baseline="0">
+              <a:rPr lang="pl-PL" sz="1800" b="0" i="0" u="none" strike="noStrike" cap="none" baseline="0" dirty="0">
                 <a:solidFill>
                   <a:schemeClr val="lt1"/>
                 </a:solidFill>
@@ -32224,9 +33997,59 @@
                 <a:cs typeface="Courier"/>
                 <a:sym typeface="Courier New"/>
               </a:rPr>
-              <a:t>import oauth</a:t>
-            </a:r>
-            <a:endParaRPr lang="pl" sz="2200" i="0" u="none" strike="noStrike" cap="none" dirty="0">
+              <a:t># https://developer.twitter.com/en/apps</a:t>
+            </a:r>
+          </a:p>
+          <a:p>
+            <a:pPr marL="0" marR="0" lvl="0" indent="0" algn="l" rtl="0">
+              <a:lnSpc>
+                <a:spcPct val="100000"/>
+              </a:lnSpc>
+              <a:spcBef>
+                <a:spcPts val="0"/>
+              </a:spcBef>
+              <a:spcAft>
+                <a:spcPts val="0"/>
+              </a:spcAft>
+              <a:buClr>
+                <a:schemeClr val="lt1"/>
+              </a:buClr>
+              <a:buSzPct val="25000"/>
+              <a:buFont typeface="Courier New"/>
+              <a:buNone/>
+            </a:pPr>
+            <a:r>
+              <a:rPr lang="pl-PL" sz="1800" b="0" i="0" u="none" strike="noStrike" cap="none" baseline="0" dirty="0">
+                <a:solidFill>
+                  <a:schemeClr val="lt1"/>
+                </a:solidFill>
+                <a:latin typeface="Courier"/>
+                <a:ea typeface="Courier New"/>
+                <a:cs typeface="Courier"/>
+                <a:sym typeface="Courier New"/>
+              </a:rPr>
+              <a:t># Utwórz aplikację i wstaw w hidden.py cztery ciągi znaków dotyczące OAuth</a:t>
+            </a:r>
+          </a:p>
+          <a:p>
+            <a:pPr marL="0" marR="0" lvl="0" indent="0" algn="l" rtl="0">
+              <a:lnSpc>
+                <a:spcPct val="100000"/>
+              </a:lnSpc>
+              <a:spcBef>
+                <a:spcPts val="0"/>
+              </a:spcBef>
+              <a:spcAft>
+                <a:spcPts val="0"/>
+              </a:spcAft>
+              <a:buClr>
+                <a:schemeClr val="lt1"/>
+              </a:buClr>
+              <a:buSzPct val="25000"/>
+              <a:buFont typeface="Courier New"/>
+              <a:buNone/>
+            </a:pPr>
+            <a:endParaRPr lang="pl-PL" sz="1800" b="0" i="0" u="none" strike="noStrike" cap="none" baseline="0" dirty="0">
               <a:solidFill>
                 <a:schemeClr val="lt1"/>
               </a:solidFill>
@@ -32255,7 +34078,7 @@
               <a:buNone/>
             </a:pPr>
             <a:r>
-              <a:rPr lang="pl" sz="2200" b="0" i="0" u="none" strike="noStrike" cap="none" baseline="0">
+              <a:rPr lang="pl-PL" sz="1800" b="0" i="0" u="none" strike="noStrike" cap="none" baseline="0" dirty="0">
                 <a:solidFill>
                   <a:schemeClr val="lt1"/>
                 </a:solidFill>
@@ -32264,23 +34087,152 @@
                 <a:cs typeface="Courier"/>
                 <a:sym typeface="Courier New"/>
               </a:rPr>
-              <a:t>import hidden</a:t>
-            </a:r>
-          </a:p>
-          <a:p>
-            <a:pPr marL="0" marR="0" lvl="0" indent="0" algn="ctr" rtl="0">
-              <a:lnSpc>
-                <a:spcPct val="100000"/>
-              </a:lnSpc>
-              <a:spcBef>
-                <a:spcPts val="0"/>
-              </a:spcBef>
-              <a:spcAft>
-                <a:spcPts val="0"/>
-              </a:spcAft>
-              <a:buNone/>
-            </a:pPr>
-            <a:endParaRPr sz="2200" i="0" u="none" strike="noStrike" cap="none" dirty="0">
+              <a:t>def augment(url, parameters):</a:t>
+            </a:r>
+          </a:p>
+          <a:p>
+            <a:pPr marL="0" marR="0" lvl="0" indent="0" algn="l" rtl="0">
+              <a:lnSpc>
+                <a:spcPct val="100000"/>
+              </a:lnSpc>
+              <a:spcBef>
+                <a:spcPts val="0"/>
+              </a:spcBef>
+              <a:spcAft>
+                <a:spcPts val="0"/>
+              </a:spcAft>
+              <a:buClr>
+                <a:schemeClr val="lt1"/>
+              </a:buClr>
+              <a:buSzPct val="25000"/>
+              <a:buFont typeface="Courier New"/>
+              <a:buNone/>
+            </a:pPr>
+            <a:r>
+              <a:rPr lang="pl-PL" sz="1800" b="0" i="0" u="none" strike="noStrike" cap="none" baseline="0" dirty="0">
+                <a:solidFill>
+                  <a:schemeClr val="lt1"/>
+                </a:solidFill>
+                <a:latin typeface="Courier"/>
+                <a:ea typeface="Courier New"/>
+                <a:cs typeface="Courier"/>
+                <a:sym typeface="Courier New"/>
+              </a:rPr>
+              <a:t>    secrets = hidden.oauth()</a:t>
+            </a:r>
+          </a:p>
+          <a:p>
+            <a:pPr marL="0" marR="0" lvl="0" indent="0" algn="l" rtl="0">
+              <a:lnSpc>
+                <a:spcPct val="100000"/>
+              </a:lnSpc>
+              <a:spcBef>
+                <a:spcPts val="0"/>
+              </a:spcBef>
+              <a:spcAft>
+                <a:spcPts val="0"/>
+              </a:spcAft>
+              <a:buClr>
+                <a:schemeClr val="lt1"/>
+              </a:buClr>
+              <a:buSzPct val="25000"/>
+              <a:buFont typeface="Courier New"/>
+              <a:buNone/>
+            </a:pPr>
+            <a:r>
+              <a:rPr lang="pl-PL" sz="1800" b="0" i="0" u="none" strike="noStrike" cap="none" baseline="0" dirty="0">
+                <a:solidFill>
+                  <a:schemeClr val="lt1"/>
+                </a:solidFill>
+                <a:latin typeface="Courier"/>
+                <a:ea typeface="Courier New"/>
+                <a:cs typeface="Courier"/>
+                <a:sym typeface="Courier New"/>
+              </a:rPr>
+              <a:t>    consumer = oauth.OAuthConsumer(secrets['consumer_key'],</a:t>
+            </a:r>
+          </a:p>
+          <a:p>
+            <a:pPr marL="0" marR="0" lvl="0" indent="0" algn="l" rtl="0">
+              <a:lnSpc>
+                <a:spcPct val="100000"/>
+              </a:lnSpc>
+              <a:spcBef>
+                <a:spcPts val="0"/>
+              </a:spcBef>
+              <a:spcAft>
+                <a:spcPts val="0"/>
+              </a:spcAft>
+              <a:buClr>
+                <a:schemeClr val="lt1"/>
+              </a:buClr>
+              <a:buSzPct val="25000"/>
+              <a:buFont typeface="Courier New"/>
+              <a:buNone/>
+            </a:pPr>
+            <a:r>
+              <a:rPr lang="pl-PL" sz="1800" b="0" i="0" u="none" strike="noStrike" cap="none" baseline="0" dirty="0">
+                <a:solidFill>
+                  <a:schemeClr val="lt1"/>
+                </a:solidFill>
+                <a:latin typeface="Courier"/>
+                <a:ea typeface="Courier New"/>
+                <a:cs typeface="Courier"/>
+                <a:sym typeface="Courier New"/>
+              </a:rPr>
+              <a:t>                                   secrets['consumer_secret'])</a:t>
+            </a:r>
+          </a:p>
+          <a:p>
+            <a:pPr marL="0" marR="0" lvl="0" indent="0" algn="l" rtl="0">
+              <a:lnSpc>
+                <a:spcPct val="100000"/>
+              </a:lnSpc>
+              <a:spcBef>
+                <a:spcPts val="0"/>
+              </a:spcBef>
+              <a:spcAft>
+                <a:spcPts val="0"/>
+              </a:spcAft>
+              <a:buClr>
+                <a:schemeClr val="lt1"/>
+              </a:buClr>
+              <a:buSzPct val="25000"/>
+              <a:buFont typeface="Courier New"/>
+              <a:buNone/>
+            </a:pPr>
+            <a:r>
+              <a:rPr lang="pl-PL" sz="1800" b="0" i="0" u="none" strike="noStrike" cap="none" baseline="0" dirty="0">
+                <a:solidFill>
+                  <a:schemeClr val="lt1"/>
+                </a:solidFill>
+                <a:latin typeface="Courier"/>
+                <a:ea typeface="Courier New"/>
+                <a:cs typeface="Courier"/>
+                <a:sym typeface="Courier New"/>
+              </a:rPr>
+              <a:t>    token = oauth.OAuthToken(secrets['token_key'], secrets['token_secret'])</a:t>
+            </a:r>
+          </a:p>
+          <a:p>
+            <a:pPr marL="0" marR="0" lvl="0" indent="0" algn="l" rtl="0">
+              <a:lnSpc>
+                <a:spcPct val="100000"/>
+              </a:lnSpc>
+              <a:spcBef>
+                <a:spcPts val="0"/>
+              </a:spcBef>
+              <a:spcAft>
+                <a:spcPts val="0"/>
+              </a:spcAft>
+              <a:buClr>
+                <a:schemeClr val="lt1"/>
+              </a:buClr>
+              <a:buSzPct val="25000"/>
+              <a:buFont typeface="Courier New"/>
+              <a:buNone/>
+            </a:pPr>
+            <a:endParaRPr lang="pl-PL" sz="1800" b="0" i="0" u="none" strike="noStrike" cap="none" baseline="0" dirty="0">
               <a:solidFill>
                 <a:schemeClr val="lt1"/>
               </a:solidFill>
@@ -32309,7 +34261,7 @@
               <a:buNone/>
             </a:pPr>
             <a:r>
-              <a:rPr lang="pl" sz="2200" b="0" i="0" u="none" strike="noStrike" cap="none" baseline="0">
+              <a:rPr lang="pl-PL" sz="1800" b="0" i="0" u="none" strike="noStrike" cap="none" baseline="0" dirty="0">
                 <a:solidFill>
                   <a:schemeClr val="lt1"/>
                 </a:solidFill>
@@ -32318,7 +34270,7 @@
                 <a:cs typeface="Courier"/>
                 <a:sym typeface="Courier New"/>
               </a:rPr>
-              <a:t>def augment(url, parameters) :</a:t>
+              <a:t>    oauth_request = oauth.OAuthRequest.from_consumer_and_token(consumer,</a:t>
             </a:r>
           </a:p>
           <a:p>
@@ -32340,7 +34292,7 @@
               <a:buNone/>
             </a:pPr>
             <a:r>
-              <a:rPr lang="pl" sz="2200" b="0" i="0" u="none" strike="noStrike" cap="none" baseline="0">
+              <a:rPr lang="pl-PL" sz="1800" b="0" i="0" u="none" strike="noStrike" cap="none" baseline="0" dirty="0">
                 <a:solidFill>
                   <a:schemeClr val="lt1"/>
                 </a:solidFill>
@@ -32349,7 +34301,7 @@
                 <a:cs typeface="Courier"/>
                 <a:sym typeface="Courier New"/>
               </a:rPr>
-              <a:t>    secrets = hidden.oauth()</a:t>
+              <a:t>                    token=token, http_method='GET', http_url=url,</a:t>
             </a:r>
           </a:p>
           <a:p>
@@ -32371,7 +34323,7 @@
               <a:buNone/>
             </a:pPr>
             <a:r>
-              <a:rPr lang="pl" sz="2200" b="0" i="0" u="none" strike="noStrike" cap="none" baseline="0">
+              <a:rPr lang="pl-PL" sz="1800" b="0" i="0" u="none" strike="noStrike" cap="none" baseline="0" dirty="0">
                 <a:solidFill>
                   <a:schemeClr val="lt1"/>
                 </a:solidFill>
@@ -32380,7 +34332,7 @@
                 <a:cs typeface="Courier"/>
                 <a:sym typeface="Courier New"/>
               </a:rPr>
-              <a:t>    consumer = oauth.OAuthConsumer(secrets['consumer_key'], secrets['consumer_secret'])</a:t>
+              <a:t>                    parameters=parameters)</a:t>
             </a:r>
           </a:p>
           <a:p>
@@ -32402,7 +34354,7 @@
               <a:buNone/>
             </a:pPr>
             <a:r>
-              <a:rPr lang="pl" sz="2200" b="0" i="0" u="none" strike="noStrike" cap="none" baseline="0">
+              <a:rPr lang="pl-PL" sz="1800" b="0" i="0" u="none" strike="noStrike" cap="none" baseline="0" dirty="0">
                 <a:solidFill>
                   <a:schemeClr val="lt1"/>
                 </a:solidFill>
@@ -32411,7 +34363,7 @@
                 <a:cs typeface="Courier"/>
                 <a:sym typeface="Courier New"/>
               </a:rPr>
-              <a:t>    token = oauth.OAuthToken(secrets['token_key'],secrets['token_secret'])</a:t>
+              <a:t>    oauth_request.sign_request(oauth.OAuthSignatureMethod_HMAC_SHA1(),</a:t>
             </a:r>
           </a:p>
           <a:p>
@@ -32433,7 +34385,7 @@
               <a:buNone/>
             </a:pPr>
             <a:r>
-              <a:rPr lang="pl" sz="2200" b="0" i="0" u="none" strike="noStrike" cap="none" baseline="0">
+              <a:rPr lang="pl-PL" sz="1800" b="0" i="0" u="none" strike="noStrike" cap="none" baseline="0" dirty="0">
                 <a:solidFill>
                   <a:schemeClr val="lt1"/>
                 </a:solidFill>
@@ -32442,7 +34394,7 @@
                 <a:cs typeface="Courier"/>
                 <a:sym typeface="Courier New"/>
               </a:rPr>
-              <a:t>    oauth_request = oauth.OAuthRequest.from_consumer_and_token(consumer,</a:t>
+              <a:t>                               consumer, token)</a:t>
             </a:r>
           </a:p>
           <a:p>
@@ -32464,7 +34416,7 @@
               <a:buNone/>
             </a:pPr>
             <a:r>
-              <a:rPr lang="pl" sz="2200" b="0" i="0" u="none" strike="noStrike" cap="none" baseline="0">
+              <a:rPr lang="pl-PL" sz="1800" b="0" i="0" u="none" strike="noStrike" cap="none" baseline="0" dirty="0">
                 <a:solidFill>
                   <a:schemeClr val="lt1"/>
                 </a:solidFill>
@@ -32473,70 +34425,17 @@
                 <a:cs typeface="Courier"/>
                 <a:sym typeface="Courier New"/>
               </a:rPr>
-              <a:t>         token=token, http_method='GET', http_url=url, parameters=parameters)</a:t>
-            </a:r>
-          </a:p>
-          <a:p>
-            <a:pPr marL="0" marR="0" lvl="0" indent="0" algn="l" rtl="0">
-              <a:lnSpc>
-                <a:spcPct val="100000"/>
-              </a:lnSpc>
-              <a:spcBef>
-                <a:spcPts val="0"/>
-              </a:spcBef>
-              <a:spcAft>
-                <a:spcPts val="0"/>
-              </a:spcAft>
-              <a:buClr>
+              <a:t>    return oauth_request.to_url()</a:t>
+            </a:r>
+            <a:endParaRPr lang="pl" sz="1800" b="0" i="0" u="none" strike="noStrike" cap="none" baseline="0" dirty="0">
+              <a:solidFill>
                 <a:schemeClr val="lt1"/>
-              </a:buClr>
-              <a:buSzPct val="25000"/>
-              <a:buFont typeface="Courier New"/>
-              <a:buNone/>
-            </a:pPr>
-            <a:r>
-              <a:rPr lang="pl" sz="2200" b="0" i="0" u="none" strike="noStrike" cap="none" baseline="0">
-                <a:solidFill>
-                  <a:schemeClr val="lt1"/>
-                </a:solidFill>
-                <a:latin typeface="Courier"/>
-                <a:ea typeface="Courier New"/>
-                <a:cs typeface="Courier"/>
-                <a:sym typeface="Courier New"/>
-              </a:rPr>
-              <a:t>    oauth_request.sign_request(oauth.OAuthSignatureMethod_HMAC_SHA1(), consumer, token)</a:t>
-            </a:r>
-          </a:p>
-          <a:p>
-            <a:pPr marL="0" marR="0" lvl="0" indent="0" algn="l" rtl="0">
-              <a:lnSpc>
-                <a:spcPct val="100000"/>
-              </a:lnSpc>
-              <a:spcBef>
-                <a:spcPts val="0"/>
-              </a:spcBef>
-              <a:spcAft>
-                <a:spcPts val="0"/>
-              </a:spcAft>
-              <a:buClr>
-                <a:schemeClr val="lt1"/>
-              </a:buClr>
-              <a:buSzPct val="25000"/>
-              <a:buFont typeface="Courier New"/>
-              <a:buNone/>
-            </a:pPr>
-            <a:r>
-              <a:rPr lang="pl" sz="2200" b="0" i="0" u="none" strike="noStrike" cap="none" baseline="0">
-                <a:solidFill>
-                  <a:schemeClr val="lt1"/>
-                </a:solidFill>
-                <a:latin typeface="Courier"/>
-                <a:ea typeface="Courier New"/>
-                <a:cs typeface="Courier"/>
-                <a:sym typeface="Courier New"/>
-              </a:rPr>
-              <a:t>    return oauth_request.to_url()</a:t>
-            </a:r>
+              </a:solidFill>
+              <a:latin typeface="Courier"/>
+              <a:ea typeface="Courier New"/>
+              <a:cs typeface="Courier"/>
+              <a:sym typeface="Courier New"/>
+            </a:endParaRPr>
           </a:p>
         </p:txBody>
       </p:sp>
@@ -32614,7 +34513,7 @@
         </p:nvSpPr>
         <p:spPr>
           <a:xfrm>
-            <a:off x="863600" y="5698346"/>
+            <a:off x="863600" y="6640042"/>
             <a:ext cx="14517687" cy="2387600"/>
           </a:xfrm>
           <a:prstGeom prst="rect">
@@ -32649,7 +34548,7 @@
               <a:buNone/>
             </a:pPr>
             <a:r>
-              <a:rPr lang="pl" sz="3000" b="0" i="0" u="none" strike="noStrike" cap="none" baseline="0">
+              <a:rPr lang="pl" sz="3000" b="0" i="0" u="none" strike="noStrike" cap="none" baseline="0" dirty="0">
                 <a:solidFill>
                   <a:srgbClr val="FF00FF"/>
                 </a:solidFill>
@@ -32661,7 +34560,7 @@
               <a:t>https://api.twitter.com/1.1/statuses/user_timeline.json?count=2</a:t>
             </a:r>
             <a:r>
-              <a:rPr lang="pl" sz="3000" b="0" i="0" u="none" strike="noStrike" cap="none" baseline="0">
+              <a:rPr lang="pl" sz="3000" b="0" i="0" u="none" strike="noStrike" cap="none" baseline="0" dirty="0">
                 <a:solidFill>
                   <a:srgbClr val="00FF00"/>
                 </a:solidFill>
@@ -32673,7 +34572,7 @@
               <a:t>&amp;oauth_version=1.0&amp;oauth_token=101...SGI</a:t>
             </a:r>
             <a:r>
-              <a:rPr lang="pl" sz="3000" b="0" i="0" u="none" strike="noStrike" cap="none" baseline="0">
+              <a:rPr lang="pl" sz="3000" b="0" i="0" u="none" strike="noStrike" cap="none" baseline="0" dirty="0">
                 <a:solidFill>
                   <a:srgbClr val="FF00FF"/>
                 </a:solidFill>
@@ -32685,7 +34584,7 @@
               <a:t>&amp;screen_name=drchuck</a:t>
             </a:r>
             <a:r>
-              <a:rPr lang="pl" sz="3000" b="0" i="0" u="none" strike="noStrike" cap="none" baseline="0">
+              <a:rPr lang="pl" sz="3000" b="0" i="0" u="none" strike="noStrike" cap="none" baseline="0" dirty="0">
                 <a:solidFill>
                   <a:srgbClr val="00FF00"/>
                 </a:solidFill>
@@ -33247,8 +35146,85 @@
                   <a:srgbClr val="FFFFFF"/>
                 </a:solidFill>
               </a:rPr>
-              <a:t>Autorstwo pierwszej wersji: Charles Severance, University of Michigan School of Information</a:t>
-            </a:r>
+              <a:t>Autorstwo pierwszej wersji: Charles Severance, </a:t>
+            </a:r>
+            <a:br>
+              <a:rPr lang="en-US" sz="1800" b="0" i="0" u="none" baseline="0" dirty="0">
+                <a:solidFill>
+                  <a:srgbClr val="FFFFFF"/>
+                </a:solidFill>
+              </a:rPr>
+            </a:br>
+            <a:r>
+              <a:rPr lang="pl" sz="1800" b="0" i="0" u="none" baseline="0" dirty="0">
+                <a:solidFill>
+                  <a:srgbClr val="FFFFFF"/>
+                </a:solidFill>
+              </a:rPr>
+              <a:t>University of Michigan School of Information</a:t>
+            </a:r>
+            <a:endParaRPr lang="en-US" sz="1800" b="0" i="0" u="none" baseline="0" dirty="0">
+              <a:solidFill>
+                <a:srgbClr val="FFFFFF"/>
+              </a:solidFill>
+            </a:endParaRPr>
+          </a:p>
+          <a:p>
+            <a:pPr lvl="0" algn="l" rtl="0">
+              <a:spcBef>
+                <a:spcPts val="0"/>
+              </a:spcBef>
+              <a:buNone/>
+            </a:pPr>
+            <a:endParaRPr lang="en-US" sz="1800" dirty="0">
+              <a:solidFill>
+                <a:srgbClr val="FFFFFF"/>
+              </a:solidFill>
+            </a:endParaRPr>
+          </a:p>
+          <a:p>
+            <a:pPr lvl="0" algn="l" rtl="0">
+              <a:spcBef>
+                <a:spcPts val="0"/>
+              </a:spcBef>
+              <a:buNone/>
+            </a:pPr>
+            <a:r>
+              <a:rPr lang="pl-PL" sz="1800" dirty="0">
+                <a:solidFill>
+                  <a:srgbClr val="FFFFFF"/>
+                </a:solidFill>
+              </a:rPr>
+              <a:t>Polska wersja powstała z inicjatywy Wydziału Matematyki </a:t>
+            </a:r>
+            <a:br>
+              <a:rPr lang="en-US" sz="1800" dirty="0">
+                <a:solidFill>
+                  <a:srgbClr val="FFFFFF"/>
+                </a:solidFill>
+              </a:rPr>
+            </a:br>
+            <a:r>
+              <a:rPr lang="pl-PL" sz="1800" dirty="0">
+                <a:solidFill>
+                  <a:srgbClr val="FFFFFF"/>
+                </a:solidFill>
+              </a:rPr>
+              <a:t>i Informatyki Uniwersytetu im. </a:t>
+            </a:r>
+            <a:r>
+              <a:rPr lang="pl-PL" sz="1800">
+                <a:solidFill>
+                  <a:srgbClr val="FFFFFF"/>
+                </a:solidFill>
+              </a:rPr>
+              <a:t>Adama Mickiewicza w Poznaniu</a:t>
+            </a:r>
+            <a:endParaRPr lang="pl" sz="1800" b="0" i="0" u="none" baseline="0" dirty="0">
+              <a:solidFill>
+                <a:srgbClr val="FFFFFF"/>
+              </a:solidFill>
+            </a:endParaRPr>
           </a:p>
           <a:p>
             <a:pPr lvl="0" algn="l" rtl="0">
@@ -33276,23 +35252,7 @@
                   <a:srgbClr val="FFFFFF"/>
                 </a:solidFill>
               </a:rPr>
-              <a:t>Tłumaczenie</a:t>
-            </a:r>
-            <a:r>
-              <a:rPr lang="pl" sz="1800" b="0" i="0" u="none" baseline="0">
-                <a:solidFill>
-                  <a:srgbClr val="FFFFFF"/>
-                </a:solidFill>
-              </a:rPr>
-              <a:t>: Agata i Krzysztof Wierzbiccy</a:t>
-            </a:r>
-            <a:r>
-              <a:rPr lang="pl" sz="1800" b="0" i="0" u="none" baseline="0" dirty="0">
-                <a:solidFill>
-                  <a:srgbClr val="FFFFFF"/>
-                </a:solidFill>
-              </a:rPr>
-              <a:t>, EnglishT.eu </a:t>
+              <a:t>Tłumaczenie: Agata i Krzysztof Wierzbiccy, EnglishT.eu </a:t>
             </a:r>
           </a:p>
           <a:p>
@@ -33508,7 +35468,7 @@
               <a:buNone/>
             </a:pPr>
             <a:r>
-              <a:rPr lang="pl" sz="3000" b="0" i="0" u="sng" strike="noStrike" cap="none" baseline="0">
+              <a:rPr lang="pl-PL" sz="3000" b="0" i="0" u="sng" strike="noStrike" cap="none" baseline="0" dirty="0">
                 <a:solidFill>
                   <a:srgbClr val="FFFF00"/>
                 </a:solidFill>
@@ -33518,8 +35478,18 @@
                 <a:sym typeface="Cabin"/>
                 <a:hlinkClick r:id="rId3"/>
               </a:rPr>
-              <a:t>http://en.wikipedia.org/wiki/XML</a:t>
-            </a:r>
+              <a:t>https://pl.wikipedia.org/wiki/XML</a:t>
+            </a:r>
+            <a:endParaRPr lang="pl" sz="3000" b="0" i="0" u="sng" strike="noStrike" cap="none" baseline="0" dirty="0">
+              <a:solidFill>
+                <a:srgbClr val="FFFF00"/>
+              </a:solidFill>
+              <a:latin typeface="Arial" charset="0"/>
+              <a:ea typeface="Arial" charset="0"/>
+              <a:cs typeface="Arial" charset="0"/>
+              <a:sym typeface="Cabin"/>
+              <a:hlinkClick r:id="rId4"/>
+            </a:endParaRPr>
           </a:p>
         </p:txBody>
       </p:sp>
@@ -34368,7 +36338,7 @@
               <a:buNone/>
             </a:pPr>
             <a:r>
-              <a:rPr lang="pl" sz="3000" b="0" i="0" u="sng" strike="noStrike" cap="none" baseline="0">
+              <a:rPr lang="pl-PL" sz="3000" b="0" i="0" u="sng" strike="noStrike" cap="none" baseline="0" dirty="0">
                 <a:solidFill>
                   <a:srgbClr val="FFFF00"/>
                 </a:solidFill>
@@ -34378,8 +36348,18 @@
                 <a:sym typeface="Cabin"/>
                 <a:hlinkClick r:id="rId3"/>
               </a:rPr>
-              <a:t>http://en.wikipedia.org/wiki/XML</a:t>
-            </a:r>
+              <a:t>https://pl.wikipedia.org/wiki/XML</a:t>
+            </a:r>
+            <a:endParaRPr lang="pl" sz="3000" b="0" i="0" u="sng" strike="noStrike" cap="none" baseline="0" dirty="0">
+              <a:solidFill>
+                <a:srgbClr val="FFFF00"/>
+              </a:solidFill>
+              <a:latin typeface="Arial" charset="0"/>
+              <a:ea typeface="Arial" charset="0"/>
+              <a:cs typeface="Arial" charset="0"/>
+              <a:sym typeface="Cabin"/>
+              <a:hlinkClick r:id="rId4"/>
+            </a:endParaRPr>
           </a:p>
         </p:txBody>
       </p:sp>
@@ -34659,7 +36639,7 @@
         <p:spPr>
           <a:xfrm>
             <a:off x="8332774" y="3136900"/>
-            <a:ext cx="6394799" cy="4635599"/>
+            <a:ext cx="7239322" cy="4635599"/>
           </a:xfrm>
           <a:prstGeom prst="rect">
             <a:avLst/>
@@ -34693,7 +36673,7 @@
               <a:buNone/>
             </a:pPr>
             <a:r>
-              <a:rPr lang="pl" sz="4400" b="0" i="0" u="none" strike="noStrike" cap="none" baseline="0">
+              <a:rPr lang="pl" sz="4400" b="0" i="0" u="none" strike="noStrike" cap="none" baseline="0" dirty="0">
                 <a:solidFill>
                   <a:srgbClr val="00FF00"/>
                 </a:solidFill>
@@ -34724,7 +36704,7 @@
               <a:buNone/>
             </a:pPr>
             <a:r>
-              <a:rPr lang="pl" sz="4400" b="0" i="0" u="none" strike="noStrike" cap="none" baseline="0">
+              <a:rPr lang="pl" sz="4400" b="0" i="0" u="none" strike="noStrike" cap="none" baseline="0" dirty="0">
                 <a:solidFill>
                   <a:schemeClr val="lt1"/>
                 </a:solidFill>
@@ -34736,7 +36716,7 @@
               <a:t>  </a:t>
             </a:r>
             <a:r>
-              <a:rPr lang="pl" sz="4400" b="0" i="0" u="none" strike="noStrike" cap="none" baseline="0">
+              <a:rPr lang="pl" sz="4400" b="0" i="0" u="none" strike="noStrike" cap="none" baseline="0" dirty="0">
                 <a:solidFill>
                   <a:srgbClr val="00FF00"/>
                 </a:solidFill>
@@ -34748,7 +36728,7 @@
               <a:t>&lt;imię&gt;</a:t>
             </a:r>
             <a:r>
-              <a:rPr lang="pl" sz="4400" b="0" i="0" u="none" strike="noStrike" cap="none" baseline="0">
+              <a:rPr lang="pl" sz="4400" b="0" i="0" u="none" strike="noStrike" cap="none" baseline="0" dirty="0">
                 <a:solidFill>
                   <a:schemeClr val="lt1"/>
                 </a:solidFill>
@@ -34760,7 +36740,7 @@
               <a:t>Chuck</a:t>
             </a:r>
             <a:r>
-              <a:rPr lang="pl" sz="4400" b="0" i="0" u="none" strike="noStrike" cap="none" baseline="0">
+              <a:rPr lang="pl" sz="4400" b="0" i="0" u="none" strike="noStrike" cap="none" baseline="0" dirty="0">
                 <a:solidFill>
                   <a:srgbClr val="FFFF00"/>
                 </a:solidFill>
@@ -34791,7 +36771,7 @@
               <a:buNone/>
             </a:pPr>
             <a:r>
-              <a:rPr lang="pl" sz="4400" b="0" i="0" u="none" strike="noStrike" cap="none" baseline="0">
+              <a:rPr lang="pl" sz="4400" b="0" i="0" u="none" strike="noStrike" cap="none" baseline="0" dirty="0">
                 <a:solidFill>
                   <a:schemeClr val="lt1"/>
                 </a:solidFill>
@@ -34803,7 +36783,7 @@
               <a:t>  </a:t>
             </a:r>
             <a:r>
-              <a:rPr lang="pl" sz="4400" b="0" i="0" u="none" strike="noStrike" cap="none" baseline="0">
+              <a:rPr lang="pl" sz="4400" b="0" i="0" u="none" strike="noStrike" cap="none" baseline="0" dirty="0">
                 <a:solidFill>
                   <a:srgbClr val="00FF00"/>
                 </a:solidFill>
@@ -34815,7 +36795,7 @@
               <a:t>&lt;telefon </a:t>
             </a:r>
             <a:r>
-              <a:rPr lang="pl" sz="4400" b="0" i="0" u="none" strike="noStrike" cap="none" baseline="0">
+              <a:rPr lang="pl" sz="4400" b="0" i="0" u="none" strike="noStrike" cap="none" baseline="0" dirty="0">
                 <a:solidFill>
                   <a:srgbClr val="FF7F00"/>
                 </a:solidFill>
@@ -34827,7 +36807,7 @@
               <a:t>typ=</a:t>
             </a:r>
             <a:r>
-              <a:rPr lang="pl" sz="4400" b="0" i="0" u="none" baseline="0">
+              <a:rPr lang="pl" sz="4400" b="0" i="0" u="none" baseline="0" dirty="0">
                 <a:solidFill>
                   <a:srgbClr val="FF7F00"/>
                 </a:solidFill>
@@ -34835,7 +36815,7 @@
               <a:t>"</a:t>
             </a:r>
             <a:r>
-              <a:rPr lang="pl" sz="4400" b="0" i="0" u="none" strike="noStrike" cap="none" baseline="0">
+              <a:rPr lang="pl" sz="4400" b="0" i="0" u="none" strike="noStrike" cap="none" baseline="0" dirty="0">
                 <a:solidFill>
                   <a:srgbClr val="FF7F00"/>
                 </a:solidFill>
@@ -34847,7 +36827,7 @@
               <a:t>międzynar</a:t>
             </a:r>
             <a:r>
-              <a:rPr lang="pl" sz="4400" b="0" i="0" u="none" baseline="0">
+              <a:rPr lang="pl" sz="4400" b="0" i="0" u="none" baseline="0" dirty="0">
                 <a:solidFill>
                   <a:srgbClr val="FF7F00"/>
                 </a:solidFill>
@@ -34855,7 +36835,7 @@
               <a:t>"</a:t>
             </a:r>
             <a:r>
-              <a:rPr lang="pl" sz="4400" b="0" i="0" u="none" strike="noStrike" cap="none" baseline="0">
+              <a:rPr lang="pl" sz="4400" b="0" i="0" u="none" strike="noStrike" cap="none" baseline="0" dirty="0">
                 <a:solidFill>
                   <a:srgbClr val="00FF00"/>
                 </a:solidFill>
@@ -34886,7 +36866,7 @@
               <a:buNone/>
             </a:pPr>
             <a:r>
-              <a:rPr lang="pl" sz="4400" b="0" i="0" u="none" strike="noStrike" cap="none" baseline="0">
+              <a:rPr lang="pl" sz="4400" b="0" i="0" u="none" strike="noStrike" cap="none" baseline="0" dirty="0">
                 <a:solidFill>
                   <a:schemeClr val="lt1"/>
                 </a:solidFill>
@@ -34917,7 +36897,7 @@
               <a:buNone/>
             </a:pPr>
             <a:r>
-              <a:rPr lang="pl" sz="4400" b="0" i="0" u="none" strike="noStrike" cap="none" baseline="0">
+              <a:rPr lang="pl" sz="4400" b="0" i="0" u="none" strike="noStrike" cap="none" baseline="0" dirty="0">
                 <a:solidFill>
                   <a:schemeClr val="lt1"/>
                 </a:solidFill>
@@ -34929,7 +36909,7 @@
               <a:t>   </a:t>
             </a:r>
             <a:r>
-              <a:rPr lang="pl" sz="4400" b="0" i="0" u="none" strike="noStrike" cap="none" baseline="0">
+              <a:rPr lang="pl" sz="4400" b="0" i="0" u="none" strike="noStrike" cap="none" baseline="0" dirty="0">
                 <a:solidFill>
                   <a:srgbClr val="FFFF00"/>
                 </a:solidFill>
@@ -34960,7 +36940,7 @@
               <a:buNone/>
             </a:pPr>
             <a:r>
-              <a:rPr lang="pl" sz="4400" b="0" i="0" u="none" strike="noStrike" cap="none" baseline="0">
+              <a:rPr lang="pl" sz="4400" b="0" i="0" u="none" strike="noStrike" cap="none" baseline="0" dirty="0">
                 <a:solidFill>
                   <a:schemeClr val="lt1"/>
                 </a:solidFill>
@@ -34972,7 +36952,7 @@
               <a:t>   </a:t>
             </a:r>
             <a:r>
-              <a:rPr lang="pl" sz="4400" b="0" i="0" u="none" strike="noStrike" cap="none" baseline="0">
+              <a:rPr lang="pl" sz="4400" b="0" i="0" u="none" strike="noStrike" cap="none" baseline="0" dirty="0">
                 <a:solidFill>
                   <a:srgbClr val="FF00FF"/>
                 </a:solidFill>
@@ -34984,7 +36964,7 @@
               <a:t>&lt;email</a:t>
             </a:r>
             <a:r>
-              <a:rPr lang="pl" sz="4400" b="0" i="0" u="none" strike="noStrike" cap="none" baseline="0">
+              <a:rPr lang="pl" sz="4400" b="0" i="0" u="none" strike="noStrike" cap="none" baseline="0" dirty="0">
                 <a:solidFill>
                   <a:schemeClr val="lt1"/>
                 </a:solidFill>
@@ -34996,7 +36976,7 @@
               <a:t> </a:t>
             </a:r>
             <a:r>
-              <a:rPr lang="pl" sz="4400" b="0" i="0" u="none" strike="noStrike" cap="none" baseline="0">
+              <a:rPr lang="pl" sz="4400" b="0" i="0" u="none" strike="noStrike" cap="none" baseline="0" dirty="0">
                 <a:solidFill>
                   <a:srgbClr val="FF7F00"/>
                 </a:solidFill>
@@ -35008,7 +36988,7 @@
               <a:t>ukryty=</a:t>
             </a:r>
             <a:r>
-              <a:rPr lang="pl" sz="4400" b="0" i="0" u="none" baseline="0">
+              <a:rPr lang="pl" sz="4400" b="0" i="0" u="none" baseline="0" dirty="0">
                 <a:solidFill>
                   <a:srgbClr val="FF7F00"/>
                 </a:solidFill>
@@ -35016,7 +36996,7 @@
               <a:t>"</a:t>
             </a:r>
             <a:r>
-              <a:rPr lang="pl" sz="4400" b="0" i="0" u="none" strike="noStrike" cap="none" baseline="0">
+              <a:rPr lang="pl" sz="4400" b="0" i="0" u="none" strike="noStrike" cap="none" baseline="0" dirty="0">
                 <a:solidFill>
                   <a:srgbClr val="FF7F00"/>
                 </a:solidFill>
@@ -35028,7 +37008,7 @@
               <a:t>tak</a:t>
             </a:r>
             <a:r>
-              <a:rPr lang="pl" sz="4400" b="0" i="0" u="none" baseline="0">
+              <a:rPr lang="pl" sz="4400" b="0" i="0" u="none" baseline="0" dirty="0">
                 <a:solidFill>
                   <a:srgbClr val="FF7F00"/>
                 </a:solidFill>
@@ -35036,7 +37016,7 @@
               <a:t>"</a:t>
             </a:r>
             <a:r>
-              <a:rPr lang="pl" sz="4400" b="0" i="0" u="none" strike="noStrike" cap="none" baseline="0">
+              <a:rPr lang="pl" sz="4400" b="0" i="0" u="none" strike="noStrike" cap="none" baseline="0" dirty="0">
                 <a:solidFill>
                   <a:schemeClr val="lt1"/>
                 </a:solidFill>
@@ -35048,7 +37028,7 @@
               <a:t> </a:t>
             </a:r>
             <a:r>
-              <a:rPr lang="pl" sz="4400" b="0" i="0" u="none" strike="noStrike" cap="none" baseline="0">
+              <a:rPr lang="pl" sz="4400" b="0" i="0" u="none" strike="noStrike" cap="none" baseline="0" dirty="0">
                 <a:solidFill>
                   <a:srgbClr val="FF00FF"/>
                 </a:solidFill>
@@ -35079,7 +37059,7 @@
               <a:buNone/>
             </a:pPr>
             <a:r>
-              <a:rPr lang="pl" sz="4400" b="0" i="0" u="none" strike="noStrike" cap="none" baseline="0">
+              <a:rPr lang="pl" sz="4400" b="0" i="0" u="none" strike="noStrike" cap="none" baseline="0" dirty="0">
                 <a:solidFill>
                   <a:srgbClr val="FFFF00"/>
                 </a:solidFill>
